--- a/Mental classes presentation.pptx
+++ b/Mental classes presentation.pptx
@@ -5,33 +5,34 @@
     <p:sldMasterId id="2147483648" r:id="rId1"/>
   </p:sldMasterIdLst>
   <p:notesMasterIdLst>
-    <p:notesMasterId r:id="rId26"/>
+    <p:notesMasterId r:id="rId27"/>
   </p:notesMasterIdLst>
   <p:sldIdLst>
     <p:sldId id="262" r:id="rId2"/>
-    <p:sldId id="263" r:id="rId3"/>
-    <p:sldId id="264" r:id="rId4"/>
-    <p:sldId id="265" r:id="rId5"/>
+    <p:sldId id="298" r:id="rId3"/>
+    <p:sldId id="297" r:id="rId4"/>
+    <p:sldId id="299" r:id="rId5"/>
     <p:sldId id="268" r:id="rId6"/>
-    <p:sldId id="269" r:id="rId7"/>
-    <p:sldId id="270" r:id="rId8"/>
-    <p:sldId id="272" r:id="rId9"/>
-    <p:sldId id="273" r:id="rId10"/>
-    <p:sldId id="274" r:id="rId11"/>
-    <p:sldId id="275" r:id="rId12"/>
-    <p:sldId id="276" r:id="rId13"/>
-    <p:sldId id="277" r:id="rId14"/>
-    <p:sldId id="278" r:id="rId15"/>
-    <p:sldId id="279" r:id="rId16"/>
-    <p:sldId id="281" r:id="rId17"/>
-    <p:sldId id="282" r:id="rId18"/>
-    <p:sldId id="283" r:id="rId19"/>
+    <p:sldId id="272" r:id="rId7"/>
+    <p:sldId id="273" r:id="rId8"/>
+    <p:sldId id="308" r:id="rId9"/>
+    <p:sldId id="274" r:id="rId10"/>
+    <p:sldId id="300" r:id="rId11"/>
+    <p:sldId id="301" r:id="rId12"/>
+    <p:sldId id="302" r:id="rId13"/>
+    <p:sldId id="275" r:id="rId14"/>
+    <p:sldId id="276" r:id="rId15"/>
+    <p:sldId id="303" r:id="rId16"/>
+    <p:sldId id="279" r:id="rId17"/>
+    <p:sldId id="304" r:id="rId18"/>
+    <p:sldId id="281" r:id="rId19"/>
     <p:sldId id="284" r:id="rId20"/>
-    <p:sldId id="285" r:id="rId21"/>
-    <p:sldId id="286" r:id="rId22"/>
-    <p:sldId id="290" r:id="rId23"/>
-    <p:sldId id="291" r:id="rId24"/>
-    <p:sldId id="296" r:id="rId25"/>
+    <p:sldId id="309" r:id="rId21"/>
+    <p:sldId id="311" r:id="rId22"/>
+    <p:sldId id="310" r:id="rId23"/>
+    <p:sldId id="305" r:id="rId24"/>
+    <p:sldId id="307" r:id="rId25"/>
+    <p:sldId id="296" r:id="rId26"/>
   </p:sldIdLst>
   <p:sldSz cx="12192000" cy="6858000"/>
   <p:notesSz cx="6858000" cy="9144000"/>
@@ -265,6 +266,9 @@
     </a:lvl9pPr>
   </p:defaultTextStyle>
   <p:extLst>
+    <p:ext uri="{EFAFB233-063F-42B5-8137-9DF3F51BA10A}">
+      <p15:sldGuideLst xmlns:p15="http://schemas.microsoft.com/office/powerpoint/2012/main"/>
+    </p:ext>
     <p:ext uri="http://customooxmlschemas.google.com/">
       <go:slidesCustomData xmlns:go="http://customooxmlschemas.google.com/" xmlns:ahyp="http://schemas.microsoft.com/office/drawing/2018/hyperlinkcolor" xmlns:p15="http://schemas.microsoft.com/office/powerpoint/2012/main" xmlns:p14="http://schemas.microsoft.com/office/powerpoint/2010/main" xmlns:com="http://schemas.openxmlformats.org/drawingml/2006/compatibility" xmlns:pvml="urn:schemas-microsoft-com:office:powerpoint" xmlns:v="urn:schemas-microsoft-com:vml" xmlns:o="urn:schemas-microsoft-com:office:office" xmlns:dgm="http://schemas.openxmlformats.org/drawingml/2006/diagram" xmlns:c="http://schemas.openxmlformats.org/drawingml/2006/chart" xmlns:mv="urn:schemas-microsoft-com:mac:vml" xmlns:mc="http://schemas.openxmlformats.org/markup-compatibility/2006" xmlns="" r:id="rId47" roundtripDataSignature="AMtx7mjTfTqXtoZWbqRZ8mJGgzt5sQp8+w=="/>
     </p:ext>
@@ -1666,6 +1670,11 @@
         </p:spPr>
       </p:sp>
     </p:spTree>
+    <p:extLst>
+      <p:ext uri="{BB962C8B-B14F-4D97-AF65-F5344CB8AC3E}">
+        <p14:creationId xmlns:p14="http://schemas.microsoft.com/office/powerpoint/2010/main" val="3879666132"/>
+      </p:ext>
+    </p:extLst>
   </p:cSld>
   <p:clrMapOvr>
     <a:masterClrMapping/>
@@ -1674,6 +1683,224 @@
 </file>
 
 <file path=ppt/notesSlides/notesSlide11.xml><?xml version="1.0" encoding="utf-8"?>
+<p:notes xmlns:a="http://schemas.openxmlformats.org/drawingml/2006/main" xmlns:r="http://schemas.openxmlformats.org/officeDocument/2006/relationships" xmlns:p="http://schemas.openxmlformats.org/presentationml/2006/main" showMasterSp="0" showMasterPhAnim="0">
+  <p:cSld>
+    <p:spTree>
+      <p:nvGrpSpPr>
+        <p:cNvPr id="1" name="Shape 310"/>
+        <p:cNvGrpSpPr/>
+        <p:nvPr/>
+      </p:nvGrpSpPr>
+      <p:grpSpPr>
+        <a:xfrm>
+          <a:off x="0" y="0"/>
+          <a:ext cx="0" cy="0"/>
+          <a:chOff x="0" y="0"/>
+          <a:chExt cx="0" cy="0"/>
+        </a:xfrm>
+      </p:grpSpPr>
+      <p:sp>
+        <p:nvSpPr>
+          <p:cNvPr id="311" name="Google Shape;311;g17249ec79ef_1_132:notes"/>
+          <p:cNvSpPr txBox="1">
+            <a:spLocks noGrp="1"/>
+          </p:cNvSpPr>
+          <p:nvPr>
+            <p:ph type="body" idx="1"/>
+          </p:nvPr>
+        </p:nvSpPr>
+        <p:spPr>
+          <a:xfrm>
+            <a:off x="685800" y="4400550"/>
+            <a:ext cx="5486400" cy="3600600"/>
+          </a:xfrm>
+          <a:prstGeom prst="rect">
+            <a:avLst/>
+          </a:prstGeom>
+        </p:spPr>
+        <p:txBody>
+          <a:bodyPr spcFirstLastPara="1" wrap="square" lIns="91425" tIns="45700" rIns="91425" bIns="45700" anchor="t" anchorCtr="0">
+            <a:noAutofit/>
+          </a:bodyPr>
+          <a:lstStyle/>
+          <a:p>
+            <a:pPr marL="0" lvl="0" indent="0" algn="l" rtl="0">
+              <a:spcBef>
+                <a:spcPts val="0"/>
+              </a:spcBef>
+              <a:spcAft>
+                <a:spcPts val="0"/>
+              </a:spcAft>
+              <a:buNone/>
+            </a:pPr>
+            <a:endParaRPr/>
+          </a:p>
+        </p:txBody>
+      </p:sp>
+      <p:sp>
+        <p:nvSpPr>
+          <p:cNvPr id="312" name="Google Shape;312;g17249ec79ef_1_132:notes"/>
+          <p:cNvSpPr>
+            <a:spLocks noGrp="1" noRot="1" noChangeAspect="1"/>
+          </p:cNvSpPr>
+          <p:nvPr>
+            <p:ph type="sldImg" idx="2"/>
+          </p:nvPr>
+        </p:nvSpPr>
+        <p:spPr>
+          <a:xfrm>
+            <a:off x="685800" y="1143000"/>
+            <a:ext cx="5486400" cy="3086100"/>
+          </a:xfrm>
+          <a:custGeom>
+            <a:avLst/>
+            <a:gdLst/>
+            <a:ahLst/>
+            <a:cxnLst/>
+            <a:rect l="l" t="t" r="r" b="b"/>
+            <a:pathLst>
+              <a:path w="120000" h="120000" extrusionOk="0">
+                <a:moveTo>
+                  <a:pt x="0" y="0"/>
+                </a:moveTo>
+                <a:lnTo>
+                  <a:pt x="120000" y="0"/>
+                </a:lnTo>
+                <a:lnTo>
+                  <a:pt x="120000" y="120000"/>
+                </a:lnTo>
+                <a:lnTo>
+                  <a:pt x="0" y="120000"/>
+                </a:lnTo>
+                <a:close/>
+              </a:path>
+            </a:pathLst>
+          </a:custGeom>
+        </p:spPr>
+      </p:sp>
+    </p:spTree>
+    <p:extLst>
+      <p:ext uri="{BB962C8B-B14F-4D97-AF65-F5344CB8AC3E}">
+        <p14:creationId xmlns:p14="http://schemas.microsoft.com/office/powerpoint/2010/main" val="1112584550"/>
+      </p:ext>
+    </p:extLst>
+  </p:cSld>
+  <p:clrMapOvr>
+    <a:masterClrMapping/>
+  </p:clrMapOvr>
+</p:notes>
+</file>
+
+<file path=ppt/notesSlides/notesSlide12.xml><?xml version="1.0" encoding="utf-8"?>
+<p:notes xmlns:a="http://schemas.openxmlformats.org/drawingml/2006/main" xmlns:r="http://schemas.openxmlformats.org/officeDocument/2006/relationships" xmlns:p="http://schemas.openxmlformats.org/presentationml/2006/main" showMasterSp="0" showMasterPhAnim="0">
+  <p:cSld>
+    <p:spTree>
+      <p:nvGrpSpPr>
+        <p:cNvPr id="1" name="Shape 310"/>
+        <p:cNvGrpSpPr/>
+        <p:nvPr/>
+      </p:nvGrpSpPr>
+      <p:grpSpPr>
+        <a:xfrm>
+          <a:off x="0" y="0"/>
+          <a:ext cx="0" cy="0"/>
+          <a:chOff x="0" y="0"/>
+          <a:chExt cx="0" cy="0"/>
+        </a:xfrm>
+      </p:grpSpPr>
+      <p:sp>
+        <p:nvSpPr>
+          <p:cNvPr id="311" name="Google Shape;311;g17249ec79ef_1_132:notes"/>
+          <p:cNvSpPr txBox="1">
+            <a:spLocks noGrp="1"/>
+          </p:cNvSpPr>
+          <p:nvPr>
+            <p:ph type="body" idx="1"/>
+          </p:nvPr>
+        </p:nvSpPr>
+        <p:spPr>
+          <a:xfrm>
+            <a:off x="685800" y="4400550"/>
+            <a:ext cx="5486400" cy="3600600"/>
+          </a:xfrm>
+          <a:prstGeom prst="rect">
+            <a:avLst/>
+          </a:prstGeom>
+        </p:spPr>
+        <p:txBody>
+          <a:bodyPr spcFirstLastPara="1" wrap="square" lIns="91425" tIns="45700" rIns="91425" bIns="45700" anchor="t" anchorCtr="0">
+            <a:noAutofit/>
+          </a:bodyPr>
+          <a:lstStyle/>
+          <a:p>
+            <a:pPr marL="0" lvl="0" indent="0" algn="l" rtl="0">
+              <a:spcBef>
+                <a:spcPts val="0"/>
+              </a:spcBef>
+              <a:spcAft>
+                <a:spcPts val="0"/>
+              </a:spcAft>
+              <a:buNone/>
+            </a:pPr>
+            <a:endParaRPr/>
+          </a:p>
+        </p:txBody>
+      </p:sp>
+      <p:sp>
+        <p:nvSpPr>
+          <p:cNvPr id="312" name="Google Shape;312;g17249ec79ef_1_132:notes"/>
+          <p:cNvSpPr>
+            <a:spLocks noGrp="1" noRot="1" noChangeAspect="1"/>
+          </p:cNvSpPr>
+          <p:nvPr>
+            <p:ph type="sldImg" idx="2"/>
+          </p:nvPr>
+        </p:nvSpPr>
+        <p:spPr>
+          <a:xfrm>
+            <a:off x="685800" y="1143000"/>
+            <a:ext cx="5486400" cy="3086100"/>
+          </a:xfrm>
+          <a:custGeom>
+            <a:avLst/>
+            <a:gdLst/>
+            <a:ahLst/>
+            <a:cxnLst/>
+            <a:rect l="l" t="t" r="r" b="b"/>
+            <a:pathLst>
+              <a:path w="120000" h="120000" extrusionOk="0">
+                <a:moveTo>
+                  <a:pt x="0" y="0"/>
+                </a:moveTo>
+                <a:lnTo>
+                  <a:pt x="120000" y="0"/>
+                </a:lnTo>
+                <a:lnTo>
+                  <a:pt x="120000" y="120000"/>
+                </a:lnTo>
+                <a:lnTo>
+                  <a:pt x="0" y="120000"/>
+                </a:lnTo>
+                <a:close/>
+              </a:path>
+            </a:pathLst>
+          </a:custGeom>
+        </p:spPr>
+      </p:sp>
+    </p:spTree>
+    <p:extLst>
+      <p:ext uri="{BB962C8B-B14F-4D97-AF65-F5344CB8AC3E}">
+        <p14:creationId xmlns:p14="http://schemas.microsoft.com/office/powerpoint/2010/main" val="3531109096"/>
+      </p:ext>
+    </p:extLst>
+  </p:cSld>
+  <p:clrMapOvr>
+    <a:masterClrMapping/>
+  </p:clrMapOvr>
+</p:notes>
+</file>
+
+<file path=ppt/notesSlides/notesSlide13.xml><?xml version="1.0" encoding="utf-8"?>
 <p:notes xmlns:a="http://schemas.openxmlformats.org/drawingml/2006/main" xmlns:r="http://schemas.openxmlformats.org/officeDocument/2006/relationships" xmlns:p="http://schemas.openxmlformats.org/presentationml/2006/main" showMasterSp="0" showMasterPhAnim="0">
   <p:cSld>
     <p:spTree>
@@ -1777,7 +2004,7 @@
 </p:notes>
 </file>
 
-<file path=ppt/notesSlides/notesSlide12.xml><?xml version="1.0" encoding="utf-8"?>
+<file path=ppt/notesSlides/notesSlide14.xml><?xml version="1.0" encoding="utf-8"?>
 <p:notes xmlns:a="http://schemas.openxmlformats.org/drawingml/2006/main" xmlns:r="http://schemas.openxmlformats.org/officeDocument/2006/relationships" xmlns:p="http://schemas.openxmlformats.org/presentationml/2006/main" showMasterSp="0" showMasterPhAnim="0">
   <p:cSld>
     <p:spTree>
@@ -1881,12 +2108,12 @@
 </p:notes>
 </file>
 
-<file path=ppt/notesSlides/notesSlide13.xml><?xml version="1.0" encoding="utf-8"?>
+<file path=ppt/notesSlides/notesSlide15.xml><?xml version="1.0" encoding="utf-8"?>
 <p:notes xmlns:a="http://schemas.openxmlformats.org/drawingml/2006/main" xmlns:r="http://schemas.openxmlformats.org/officeDocument/2006/relationships" xmlns:p="http://schemas.openxmlformats.org/presentationml/2006/main" showMasterSp="0" showMasterPhAnim="0">
   <p:cSld>
     <p:spTree>
       <p:nvGrpSpPr>
-        <p:cNvPr id="1" name="Shape 336"/>
+        <p:cNvPr id="1" name="Shape 269"/>
         <p:cNvGrpSpPr/>
         <p:nvPr/>
       </p:nvGrpSpPr>
@@ -1900,7 +2127,7 @@
       </p:grpSpPr>
       <p:sp>
         <p:nvSpPr>
-          <p:cNvPr id="337" name="Google Shape;337;g172a4a07427_0_0:notes"/>
+          <p:cNvPr id="270" name="Google Shape;270;g17249ec79ef_1_33:notes"/>
           <p:cNvSpPr txBox="1">
             <a:spLocks noGrp="1"/>
           </p:cNvSpPr>
@@ -1938,7 +2165,7 @@
       </p:sp>
       <p:sp>
         <p:nvSpPr>
-          <p:cNvPr id="338" name="Google Shape;338;g172a4a07427_0_0:notes"/>
+          <p:cNvPr id="271" name="Google Shape;271;g17249ec79ef_1_33:notes"/>
           <p:cNvSpPr>
             <a:spLocks noGrp="1" noRot="1" noChangeAspect="1"/>
           </p:cNvSpPr>
@@ -1978,6 +2205,11 @@
         </p:spPr>
       </p:sp>
     </p:spTree>
+    <p:extLst>
+      <p:ext uri="{BB962C8B-B14F-4D97-AF65-F5344CB8AC3E}">
+        <p14:creationId xmlns:p14="http://schemas.microsoft.com/office/powerpoint/2010/main" val="3262599635"/>
+      </p:ext>
+    </p:extLst>
   </p:cSld>
   <p:clrMapOvr>
     <a:masterClrMapping/>
@@ -1985,111 +2217,7 @@
 </p:notes>
 </file>
 
-<file path=ppt/notesSlides/notesSlide14.xml><?xml version="1.0" encoding="utf-8"?>
-<p:notes xmlns:a="http://schemas.openxmlformats.org/drawingml/2006/main" xmlns:r="http://schemas.openxmlformats.org/officeDocument/2006/relationships" xmlns:p="http://schemas.openxmlformats.org/presentationml/2006/main" showMasterSp="0" showMasterPhAnim="0">
-  <p:cSld>
-    <p:spTree>
-      <p:nvGrpSpPr>
-        <p:cNvPr id="1" name="Shape 343"/>
-        <p:cNvGrpSpPr/>
-        <p:nvPr/>
-      </p:nvGrpSpPr>
-      <p:grpSpPr>
-        <a:xfrm>
-          <a:off x="0" y="0"/>
-          <a:ext cx="0" cy="0"/>
-          <a:chOff x="0" y="0"/>
-          <a:chExt cx="0" cy="0"/>
-        </a:xfrm>
-      </p:grpSpPr>
-      <p:sp>
-        <p:nvSpPr>
-          <p:cNvPr id="344" name="Google Shape;344;g172a4a07427_0_10:notes"/>
-          <p:cNvSpPr txBox="1">
-            <a:spLocks noGrp="1"/>
-          </p:cNvSpPr>
-          <p:nvPr>
-            <p:ph type="body" idx="1"/>
-          </p:nvPr>
-        </p:nvSpPr>
-        <p:spPr>
-          <a:xfrm>
-            <a:off x="685800" y="4400550"/>
-            <a:ext cx="5486400" cy="3600600"/>
-          </a:xfrm>
-          <a:prstGeom prst="rect">
-            <a:avLst/>
-          </a:prstGeom>
-        </p:spPr>
-        <p:txBody>
-          <a:bodyPr spcFirstLastPara="1" wrap="square" lIns="91425" tIns="45700" rIns="91425" bIns="45700" anchor="t" anchorCtr="0">
-            <a:noAutofit/>
-          </a:bodyPr>
-          <a:lstStyle/>
-          <a:p>
-            <a:pPr marL="0" lvl="0" indent="0" algn="l" rtl="0">
-              <a:spcBef>
-                <a:spcPts val="0"/>
-              </a:spcBef>
-              <a:spcAft>
-                <a:spcPts val="0"/>
-              </a:spcAft>
-              <a:buNone/>
-            </a:pPr>
-            <a:endParaRPr/>
-          </a:p>
-        </p:txBody>
-      </p:sp>
-      <p:sp>
-        <p:nvSpPr>
-          <p:cNvPr id="345" name="Google Shape;345;g172a4a07427_0_10:notes"/>
-          <p:cNvSpPr>
-            <a:spLocks noGrp="1" noRot="1" noChangeAspect="1"/>
-          </p:cNvSpPr>
-          <p:nvPr>
-            <p:ph type="sldImg" idx="2"/>
-          </p:nvPr>
-        </p:nvSpPr>
-        <p:spPr>
-          <a:xfrm>
-            <a:off x="685800" y="1143000"/>
-            <a:ext cx="5486400" cy="3086100"/>
-          </a:xfrm>
-          <a:custGeom>
-            <a:avLst/>
-            <a:gdLst/>
-            <a:ahLst/>
-            <a:cxnLst/>
-            <a:rect l="l" t="t" r="r" b="b"/>
-            <a:pathLst>
-              <a:path w="120000" h="120000" extrusionOk="0">
-                <a:moveTo>
-                  <a:pt x="0" y="0"/>
-                </a:moveTo>
-                <a:lnTo>
-                  <a:pt x="120000" y="0"/>
-                </a:lnTo>
-                <a:lnTo>
-                  <a:pt x="120000" y="120000"/>
-                </a:lnTo>
-                <a:lnTo>
-                  <a:pt x="0" y="120000"/>
-                </a:lnTo>
-                <a:close/>
-              </a:path>
-            </a:pathLst>
-          </a:custGeom>
-        </p:spPr>
-      </p:sp>
-    </p:spTree>
-  </p:cSld>
-  <p:clrMapOvr>
-    <a:masterClrMapping/>
-  </p:clrMapOvr>
-</p:notes>
-</file>
-
-<file path=ppt/notesSlides/notesSlide15.xml><?xml version="1.0" encoding="utf-8"?>
+<file path=ppt/notesSlides/notesSlide16.xml><?xml version="1.0" encoding="utf-8"?>
 <p:notes xmlns:a="http://schemas.openxmlformats.org/drawingml/2006/main" xmlns:r="http://schemas.openxmlformats.org/officeDocument/2006/relationships" xmlns:p="http://schemas.openxmlformats.org/presentationml/2006/main" showMasterSp="0" showMasterPhAnim="0">
   <p:cSld>
     <p:spTree>
@@ -2193,7 +2321,116 @@
 </p:notes>
 </file>
 
-<file path=ppt/notesSlides/notesSlide16.xml><?xml version="1.0" encoding="utf-8"?>
+<file path=ppt/notesSlides/notesSlide17.xml><?xml version="1.0" encoding="utf-8"?>
+<p:notes xmlns:a="http://schemas.openxmlformats.org/drawingml/2006/main" xmlns:r="http://schemas.openxmlformats.org/officeDocument/2006/relationships" xmlns:p="http://schemas.openxmlformats.org/presentationml/2006/main" showMasterSp="0" showMasterPhAnim="0">
+  <p:cSld>
+    <p:spTree>
+      <p:nvGrpSpPr>
+        <p:cNvPr id="1" name="Shape 269"/>
+        <p:cNvGrpSpPr/>
+        <p:nvPr/>
+      </p:nvGrpSpPr>
+      <p:grpSpPr>
+        <a:xfrm>
+          <a:off x="0" y="0"/>
+          <a:ext cx="0" cy="0"/>
+          <a:chOff x="0" y="0"/>
+          <a:chExt cx="0" cy="0"/>
+        </a:xfrm>
+      </p:grpSpPr>
+      <p:sp>
+        <p:nvSpPr>
+          <p:cNvPr id="270" name="Google Shape;270;g17249ec79ef_1_33:notes"/>
+          <p:cNvSpPr txBox="1">
+            <a:spLocks noGrp="1"/>
+          </p:cNvSpPr>
+          <p:nvPr>
+            <p:ph type="body" idx="1"/>
+          </p:nvPr>
+        </p:nvSpPr>
+        <p:spPr>
+          <a:xfrm>
+            <a:off x="685800" y="4400550"/>
+            <a:ext cx="5486400" cy="3600600"/>
+          </a:xfrm>
+          <a:prstGeom prst="rect">
+            <a:avLst/>
+          </a:prstGeom>
+        </p:spPr>
+        <p:txBody>
+          <a:bodyPr spcFirstLastPara="1" wrap="square" lIns="91425" tIns="45700" rIns="91425" bIns="45700" anchor="t" anchorCtr="0">
+            <a:noAutofit/>
+          </a:bodyPr>
+          <a:lstStyle/>
+          <a:p>
+            <a:pPr marL="0" lvl="0" indent="0" algn="l" rtl="0">
+              <a:spcBef>
+                <a:spcPts val="0"/>
+              </a:spcBef>
+              <a:spcAft>
+                <a:spcPts val="0"/>
+              </a:spcAft>
+              <a:buNone/>
+            </a:pPr>
+            <a:endParaRPr/>
+          </a:p>
+        </p:txBody>
+      </p:sp>
+      <p:sp>
+        <p:nvSpPr>
+          <p:cNvPr id="271" name="Google Shape;271;g17249ec79ef_1_33:notes"/>
+          <p:cNvSpPr>
+            <a:spLocks noGrp="1" noRot="1" noChangeAspect="1"/>
+          </p:cNvSpPr>
+          <p:nvPr>
+            <p:ph type="sldImg" idx="2"/>
+          </p:nvPr>
+        </p:nvSpPr>
+        <p:spPr>
+          <a:xfrm>
+            <a:off x="685800" y="1143000"/>
+            <a:ext cx="5486400" cy="3086100"/>
+          </a:xfrm>
+          <a:custGeom>
+            <a:avLst/>
+            <a:gdLst/>
+            <a:ahLst/>
+            <a:cxnLst/>
+            <a:rect l="l" t="t" r="r" b="b"/>
+            <a:pathLst>
+              <a:path w="120000" h="120000" extrusionOk="0">
+                <a:moveTo>
+                  <a:pt x="0" y="0"/>
+                </a:moveTo>
+                <a:lnTo>
+                  <a:pt x="120000" y="0"/>
+                </a:lnTo>
+                <a:lnTo>
+                  <a:pt x="120000" y="120000"/>
+                </a:lnTo>
+                <a:lnTo>
+                  <a:pt x="0" y="120000"/>
+                </a:lnTo>
+                <a:close/>
+              </a:path>
+            </a:pathLst>
+          </a:custGeom>
+        </p:spPr>
+      </p:sp>
+    </p:spTree>
+    <p:extLst>
+      <p:ext uri="{BB962C8B-B14F-4D97-AF65-F5344CB8AC3E}">
+        <p14:creationId xmlns:p14="http://schemas.microsoft.com/office/powerpoint/2010/main" val="113474989"/>
+      </p:ext>
+    </p:extLst>
+  </p:cSld>
+  <p:clrMapOvr>
+    <a:masterClrMapping/>
+  </p:clrMapOvr>
+</p:notes>
+</file>
+
+<file path=ppt/notesSlides/notesSlide18.xml><?xml version="1.0" encoding="utf-8"?>
 <p:notes xmlns:a="http://schemas.openxmlformats.org/drawingml/2006/main" xmlns:r="http://schemas.openxmlformats.org/officeDocument/2006/relationships" xmlns:p="http://schemas.openxmlformats.org/presentationml/2006/main" showMasterSp="0" showMasterPhAnim="0">
   <p:cSld>
     <p:spTree>
@@ -2251,214 +2488,6 @@
       <p:sp>
         <p:nvSpPr>
           <p:cNvPr id="366" name="Google Shape;366;g17249ec79ef_1_93:notes"/>
-          <p:cNvSpPr>
-            <a:spLocks noGrp="1" noRot="1" noChangeAspect="1"/>
-          </p:cNvSpPr>
-          <p:nvPr>
-            <p:ph type="sldImg" idx="2"/>
-          </p:nvPr>
-        </p:nvSpPr>
-        <p:spPr>
-          <a:xfrm>
-            <a:off x="685800" y="1143000"/>
-            <a:ext cx="5486400" cy="3086100"/>
-          </a:xfrm>
-          <a:custGeom>
-            <a:avLst/>
-            <a:gdLst/>
-            <a:ahLst/>
-            <a:cxnLst/>
-            <a:rect l="l" t="t" r="r" b="b"/>
-            <a:pathLst>
-              <a:path w="120000" h="120000" extrusionOk="0">
-                <a:moveTo>
-                  <a:pt x="0" y="0"/>
-                </a:moveTo>
-                <a:lnTo>
-                  <a:pt x="120000" y="0"/>
-                </a:lnTo>
-                <a:lnTo>
-                  <a:pt x="120000" y="120000"/>
-                </a:lnTo>
-                <a:lnTo>
-                  <a:pt x="0" y="120000"/>
-                </a:lnTo>
-                <a:close/>
-              </a:path>
-            </a:pathLst>
-          </a:custGeom>
-        </p:spPr>
-      </p:sp>
-    </p:spTree>
-  </p:cSld>
-  <p:clrMapOvr>
-    <a:masterClrMapping/>
-  </p:clrMapOvr>
-</p:notes>
-</file>
-
-<file path=ppt/notesSlides/notesSlide17.xml><?xml version="1.0" encoding="utf-8"?>
-<p:notes xmlns:a="http://schemas.openxmlformats.org/drawingml/2006/main" xmlns:r="http://schemas.openxmlformats.org/officeDocument/2006/relationships" xmlns:p="http://schemas.openxmlformats.org/presentationml/2006/main" showMasterSp="0" showMasterPhAnim="0">
-  <p:cSld>
-    <p:spTree>
-      <p:nvGrpSpPr>
-        <p:cNvPr id="1" name="Shape 371"/>
-        <p:cNvGrpSpPr/>
-        <p:nvPr/>
-      </p:nvGrpSpPr>
-      <p:grpSpPr>
-        <a:xfrm>
-          <a:off x="0" y="0"/>
-          <a:ext cx="0" cy="0"/>
-          <a:chOff x="0" y="0"/>
-          <a:chExt cx="0" cy="0"/>
-        </a:xfrm>
-      </p:grpSpPr>
-      <p:sp>
-        <p:nvSpPr>
-          <p:cNvPr id="372" name="Google Shape;372;g17249ec79ef_1_101:notes"/>
-          <p:cNvSpPr txBox="1">
-            <a:spLocks noGrp="1"/>
-          </p:cNvSpPr>
-          <p:nvPr>
-            <p:ph type="body" idx="1"/>
-          </p:nvPr>
-        </p:nvSpPr>
-        <p:spPr>
-          <a:xfrm>
-            <a:off x="685800" y="4400550"/>
-            <a:ext cx="5486400" cy="3600600"/>
-          </a:xfrm>
-          <a:prstGeom prst="rect">
-            <a:avLst/>
-          </a:prstGeom>
-        </p:spPr>
-        <p:txBody>
-          <a:bodyPr spcFirstLastPara="1" wrap="square" lIns="91425" tIns="45700" rIns="91425" bIns="45700" anchor="t" anchorCtr="0">
-            <a:noAutofit/>
-          </a:bodyPr>
-          <a:lstStyle/>
-          <a:p>
-            <a:pPr marL="0" lvl="0" indent="0" algn="l" rtl="0">
-              <a:spcBef>
-                <a:spcPts val="0"/>
-              </a:spcBef>
-              <a:spcAft>
-                <a:spcPts val="0"/>
-              </a:spcAft>
-              <a:buNone/>
-            </a:pPr>
-            <a:endParaRPr/>
-          </a:p>
-        </p:txBody>
-      </p:sp>
-      <p:sp>
-        <p:nvSpPr>
-          <p:cNvPr id="373" name="Google Shape;373;g17249ec79ef_1_101:notes"/>
-          <p:cNvSpPr>
-            <a:spLocks noGrp="1" noRot="1" noChangeAspect="1"/>
-          </p:cNvSpPr>
-          <p:nvPr>
-            <p:ph type="sldImg" idx="2"/>
-          </p:nvPr>
-        </p:nvSpPr>
-        <p:spPr>
-          <a:xfrm>
-            <a:off x="685800" y="1143000"/>
-            <a:ext cx="5486400" cy="3086100"/>
-          </a:xfrm>
-          <a:custGeom>
-            <a:avLst/>
-            <a:gdLst/>
-            <a:ahLst/>
-            <a:cxnLst/>
-            <a:rect l="l" t="t" r="r" b="b"/>
-            <a:pathLst>
-              <a:path w="120000" h="120000" extrusionOk="0">
-                <a:moveTo>
-                  <a:pt x="0" y="0"/>
-                </a:moveTo>
-                <a:lnTo>
-                  <a:pt x="120000" y="0"/>
-                </a:lnTo>
-                <a:lnTo>
-                  <a:pt x="120000" y="120000"/>
-                </a:lnTo>
-                <a:lnTo>
-                  <a:pt x="0" y="120000"/>
-                </a:lnTo>
-                <a:close/>
-              </a:path>
-            </a:pathLst>
-          </a:custGeom>
-        </p:spPr>
-      </p:sp>
-    </p:spTree>
-  </p:cSld>
-  <p:clrMapOvr>
-    <a:masterClrMapping/>
-  </p:clrMapOvr>
-</p:notes>
-</file>
-
-<file path=ppt/notesSlides/notesSlide18.xml><?xml version="1.0" encoding="utf-8"?>
-<p:notes xmlns:a="http://schemas.openxmlformats.org/drawingml/2006/main" xmlns:r="http://schemas.openxmlformats.org/officeDocument/2006/relationships" xmlns:p="http://schemas.openxmlformats.org/presentationml/2006/main" showMasterSp="0" showMasterPhAnim="0">
-  <p:cSld>
-    <p:spTree>
-      <p:nvGrpSpPr>
-        <p:cNvPr id="1" name="Shape 378"/>
-        <p:cNvGrpSpPr/>
-        <p:nvPr/>
-      </p:nvGrpSpPr>
-      <p:grpSpPr>
-        <a:xfrm>
-          <a:off x="0" y="0"/>
-          <a:ext cx="0" cy="0"/>
-          <a:chOff x="0" y="0"/>
-          <a:chExt cx="0" cy="0"/>
-        </a:xfrm>
-      </p:grpSpPr>
-      <p:sp>
-        <p:nvSpPr>
-          <p:cNvPr id="379" name="Google Shape;379;g17249ec79ef_1_112:notes"/>
-          <p:cNvSpPr txBox="1">
-            <a:spLocks noGrp="1"/>
-          </p:cNvSpPr>
-          <p:nvPr>
-            <p:ph type="body" idx="1"/>
-          </p:nvPr>
-        </p:nvSpPr>
-        <p:spPr>
-          <a:xfrm>
-            <a:off x="685800" y="4400550"/>
-            <a:ext cx="5486400" cy="3600600"/>
-          </a:xfrm>
-          <a:prstGeom prst="rect">
-            <a:avLst/>
-          </a:prstGeom>
-        </p:spPr>
-        <p:txBody>
-          <a:bodyPr spcFirstLastPara="1" wrap="square" lIns="91425" tIns="45700" rIns="91425" bIns="45700" anchor="t" anchorCtr="0">
-            <a:noAutofit/>
-          </a:bodyPr>
-          <a:lstStyle/>
-          <a:p>
-            <a:pPr marL="0" lvl="0" indent="0" algn="l" rtl="0">
-              <a:spcBef>
-                <a:spcPts val="0"/>
-              </a:spcBef>
-              <a:spcAft>
-                <a:spcPts val="0"/>
-              </a:spcAft>
-              <a:buNone/>
-            </a:pPr>
-            <a:endParaRPr/>
-          </a:p>
-        </p:txBody>
-      </p:sp>
-      <p:sp>
-        <p:nvSpPr>
-          <p:cNvPr id="380" name="Google Shape;380;g17249ec79ef_1_112:notes"/>
           <p:cNvSpPr>
             <a:spLocks noGrp="1" noRot="1" noChangeAspect="1"/>
           </p:cNvSpPr>
@@ -2614,7 +2643,7 @@
   <p:cSld>
     <p:spTree>
       <p:nvGrpSpPr>
-        <p:cNvPr id="1" name="Shape 238"/>
+        <p:cNvPr id="1" name="Shape 250"/>
         <p:cNvGrpSpPr/>
         <p:nvPr/>
       </p:nvGrpSpPr>
@@ -2628,7 +2657,7 @@
       </p:grpSpPr>
       <p:sp>
         <p:nvSpPr>
-          <p:cNvPr id="239" name="Google Shape;239;p5:notes"/>
+          <p:cNvPr id="251" name="Google Shape;251;g17249ec79ef_1_8:notes"/>
           <p:cNvSpPr txBox="1">
             <a:spLocks noGrp="1"/>
           </p:cNvSpPr>
@@ -2639,7 +2668,7 @@
         <p:spPr>
           <a:xfrm>
             <a:off x="685800" y="4400550"/>
-            <a:ext cx="5486400" cy="3600450"/>
+            <a:ext cx="5486400" cy="3600600"/>
           </a:xfrm>
           <a:prstGeom prst="rect">
             <a:avLst/>
@@ -2666,7 +2695,7 @@
       </p:sp>
       <p:sp>
         <p:nvSpPr>
-          <p:cNvPr id="240" name="Google Shape;240;p5:notes"/>
+          <p:cNvPr id="252" name="Google Shape;252;g17249ec79ef_1_8:notes"/>
           <p:cNvSpPr>
             <a:spLocks noGrp="1" noRot="1" noChangeAspect="1"/>
           </p:cNvSpPr>
@@ -2706,6 +2735,11 @@
         </p:spPr>
       </p:sp>
     </p:spTree>
+    <p:extLst>
+      <p:ext uri="{BB962C8B-B14F-4D97-AF65-F5344CB8AC3E}">
+        <p14:creationId xmlns:p14="http://schemas.microsoft.com/office/powerpoint/2010/main" val="1543615544"/>
+      </p:ext>
+    </p:extLst>
   </p:cSld>
   <p:clrMapOvr>
     <a:masterClrMapping/>
@@ -2718,7 +2752,7 @@
   <p:cSld>
     <p:spTree>
       <p:nvGrpSpPr>
-        <p:cNvPr id="1" name="Shape 390"/>
+        <p:cNvPr id="1" name="Shape 385"/>
         <p:cNvGrpSpPr/>
         <p:nvPr/>
       </p:nvGrpSpPr>
@@ -2732,7 +2766,7 @@
       </p:grpSpPr>
       <p:sp>
         <p:nvSpPr>
-          <p:cNvPr id="391" name="Google Shape;391;g172b55bd729_0_29:notes"/>
+          <p:cNvPr id="386" name="Google Shape;386;g179f15d0d29_0_2:notes"/>
           <p:cNvSpPr txBox="1">
             <a:spLocks noGrp="1"/>
           </p:cNvSpPr>
@@ -2770,7 +2804,7 @@
       </p:sp>
       <p:sp>
         <p:nvSpPr>
-          <p:cNvPr id="392" name="Google Shape;392;g172b55bd729_0_29:notes"/>
+          <p:cNvPr id="387" name="Google Shape;387;g179f15d0d29_0_2:notes"/>
           <p:cNvSpPr>
             <a:spLocks noGrp="1" noRot="1" noChangeAspect="1"/>
           </p:cNvSpPr>
@@ -2810,6 +2844,11 @@
         </p:spPr>
       </p:sp>
     </p:spTree>
+    <p:extLst>
+      <p:ext uri="{BB962C8B-B14F-4D97-AF65-F5344CB8AC3E}">
+        <p14:creationId xmlns:p14="http://schemas.microsoft.com/office/powerpoint/2010/main" val="1768022373"/>
+      </p:ext>
+    </p:extLst>
   </p:cSld>
   <p:clrMapOvr>
     <a:masterClrMapping/>
@@ -2822,7 +2861,7 @@
   <p:cSld>
     <p:spTree>
       <p:nvGrpSpPr>
-        <p:cNvPr id="1" name="Shape 400"/>
+        <p:cNvPr id="1" name="Shape 295"/>
         <p:cNvGrpSpPr/>
         <p:nvPr/>
       </p:nvGrpSpPr>
@@ -2836,7 +2875,7 @@
       </p:grpSpPr>
       <p:sp>
         <p:nvSpPr>
-          <p:cNvPr id="401" name="Google Shape;401;g172a4a07427_1_16:notes"/>
+          <p:cNvPr id="296" name="Google Shape;296;g17249ec79ef_1_63:notes"/>
           <p:cNvSpPr txBox="1">
             <a:spLocks noGrp="1"/>
           </p:cNvSpPr>
@@ -2874,7 +2913,7 @@
       </p:sp>
       <p:sp>
         <p:nvSpPr>
-          <p:cNvPr id="402" name="Google Shape;402;g172a4a07427_1_16:notes"/>
+          <p:cNvPr id="297" name="Google Shape;297;g17249ec79ef_1_63:notes"/>
           <p:cNvSpPr>
             <a:spLocks noGrp="1" noRot="1" noChangeAspect="1"/>
           </p:cNvSpPr>
@@ -2914,6 +2953,11 @@
         </p:spPr>
       </p:sp>
     </p:spTree>
+    <p:extLst>
+      <p:ext uri="{BB962C8B-B14F-4D97-AF65-F5344CB8AC3E}">
+        <p14:creationId xmlns:p14="http://schemas.microsoft.com/office/powerpoint/2010/main" val="3178534890"/>
+      </p:ext>
+    </p:extLst>
   </p:cSld>
   <p:clrMapOvr>
     <a:masterClrMapping/>
@@ -2922,214 +2966,6 @@
 </file>
 
 <file path=ppt/notesSlides/notesSlide22.xml><?xml version="1.0" encoding="utf-8"?>
-<p:notes xmlns:a="http://schemas.openxmlformats.org/drawingml/2006/main" xmlns:r="http://schemas.openxmlformats.org/officeDocument/2006/relationships" xmlns:p="http://schemas.openxmlformats.org/presentationml/2006/main" showMasterSp="0" showMasterPhAnim="0">
-  <p:cSld>
-    <p:spTree>
-      <p:nvGrpSpPr>
-        <p:cNvPr id="1" name="Shape 431"/>
-        <p:cNvGrpSpPr/>
-        <p:nvPr/>
-      </p:nvGrpSpPr>
-      <p:grpSpPr>
-        <a:xfrm>
-          <a:off x="0" y="0"/>
-          <a:ext cx="0" cy="0"/>
-          <a:chOff x="0" y="0"/>
-          <a:chExt cx="0" cy="0"/>
-        </a:xfrm>
-      </p:grpSpPr>
-      <p:sp>
-        <p:nvSpPr>
-          <p:cNvPr id="432" name="Google Shape;432;g179f15d0d29_0_18:notes"/>
-          <p:cNvSpPr txBox="1">
-            <a:spLocks noGrp="1"/>
-          </p:cNvSpPr>
-          <p:nvPr>
-            <p:ph type="body" idx="1"/>
-          </p:nvPr>
-        </p:nvSpPr>
-        <p:spPr>
-          <a:xfrm>
-            <a:off x="685800" y="4400550"/>
-            <a:ext cx="5486400" cy="3600600"/>
-          </a:xfrm>
-          <a:prstGeom prst="rect">
-            <a:avLst/>
-          </a:prstGeom>
-        </p:spPr>
-        <p:txBody>
-          <a:bodyPr spcFirstLastPara="1" wrap="square" lIns="91425" tIns="45700" rIns="91425" bIns="45700" anchor="t" anchorCtr="0">
-            <a:noAutofit/>
-          </a:bodyPr>
-          <a:lstStyle/>
-          <a:p>
-            <a:pPr marL="0" lvl="0" indent="0" algn="l" rtl="0">
-              <a:spcBef>
-                <a:spcPts val="0"/>
-              </a:spcBef>
-              <a:spcAft>
-                <a:spcPts val="0"/>
-              </a:spcAft>
-              <a:buNone/>
-            </a:pPr>
-            <a:endParaRPr/>
-          </a:p>
-        </p:txBody>
-      </p:sp>
-      <p:sp>
-        <p:nvSpPr>
-          <p:cNvPr id="433" name="Google Shape;433;g179f15d0d29_0_18:notes"/>
-          <p:cNvSpPr>
-            <a:spLocks noGrp="1" noRot="1" noChangeAspect="1"/>
-          </p:cNvSpPr>
-          <p:nvPr>
-            <p:ph type="sldImg" idx="2"/>
-          </p:nvPr>
-        </p:nvSpPr>
-        <p:spPr>
-          <a:xfrm>
-            <a:off x="685800" y="1143000"/>
-            <a:ext cx="5486400" cy="3086100"/>
-          </a:xfrm>
-          <a:custGeom>
-            <a:avLst/>
-            <a:gdLst/>
-            <a:ahLst/>
-            <a:cxnLst/>
-            <a:rect l="l" t="t" r="r" b="b"/>
-            <a:pathLst>
-              <a:path w="120000" h="120000" extrusionOk="0">
-                <a:moveTo>
-                  <a:pt x="0" y="0"/>
-                </a:moveTo>
-                <a:lnTo>
-                  <a:pt x="120000" y="0"/>
-                </a:lnTo>
-                <a:lnTo>
-                  <a:pt x="120000" y="120000"/>
-                </a:lnTo>
-                <a:lnTo>
-                  <a:pt x="0" y="120000"/>
-                </a:lnTo>
-                <a:close/>
-              </a:path>
-            </a:pathLst>
-          </a:custGeom>
-        </p:spPr>
-      </p:sp>
-    </p:spTree>
-  </p:cSld>
-  <p:clrMapOvr>
-    <a:masterClrMapping/>
-  </p:clrMapOvr>
-</p:notes>
-</file>
-
-<file path=ppt/notesSlides/notesSlide23.xml><?xml version="1.0" encoding="utf-8"?>
-<p:notes xmlns:a="http://schemas.openxmlformats.org/drawingml/2006/main" xmlns:r="http://schemas.openxmlformats.org/officeDocument/2006/relationships" xmlns:p="http://schemas.openxmlformats.org/presentationml/2006/main" showMasterSp="0" showMasterPhAnim="0">
-  <p:cSld>
-    <p:spTree>
-      <p:nvGrpSpPr>
-        <p:cNvPr id="1" name="Shape 436"/>
-        <p:cNvGrpSpPr/>
-        <p:nvPr/>
-      </p:nvGrpSpPr>
-      <p:grpSpPr>
-        <a:xfrm>
-          <a:off x="0" y="0"/>
-          <a:ext cx="0" cy="0"/>
-          <a:chOff x="0" y="0"/>
-          <a:chExt cx="0" cy="0"/>
-        </a:xfrm>
-      </p:grpSpPr>
-      <p:sp>
-        <p:nvSpPr>
-          <p:cNvPr id="437" name="Google Shape;437;g172b55bd729_0_21:notes"/>
-          <p:cNvSpPr txBox="1">
-            <a:spLocks noGrp="1"/>
-          </p:cNvSpPr>
-          <p:nvPr>
-            <p:ph type="body" idx="1"/>
-          </p:nvPr>
-        </p:nvSpPr>
-        <p:spPr>
-          <a:xfrm>
-            <a:off x="685800" y="4400550"/>
-            <a:ext cx="5486400" cy="3600600"/>
-          </a:xfrm>
-          <a:prstGeom prst="rect">
-            <a:avLst/>
-          </a:prstGeom>
-        </p:spPr>
-        <p:txBody>
-          <a:bodyPr spcFirstLastPara="1" wrap="square" lIns="91425" tIns="45700" rIns="91425" bIns="45700" anchor="t" anchorCtr="0">
-            <a:noAutofit/>
-          </a:bodyPr>
-          <a:lstStyle/>
-          <a:p>
-            <a:pPr marL="0" lvl="0" indent="0" algn="l" rtl="0">
-              <a:spcBef>
-                <a:spcPts val="0"/>
-              </a:spcBef>
-              <a:spcAft>
-                <a:spcPts val="0"/>
-              </a:spcAft>
-              <a:buNone/>
-            </a:pPr>
-            <a:endParaRPr/>
-          </a:p>
-        </p:txBody>
-      </p:sp>
-      <p:sp>
-        <p:nvSpPr>
-          <p:cNvPr id="438" name="Google Shape;438;g172b55bd729_0_21:notes"/>
-          <p:cNvSpPr>
-            <a:spLocks noGrp="1" noRot="1" noChangeAspect="1"/>
-          </p:cNvSpPr>
-          <p:nvPr>
-            <p:ph type="sldImg" idx="2"/>
-          </p:nvPr>
-        </p:nvSpPr>
-        <p:spPr>
-          <a:xfrm>
-            <a:off x="685800" y="1143000"/>
-            <a:ext cx="5486400" cy="3086100"/>
-          </a:xfrm>
-          <a:custGeom>
-            <a:avLst/>
-            <a:gdLst/>
-            <a:ahLst/>
-            <a:cxnLst/>
-            <a:rect l="l" t="t" r="r" b="b"/>
-            <a:pathLst>
-              <a:path w="120000" h="120000" extrusionOk="0">
-                <a:moveTo>
-                  <a:pt x="0" y="0"/>
-                </a:moveTo>
-                <a:lnTo>
-                  <a:pt x="120000" y="0"/>
-                </a:lnTo>
-                <a:lnTo>
-                  <a:pt x="120000" y="120000"/>
-                </a:lnTo>
-                <a:lnTo>
-                  <a:pt x="0" y="120000"/>
-                </a:lnTo>
-                <a:close/>
-              </a:path>
-            </a:pathLst>
-          </a:custGeom>
-        </p:spPr>
-      </p:sp>
-    </p:spTree>
-  </p:cSld>
-  <p:clrMapOvr>
-    <a:masterClrMapping/>
-  </p:clrMapOvr>
-</p:notes>
-</file>
-
-<file path=ppt/notesSlides/notesSlide24.xml><?xml version="1.0" encoding="utf-8"?>
 <p:notes xmlns:a="http://schemas.openxmlformats.org/drawingml/2006/main" xmlns:r="http://schemas.openxmlformats.org/officeDocument/2006/relationships" xmlns:p="http://schemas.openxmlformats.org/presentationml/2006/main" showMasterSp="0" showMasterPhAnim="0">
   <p:cSld>
     <p:spTree>
@@ -3238,7 +3074,7 @@
   <p:cSld>
     <p:spTree>
       <p:nvGrpSpPr>
-        <p:cNvPr id="1" name="Shape 245"/>
+        <p:cNvPr id="1" name="Shape 233"/>
         <p:cNvGrpSpPr/>
         <p:nvPr/>
       </p:nvGrpSpPr>
@@ -3252,7 +3088,7 @@
       </p:grpSpPr>
       <p:sp>
         <p:nvSpPr>
-          <p:cNvPr id="246" name="Google Shape;246;g17249ec79ef_1_4:notes"/>
+          <p:cNvPr id="234" name="Google Shape;234;p4:notes"/>
           <p:cNvSpPr txBox="1">
             <a:spLocks noGrp="1"/>
           </p:cNvSpPr>
@@ -3263,7 +3099,7 @@
         <p:spPr>
           <a:xfrm>
             <a:off x="685800" y="4400550"/>
-            <a:ext cx="5486400" cy="3600600"/>
+            <a:ext cx="5486400" cy="3600450"/>
           </a:xfrm>
           <a:prstGeom prst="rect">
             <a:avLst/>
@@ -3290,7 +3126,7 @@
       </p:sp>
       <p:sp>
         <p:nvSpPr>
-          <p:cNvPr id="247" name="Google Shape;247;g17249ec79ef_1_4:notes"/>
+          <p:cNvPr id="235" name="Google Shape;235;p4:notes"/>
           <p:cNvSpPr>
             <a:spLocks noGrp="1" noRot="1" noChangeAspect="1"/>
           </p:cNvSpPr>
@@ -3330,6 +3166,11 @@
         </p:spPr>
       </p:sp>
     </p:spTree>
+    <p:extLst>
+      <p:ext uri="{BB962C8B-B14F-4D97-AF65-F5344CB8AC3E}">
+        <p14:creationId xmlns:p14="http://schemas.microsoft.com/office/powerpoint/2010/main" val="1608634745"/>
+      </p:ext>
+    </p:extLst>
   </p:cSld>
   <p:clrMapOvr>
     <a:masterClrMapping/>
@@ -3434,6 +3275,11 @@
         </p:spPr>
       </p:sp>
     </p:spTree>
+    <p:extLst>
+      <p:ext uri="{BB962C8B-B14F-4D97-AF65-F5344CB8AC3E}">
+        <p14:creationId xmlns:p14="http://schemas.microsoft.com/office/powerpoint/2010/main" val="2511879767"/>
+      </p:ext>
+    </p:extLst>
   </p:cSld>
   <p:clrMapOvr>
     <a:masterClrMapping/>
@@ -3550,214 +3396,6 @@
   <p:cSld>
     <p:spTree>
       <p:nvGrpSpPr>
-        <p:cNvPr id="1" name="Shape 274"/>
-        <p:cNvGrpSpPr/>
-        <p:nvPr/>
-      </p:nvGrpSpPr>
-      <p:grpSpPr>
-        <a:xfrm>
-          <a:off x="0" y="0"/>
-          <a:ext cx="0" cy="0"/>
-          <a:chOff x="0" y="0"/>
-          <a:chExt cx="0" cy="0"/>
-        </a:xfrm>
-      </p:grpSpPr>
-      <p:sp>
-        <p:nvSpPr>
-          <p:cNvPr id="275" name="Google Shape;275;g17249ec79ef_1_37:notes"/>
-          <p:cNvSpPr txBox="1">
-            <a:spLocks noGrp="1"/>
-          </p:cNvSpPr>
-          <p:nvPr>
-            <p:ph type="body" idx="1"/>
-          </p:nvPr>
-        </p:nvSpPr>
-        <p:spPr>
-          <a:xfrm>
-            <a:off x="685800" y="4400550"/>
-            <a:ext cx="5486400" cy="3600600"/>
-          </a:xfrm>
-          <a:prstGeom prst="rect">
-            <a:avLst/>
-          </a:prstGeom>
-        </p:spPr>
-        <p:txBody>
-          <a:bodyPr spcFirstLastPara="1" wrap="square" lIns="91425" tIns="45700" rIns="91425" bIns="45700" anchor="t" anchorCtr="0">
-            <a:noAutofit/>
-          </a:bodyPr>
-          <a:lstStyle/>
-          <a:p>
-            <a:pPr marL="0" lvl="0" indent="0" algn="l" rtl="0">
-              <a:spcBef>
-                <a:spcPts val="0"/>
-              </a:spcBef>
-              <a:spcAft>
-                <a:spcPts val="0"/>
-              </a:spcAft>
-              <a:buNone/>
-            </a:pPr>
-            <a:endParaRPr/>
-          </a:p>
-        </p:txBody>
-      </p:sp>
-      <p:sp>
-        <p:nvSpPr>
-          <p:cNvPr id="276" name="Google Shape;276;g17249ec79ef_1_37:notes"/>
-          <p:cNvSpPr>
-            <a:spLocks noGrp="1" noRot="1" noChangeAspect="1"/>
-          </p:cNvSpPr>
-          <p:nvPr>
-            <p:ph type="sldImg" idx="2"/>
-          </p:nvPr>
-        </p:nvSpPr>
-        <p:spPr>
-          <a:xfrm>
-            <a:off x="685800" y="1143000"/>
-            <a:ext cx="5486400" cy="3086100"/>
-          </a:xfrm>
-          <a:custGeom>
-            <a:avLst/>
-            <a:gdLst/>
-            <a:ahLst/>
-            <a:cxnLst/>
-            <a:rect l="l" t="t" r="r" b="b"/>
-            <a:pathLst>
-              <a:path w="120000" h="120000" extrusionOk="0">
-                <a:moveTo>
-                  <a:pt x="0" y="0"/>
-                </a:moveTo>
-                <a:lnTo>
-                  <a:pt x="120000" y="0"/>
-                </a:lnTo>
-                <a:lnTo>
-                  <a:pt x="120000" y="120000"/>
-                </a:lnTo>
-                <a:lnTo>
-                  <a:pt x="0" y="120000"/>
-                </a:lnTo>
-                <a:close/>
-              </a:path>
-            </a:pathLst>
-          </a:custGeom>
-        </p:spPr>
-      </p:sp>
-    </p:spTree>
-  </p:cSld>
-  <p:clrMapOvr>
-    <a:masterClrMapping/>
-  </p:clrMapOvr>
-</p:notes>
-</file>
-
-<file path=ppt/notesSlides/notesSlide7.xml><?xml version="1.0" encoding="utf-8"?>
-<p:notes xmlns:a="http://schemas.openxmlformats.org/drawingml/2006/main" xmlns:r="http://schemas.openxmlformats.org/officeDocument/2006/relationships" xmlns:p="http://schemas.openxmlformats.org/presentationml/2006/main" showMasterSp="0" showMasterPhAnim="0">
-  <p:cSld>
-    <p:spTree>
-      <p:nvGrpSpPr>
-        <p:cNvPr id="1" name="Shape 281"/>
-        <p:cNvGrpSpPr/>
-        <p:nvPr/>
-      </p:nvGrpSpPr>
-      <p:grpSpPr>
-        <a:xfrm>
-          <a:off x="0" y="0"/>
-          <a:ext cx="0" cy="0"/>
-          <a:chOff x="0" y="0"/>
-          <a:chExt cx="0" cy="0"/>
-        </a:xfrm>
-      </p:grpSpPr>
-      <p:sp>
-        <p:nvSpPr>
-          <p:cNvPr id="282" name="Google Shape;282;g17249ec79ef_1_46:notes"/>
-          <p:cNvSpPr txBox="1">
-            <a:spLocks noGrp="1"/>
-          </p:cNvSpPr>
-          <p:nvPr>
-            <p:ph type="body" idx="1"/>
-          </p:nvPr>
-        </p:nvSpPr>
-        <p:spPr>
-          <a:xfrm>
-            <a:off x="685800" y="4400550"/>
-            <a:ext cx="5486400" cy="3600600"/>
-          </a:xfrm>
-          <a:prstGeom prst="rect">
-            <a:avLst/>
-          </a:prstGeom>
-        </p:spPr>
-        <p:txBody>
-          <a:bodyPr spcFirstLastPara="1" wrap="square" lIns="91425" tIns="45700" rIns="91425" bIns="45700" anchor="t" anchorCtr="0">
-            <a:noAutofit/>
-          </a:bodyPr>
-          <a:lstStyle/>
-          <a:p>
-            <a:pPr marL="0" lvl="0" indent="0" algn="l" rtl="0">
-              <a:spcBef>
-                <a:spcPts val="0"/>
-              </a:spcBef>
-              <a:spcAft>
-                <a:spcPts val="0"/>
-              </a:spcAft>
-              <a:buNone/>
-            </a:pPr>
-            <a:endParaRPr/>
-          </a:p>
-        </p:txBody>
-      </p:sp>
-      <p:sp>
-        <p:nvSpPr>
-          <p:cNvPr id="283" name="Google Shape;283;g17249ec79ef_1_46:notes"/>
-          <p:cNvSpPr>
-            <a:spLocks noGrp="1" noRot="1" noChangeAspect="1"/>
-          </p:cNvSpPr>
-          <p:nvPr>
-            <p:ph type="sldImg" idx="2"/>
-          </p:nvPr>
-        </p:nvSpPr>
-        <p:spPr>
-          <a:xfrm>
-            <a:off x="685800" y="1143000"/>
-            <a:ext cx="5486400" cy="3086100"/>
-          </a:xfrm>
-          <a:custGeom>
-            <a:avLst/>
-            <a:gdLst/>
-            <a:ahLst/>
-            <a:cxnLst/>
-            <a:rect l="l" t="t" r="r" b="b"/>
-            <a:pathLst>
-              <a:path w="120000" h="120000" extrusionOk="0">
-                <a:moveTo>
-                  <a:pt x="0" y="0"/>
-                </a:moveTo>
-                <a:lnTo>
-                  <a:pt x="120000" y="0"/>
-                </a:lnTo>
-                <a:lnTo>
-                  <a:pt x="120000" y="120000"/>
-                </a:lnTo>
-                <a:lnTo>
-                  <a:pt x="0" y="120000"/>
-                </a:lnTo>
-                <a:close/>
-              </a:path>
-            </a:pathLst>
-          </a:custGeom>
-        </p:spPr>
-      </p:sp>
-    </p:spTree>
-  </p:cSld>
-  <p:clrMapOvr>
-    <a:masterClrMapping/>
-  </p:clrMapOvr>
-</p:notes>
-</file>
-
-<file path=ppt/notesSlides/notesSlide8.xml><?xml version="1.0" encoding="utf-8"?>
-<p:notes xmlns:a="http://schemas.openxmlformats.org/drawingml/2006/main" xmlns:r="http://schemas.openxmlformats.org/officeDocument/2006/relationships" xmlns:p="http://schemas.openxmlformats.org/presentationml/2006/main" showMasterSp="0" showMasterPhAnim="0">
-  <p:cSld>
-    <p:spTree>
-      <p:nvGrpSpPr>
         <p:cNvPr id="1" name="Shape 295"/>
         <p:cNvGrpSpPr/>
         <p:nvPr/>
@@ -3857,7 +3495,7 @@
 </p:notes>
 </file>
 
-<file path=ppt/notesSlides/notesSlide9.xml><?xml version="1.0" encoding="utf-8"?>
+<file path=ppt/notesSlides/notesSlide7.xml><?xml version="1.0" encoding="utf-8"?>
 <p:notes xmlns:a="http://schemas.openxmlformats.org/drawingml/2006/main" xmlns:r="http://schemas.openxmlformats.org/officeDocument/2006/relationships" xmlns:p="http://schemas.openxmlformats.org/presentationml/2006/main" showMasterSp="0" showMasterPhAnim="0">
   <p:cSld>
     <p:spTree>
@@ -3961,20 +3599,12 @@
 </p:notes>
 </file>
 
-<file path=ppt/slideLayouts/slideLayout1.xml><?xml version="1.0" encoding="utf-8"?>
-<p:sldLayout xmlns:a="http://schemas.openxmlformats.org/drawingml/2006/main" xmlns:r="http://schemas.openxmlformats.org/officeDocument/2006/relationships" xmlns:p="http://schemas.openxmlformats.org/presentationml/2006/main" matchingName="Section Header">
-  <p:cSld name="Section Header">
-    <p:bg>
-      <p:bgPr>
-        <a:solidFill>
-          <a:schemeClr val="accent2"/>
-        </a:solidFill>
-        <a:effectLst/>
-      </p:bgPr>
-    </p:bg>
+<file path=ppt/notesSlides/notesSlide8.xml><?xml version="1.0" encoding="utf-8"?>
+<p:notes xmlns:a="http://schemas.openxmlformats.org/drawingml/2006/main" xmlns:r="http://schemas.openxmlformats.org/officeDocument/2006/relationships" xmlns:p="http://schemas.openxmlformats.org/presentationml/2006/main" showMasterSp="0" showMasterPhAnim="0">
+  <p:cSld>
     <p:spTree>
       <p:nvGrpSpPr>
-        <p:cNvPr id="1" name="Shape 39"/>
+        <p:cNvPr id="1" name="Shape 302"/>
         <p:cNvGrpSpPr/>
         <p:nvPr/>
       </p:nvGrpSpPr>
@@ -3988,424 +3618,7 @@
       </p:grpSpPr>
       <p:sp>
         <p:nvSpPr>
-          <p:cNvPr id="40" name="Google Shape;40;p19"/>
-          <p:cNvSpPr/>
-          <p:nvPr/>
-        </p:nvSpPr>
-        <p:spPr>
-          <a:xfrm>
-            <a:off x="0" y="2286002"/>
-            <a:ext cx="12208822" cy="4572000"/>
-          </a:xfrm>
-          <a:prstGeom prst="rect">
-            <a:avLst/>
-          </a:prstGeom>
-          <a:solidFill>
-            <a:schemeClr val="accent1"/>
-          </a:solidFill>
-          <a:ln>
-            <a:noFill/>
-          </a:ln>
-        </p:spPr>
-        <p:txBody>
-          <a:bodyPr spcFirstLastPara="1" wrap="square" lIns="91425" tIns="45700" rIns="91425" bIns="45700" anchor="ctr" anchorCtr="0">
-            <a:noAutofit/>
-          </a:bodyPr>
-          <a:lstStyle/>
-          <a:p>
-            <a:pPr marL="0" marR="0" lvl="0" indent="0" algn="ctr" rtl="0">
-              <a:spcBef>
-                <a:spcPts val="0"/>
-              </a:spcBef>
-              <a:spcAft>
-                <a:spcPts val="0"/>
-              </a:spcAft>
-              <a:buNone/>
-            </a:pPr>
-            <a:endParaRPr sz="1800" b="0" i="0" u="none" strike="noStrike" cap="none">
-              <a:solidFill>
-                <a:schemeClr val="lt1"/>
-              </a:solidFill>
-              <a:latin typeface="Arial"/>
-              <a:ea typeface="Arial"/>
-              <a:cs typeface="Arial"/>
-              <a:sym typeface="Arial"/>
-            </a:endParaRPr>
-          </a:p>
-        </p:txBody>
-      </p:sp>
-      <p:sp>
-        <p:nvSpPr>
-          <p:cNvPr id="41" name="Google Shape;41;p19"/>
-          <p:cNvSpPr/>
-          <p:nvPr/>
-        </p:nvSpPr>
-        <p:spPr>
-          <a:xfrm flipH="1">
-            <a:off x="8597718" y="3246896"/>
-            <a:ext cx="3611104" cy="3611104"/>
-          </a:xfrm>
-          <a:custGeom>
-            <a:avLst/>
-            <a:gdLst/>
-            <a:ahLst/>
-            <a:cxnLst/>
-            <a:rect l="l" t="t" r="r" b="b"/>
-            <a:pathLst>
-              <a:path w="1167493" h="1167493" extrusionOk="0">
-                <a:moveTo>
-                  <a:pt x="0" y="0"/>
-                </a:moveTo>
-                <a:cubicBezTo>
-                  <a:pt x="0" y="644789"/>
-                  <a:pt x="522704" y="1167493"/>
-                  <a:pt x="1167493" y="1167493"/>
-                </a:cubicBezTo>
-                <a:lnTo>
-                  <a:pt x="0" y="1167493"/>
-                </a:lnTo>
-                <a:lnTo>
-                  <a:pt x="0" y="0"/>
-                </a:lnTo>
-                <a:close/>
-              </a:path>
-            </a:pathLst>
-          </a:custGeom>
-          <a:solidFill>
-            <a:schemeClr val="accent2"/>
-          </a:solidFill>
-          <a:ln>
-            <a:noFill/>
-          </a:ln>
-        </p:spPr>
-        <p:txBody>
-          <a:bodyPr spcFirstLastPara="1" wrap="square" lIns="91425" tIns="45700" rIns="91425" bIns="45700" anchor="ctr" anchorCtr="0">
-            <a:noAutofit/>
-          </a:bodyPr>
-          <a:lstStyle/>
-          <a:p>
-            <a:pPr marL="0" marR="0" lvl="0" indent="0" algn="ctr" rtl="0">
-              <a:spcBef>
-                <a:spcPts val="0"/>
-              </a:spcBef>
-              <a:spcAft>
-                <a:spcPts val="0"/>
-              </a:spcAft>
-              <a:buNone/>
-            </a:pPr>
-            <a:endParaRPr sz="1800" b="0" i="0" u="none" strike="noStrike" cap="none">
-              <a:solidFill>
-                <a:schemeClr val="lt1"/>
-              </a:solidFill>
-              <a:latin typeface="Arial"/>
-              <a:ea typeface="Arial"/>
-              <a:cs typeface="Arial"/>
-              <a:sym typeface="Arial"/>
-            </a:endParaRPr>
-          </a:p>
-        </p:txBody>
-      </p:sp>
-      <p:sp>
-        <p:nvSpPr>
-          <p:cNvPr id="42" name="Google Shape;42;p19"/>
-          <p:cNvSpPr/>
-          <p:nvPr/>
-        </p:nvSpPr>
-        <p:spPr>
-          <a:xfrm>
-            <a:off x="1" y="0"/>
-            <a:ext cx="933856" cy="933856"/>
-          </a:xfrm>
-          <a:custGeom>
-            <a:avLst/>
-            <a:gdLst/>
-            <a:ahLst/>
-            <a:cxnLst/>
-            <a:rect l="l" t="t" r="r" b="b"/>
-            <a:pathLst>
-              <a:path w="862693" h="862693" extrusionOk="0">
-                <a:moveTo>
-                  <a:pt x="0" y="0"/>
-                </a:moveTo>
-                <a:lnTo>
-                  <a:pt x="862693" y="0"/>
-                </a:lnTo>
-                <a:cubicBezTo>
-                  <a:pt x="862693" y="476453"/>
-                  <a:pt x="476452" y="862693"/>
-                  <a:pt x="0" y="862693"/>
-                </a:cubicBezTo>
-                <a:lnTo>
-                  <a:pt x="0" y="0"/>
-                </a:lnTo>
-                <a:close/>
-              </a:path>
-            </a:pathLst>
-          </a:custGeom>
-          <a:solidFill>
-            <a:schemeClr val="accent3"/>
-          </a:solidFill>
-          <a:ln>
-            <a:noFill/>
-          </a:ln>
-        </p:spPr>
-        <p:txBody>
-          <a:bodyPr spcFirstLastPara="1" wrap="square" lIns="91425" tIns="45700" rIns="91425" bIns="45700" anchor="ctr" anchorCtr="0">
-            <a:noAutofit/>
-          </a:bodyPr>
-          <a:lstStyle/>
-          <a:p>
-            <a:pPr marL="0" marR="0" lvl="0" indent="0" algn="ctr" rtl="0">
-              <a:spcBef>
-                <a:spcPts val="0"/>
-              </a:spcBef>
-              <a:spcAft>
-                <a:spcPts val="0"/>
-              </a:spcAft>
-              <a:buNone/>
-            </a:pPr>
-            <a:endParaRPr sz="1800" b="0" i="0" u="none" strike="noStrike" cap="none">
-              <a:solidFill>
-                <a:schemeClr val="lt1"/>
-              </a:solidFill>
-              <a:latin typeface="Arial"/>
-              <a:ea typeface="Arial"/>
-              <a:cs typeface="Arial"/>
-              <a:sym typeface="Arial"/>
-            </a:endParaRPr>
-          </a:p>
-        </p:txBody>
-      </p:sp>
-      <p:sp>
-        <p:nvSpPr>
-          <p:cNvPr id="43" name="Google Shape;43;p19"/>
-          <p:cNvSpPr/>
-          <p:nvPr/>
-        </p:nvSpPr>
-        <p:spPr>
-          <a:xfrm rot="-5400000">
-            <a:off x="10344100" y="438098"/>
-            <a:ext cx="2285999" cy="1409801"/>
-          </a:xfrm>
-          <a:custGeom>
-            <a:avLst/>
-            <a:gdLst/>
-            <a:ahLst/>
-            <a:cxnLst/>
-            <a:rect l="l" t="t" r="r" b="b"/>
-            <a:pathLst>
-              <a:path w="1881641" h="1167493" extrusionOk="0">
-                <a:moveTo>
-                  <a:pt x="1881641" y="1167473"/>
-                </a:moveTo>
-                <a:lnTo>
-                  <a:pt x="1881641" y="1167493"/>
-                </a:lnTo>
-                <a:lnTo>
-                  <a:pt x="1167493" y="1167493"/>
-                </a:lnTo>
-                <a:cubicBezTo>
-                  <a:pt x="522704" y="1167493"/>
-                  <a:pt x="0" y="644789"/>
-                  <a:pt x="0" y="0"/>
-                </a:cubicBezTo>
-                <a:lnTo>
-                  <a:pt x="714149" y="0"/>
-                </a:lnTo>
-                <a:cubicBezTo>
-                  <a:pt x="1318639" y="0"/>
-                  <a:pt x="1815827" y="459408"/>
-                  <a:pt x="1875614" y="1048124"/>
-                </a:cubicBezTo>
-                <a:lnTo>
-                  <a:pt x="1881641" y="1167473"/>
-                </a:lnTo>
-                <a:close/>
-              </a:path>
-            </a:pathLst>
-          </a:custGeom>
-          <a:solidFill>
-            <a:schemeClr val="dk2"/>
-          </a:solidFill>
-          <a:ln>
-            <a:noFill/>
-          </a:ln>
-        </p:spPr>
-        <p:txBody>
-          <a:bodyPr spcFirstLastPara="1" wrap="square" lIns="91425" tIns="45700" rIns="91425" bIns="45700" anchor="ctr" anchorCtr="0">
-            <a:noAutofit/>
-          </a:bodyPr>
-          <a:lstStyle/>
-          <a:p>
-            <a:pPr marL="0" marR="0" lvl="0" indent="0" algn="ctr" rtl="0">
-              <a:spcBef>
-                <a:spcPts val="0"/>
-              </a:spcBef>
-              <a:spcAft>
-                <a:spcPts val="0"/>
-              </a:spcAft>
-              <a:buNone/>
-            </a:pPr>
-            <a:endParaRPr sz="1800" b="0" i="0" u="none" strike="noStrike" cap="none">
-              <a:solidFill>
-                <a:schemeClr val="lt1"/>
-              </a:solidFill>
-              <a:latin typeface="Arial"/>
-              <a:ea typeface="Arial"/>
-              <a:cs typeface="Arial"/>
-              <a:sym typeface="Arial"/>
-            </a:endParaRPr>
-          </a:p>
-        </p:txBody>
-      </p:sp>
-      <p:sp>
-        <p:nvSpPr>
-          <p:cNvPr id="44" name="Google Shape;44;p19"/>
-          <p:cNvSpPr txBox="1">
-            <a:spLocks noGrp="1"/>
-          </p:cNvSpPr>
-          <p:nvPr>
-            <p:ph type="title"/>
-          </p:nvPr>
-        </p:nvSpPr>
-        <p:spPr>
-          <a:xfrm>
-            <a:off x="1167492" y="381000"/>
-            <a:ext cx="9779183" cy="1325563"/>
-          </a:xfrm>
-          <a:prstGeom prst="rect">
-            <a:avLst/>
-          </a:prstGeom>
-          <a:noFill/>
-          <a:ln>
-            <a:noFill/>
-          </a:ln>
-        </p:spPr>
-        <p:txBody>
-          <a:bodyPr spcFirstLastPara="1" wrap="square" lIns="91425" tIns="45700" rIns="91425" bIns="45700" anchor="b" anchorCtr="0">
-            <a:noAutofit/>
-          </a:bodyPr>
-          <a:lstStyle>
-            <a:lvl1pPr lvl="0" algn="l">
-              <a:lnSpc>
-                <a:spcPct val="90000"/>
-              </a:lnSpc>
-              <a:spcBef>
-                <a:spcPts val="0"/>
-              </a:spcBef>
-              <a:spcAft>
-                <a:spcPts val="0"/>
-              </a:spcAft>
-              <a:buClr>
-                <a:schemeClr val="dk1"/>
-              </a:buClr>
-              <a:buSzPts val="4800"/>
-              <a:buFont typeface="Arial"/>
-              <a:buNone/>
-              <a:defRPr sz="4800" b="1">
-                <a:latin typeface="Arial"/>
-                <a:ea typeface="Arial"/>
-                <a:cs typeface="Arial"/>
-                <a:sym typeface="Arial"/>
-              </a:defRPr>
-            </a:lvl1pPr>
-            <a:lvl2pPr lvl="1">
-              <a:spcBef>
-                <a:spcPts val="0"/>
-              </a:spcBef>
-              <a:spcAft>
-                <a:spcPts val="0"/>
-              </a:spcAft>
-              <a:buSzPts val="1400"/>
-              <a:buNone/>
-              <a:defRPr/>
-            </a:lvl2pPr>
-            <a:lvl3pPr lvl="2">
-              <a:spcBef>
-                <a:spcPts val="0"/>
-              </a:spcBef>
-              <a:spcAft>
-                <a:spcPts val="0"/>
-              </a:spcAft>
-              <a:buSzPts val="1400"/>
-              <a:buNone/>
-              <a:defRPr/>
-            </a:lvl3pPr>
-            <a:lvl4pPr lvl="3">
-              <a:spcBef>
-                <a:spcPts val="0"/>
-              </a:spcBef>
-              <a:spcAft>
-                <a:spcPts val="0"/>
-              </a:spcAft>
-              <a:buSzPts val="1400"/>
-              <a:buNone/>
-              <a:defRPr/>
-            </a:lvl4pPr>
-            <a:lvl5pPr lvl="4">
-              <a:spcBef>
-                <a:spcPts val="0"/>
-              </a:spcBef>
-              <a:spcAft>
-                <a:spcPts val="0"/>
-              </a:spcAft>
-              <a:buSzPts val="1400"/>
-              <a:buNone/>
-              <a:defRPr/>
-            </a:lvl5pPr>
-            <a:lvl6pPr lvl="5">
-              <a:spcBef>
-                <a:spcPts val="0"/>
-              </a:spcBef>
-              <a:spcAft>
-                <a:spcPts val="0"/>
-              </a:spcAft>
-              <a:buSzPts val="1400"/>
-              <a:buNone/>
-              <a:defRPr/>
-            </a:lvl6pPr>
-            <a:lvl7pPr lvl="6">
-              <a:spcBef>
-                <a:spcPts val="0"/>
-              </a:spcBef>
-              <a:spcAft>
-                <a:spcPts val="0"/>
-              </a:spcAft>
-              <a:buSzPts val="1400"/>
-              <a:buNone/>
-              <a:defRPr/>
-            </a:lvl7pPr>
-            <a:lvl8pPr lvl="7">
-              <a:spcBef>
-                <a:spcPts val="0"/>
-              </a:spcBef>
-              <a:spcAft>
-                <a:spcPts val="0"/>
-              </a:spcAft>
-              <a:buSzPts val="1400"/>
-              <a:buNone/>
-              <a:defRPr/>
-            </a:lvl8pPr>
-            <a:lvl9pPr lvl="8">
-              <a:spcBef>
-                <a:spcPts val="0"/>
-              </a:spcBef>
-              <a:spcAft>
-                <a:spcPts val="0"/>
-              </a:spcAft>
-              <a:buSzPts val="1400"/>
-              <a:buNone/>
-              <a:defRPr/>
-            </a:lvl9pPr>
-          </a:lstStyle>
-          <a:p>
-            <a:endParaRPr/>
-          </a:p>
-        </p:txBody>
-      </p:sp>
-      <p:sp>
-        <p:nvSpPr>
-          <p:cNvPr id="45" name="Google Shape;45;p19"/>
+          <p:cNvPr id="303" name="Google Shape;303;g17249ec79ef_1_121:notes"/>
           <p:cNvSpPr txBox="1">
             <a:spLocks noGrp="1"/>
           </p:cNvSpPr>
@@ -4415,694 +3628,191 @@
         </p:nvSpPr>
         <p:spPr>
           <a:xfrm>
-            <a:off x="1167492" y="2653167"/>
-            <a:ext cx="9779183" cy="3436483"/>
+            <a:off x="685800" y="4400550"/>
+            <a:ext cx="5486400" cy="3600600"/>
           </a:xfrm>
           <a:prstGeom prst="rect">
             <a:avLst/>
           </a:prstGeom>
-          <a:noFill/>
-          <a:ln>
-            <a:noFill/>
-          </a:ln>
         </p:spPr>
         <p:txBody>
           <a:bodyPr spcFirstLastPara="1" wrap="square" lIns="91425" tIns="45700" rIns="91425" bIns="45700" anchor="t" anchorCtr="0">
             <a:noAutofit/>
           </a:bodyPr>
-          <a:lstStyle>
-            <a:lvl1pPr marL="457200" lvl="0" indent="-228600" algn="l">
-              <a:lnSpc>
-                <a:spcPct val="150000"/>
-              </a:lnSpc>
-              <a:spcBef>
-                <a:spcPts val="1000"/>
-              </a:spcBef>
-              <a:spcAft>
-                <a:spcPts val="0"/>
-              </a:spcAft>
-              <a:buClr>
-                <a:schemeClr val="lt1"/>
-              </a:buClr>
-              <a:buSzPts val="2400"/>
-              <a:buNone/>
-              <a:defRPr sz="2400">
-                <a:solidFill>
-                  <a:schemeClr val="lt1"/>
-                </a:solidFill>
-                <a:latin typeface="Arial"/>
-                <a:ea typeface="Arial"/>
-                <a:cs typeface="Arial"/>
-                <a:sym typeface="Arial"/>
-              </a:defRPr>
-            </a:lvl1pPr>
-            <a:lvl2pPr marL="914400" lvl="1" indent="-228600" algn="l">
-              <a:lnSpc>
-                <a:spcPct val="90000"/>
-              </a:lnSpc>
-              <a:spcBef>
-                <a:spcPts val="500"/>
-              </a:spcBef>
-              <a:spcAft>
-                <a:spcPts val="0"/>
-              </a:spcAft>
-              <a:buClr>
-                <a:srgbClr val="888888"/>
-              </a:buClr>
-              <a:buSzPts val="2000"/>
-              <a:buNone/>
-              <a:defRPr sz="2000">
-                <a:solidFill>
-                  <a:srgbClr val="888888"/>
-                </a:solidFill>
-              </a:defRPr>
-            </a:lvl2pPr>
-            <a:lvl3pPr marL="1371600" lvl="2" indent="-228600" algn="l">
-              <a:lnSpc>
-                <a:spcPct val="90000"/>
-              </a:lnSpc>
-              <a:spcBef>
-                <a:spcPts val="500"/>
-              </a:spcBef>
-              <a:spcAft>
-                <a:spcPts val="0"/>
-              </a:spcAft>
-              <a:buClr>
-                <a:srgbClr val="888888"/>
-              </a:buClr>
-              <a:buSzPts val="1800"/>
-              <a:buNone/>
-              <a:defRPr sz="1800">
-                <a:solidFill>
-                  <a:srgbClr val="888888"/>
-                </a:solidFill>
-              </a:defRPr>
-            </a:lvl3pPr>
-            <a:lvl4pPr marL="1828800" lvl="3" indent="-228600" algn="l">
-              <a:lnSpc>
-                <a:spcPct val="90000"/>
-              </a:lnSpc>
-              <a:spcBef>
-                <a:spcPts val="500"/>
-              </a:spcBef>
-              <a:spcAft>
-                <a:spcPts val="0"/>
-              </a:spcAft>
-              <a:buClr>
-                <a:srgbClr val="888888"/>
-              </a:buClr>
-              <a:buSzPts val="1600"/>
-              <a:buNone/>
-              <a:defRPr sz="1600">
-                <a:solidFill>
-                  <a:srgbClr val="888888"/>
-                </a:solidFill>
-              </a:defRPr>
-            </a:lvl4pPr>
-            <a:lvl5pPr marL="2286000" lvl="4" indent="-228600" algn="l">
-              <a:lnSpc>
-                <a:spcPct val="90000"/>
-              </a:lnSpc>
-              <a:spcBef>
-                <a:spcPts val="500"/>
-              </a:spcBef>
-              <a:spcAft>
-                <a:spcPts val="0"/>
-              </a:spcAft>
-              <a:buClr>
-                <a:srgbClr val="888888"/>
-              </a:buClr>
-              <a:buSzPts val="1600"/>
-              <a:buNone/>
-              <a:defRPr sz="1600">
-                <a:solidFill>
-                  <a:srgbClr val="888888"/>
-                </a:solidFill>
-              </a:defRPr>
-            </a:lvl5pPr>
-            <a:lvl6pPr marL="2743200" lvl="5" indent="-228600" algn="l">
-              <a:lnSpc>
-                <a:spcPct val="90000"/>
-              </a:lnSpc>
-              <a:spcBef>
-                <a:spcPts val="500"/>
-              </a:spcBef>
-              <a:spcAft>
-                <a:spcPts val="0"/>
-              </a:spcAft>
-              <a:buClr>
-                <a:srgbClr val="888888"/>
-              </a:buClr>
-              <a:buSzPts val="1600"/>
-              <a:buNone/>
-              <a:defRPr sz="1600">
-                <a:solidFill>
-                  <a:srgbClr val="888888"/>
-                </a:solidFill>
-              </a:defRPr>
-            </a:lvl6pPr>
-            <a:lvl7pPr marL="3200400" lvl="6" indent="-228600" algn="l">
-              <a:lnSpc>
-                <a:spcPct val="90000"/>
-              </a:lnSpc>
-              <a:spcBef>
-                <a:spcPts val="500"/>
-              </a:spcBef>
-              <a:spcAft>
-                <a:spcPts val="0"/>
-              </a:spcAft>
-              <a:buClr>
-                <a:srgbClr val="888888"/>
-              </a:buClr>
-              <a:buSzPts val="1600"/>
-              <a:buNone/>
-              <a:defRPr sz="1600">
-                <a:solidFill>
-                  <a:srgbClr val="888888"/>
-                </a:solidFill>
-              </a:defRPr>
-            </a:lvl7pPr>
-            <a:lvl8pPr marL="3657600" lvl="7" indent="-228600" algn="l">
-              <a:lnSpc>
-                <a:spcPct val="90000"/>
-              </a:lnSpc>
-              <a:spcBef>
-                <a:spcPts val="500"/>
-              </a:spcBef>
-              <a:spcAft>
-                <a:spcPts val="0"/>
-              </a:spcAft>
-              <a:buClr>
-                <a:srgbClr val="888888"/>
-              </a:buClr>
-              <a:buSzPts val="1600"/>
-              <a:buNone/>
-              <a:defRPr sz="1600">
-                <a:solidFill>
-                  <a:srgbClr val="888888"/>
-                </a:solidFill>
-              </a:defRPr>
-            </a:lvl8pPr>
-            <a:lvl9pPr marL="4114800" lvl="8" indent="-228600" algn="l">
-              <a:lnSpc>
-                <a:spcPct val="90000"/>
-              </a:lnSpc>
-              <a:spcBef>
-                <a:spcPts val="500"/>
-              </a:spcBef>
-              <a:spcAft>
-                <a:spcPts val="0"/>
-              </a:spcAft>
-              <a:buClr>
-                <a:srgbClr val="888888"/>
-              </a:buClr>
-              <a:buSzPts val="1600"/>
-              <a:buNone/>
-              <a:defRPr sz="1600">
-                <a:solidFill>
-                  <a:srgbClr val="888888"/>
-                </a:solidFill>
-              </a:defRPr>
-            </a:lvl9pPr>
-          </a:lstStyle>
+          <a:lstStyle/>
           <a:p>
+            <a:pPr marL="0" lvl="0" indent="0" algn="l" rtl="0">
+              <a:spcBef>
+                <a:spcPts val="0"/>
+              </a:spcBef>
+              <a:spcAft>
+                <a:spcPts val="0"/>
+              </a:spcAft>
+              <a:buNone/>
+            </a:pPr>
             <a:endParaRPr/>
           </a:p>
         </p:txBody>
       </p:sp>
       <p:sp>
         <p:nvSpPr>
-          <p:cNvPr id="46" name="Google Shape;46;p19"/>
+          <p:cNvPr id="304" name="Google Shape;304;g17249ec79ef_1_121:notes"/>
+          <p:cNvSpPr>
+            <a:spLocks noGrp="1" noRot="1" noChangeAspect="1"/>
+          </p:cNvSpPr>
+          <p:nvPr>
+            <p:ph type="sldImg" idx="2"/>
+          </p:nvPr>
+        </p:nvSpPr>
+        <p:spPr>
+          <a:xfrm>
+            <a:off x="685800" y="1143000"/>
+            <a:ext cx="5486400" cy="3086100"/>
+          </a:xfrm>
+          <a:custGeom>
+            <a:avLst/>
+            <a:gdLst/>
+            <a:ahLst/>
+            <a:cxnLst/>
+            <a:rect l="l" t="t" r="r" b="b"/>
+            <a:pathLst>
+              <a:path w="120000" h="120000" extrusionOk="0">
+                <a:moveTo>
+                  <a:pt x="0" y="0"/>
+                </a:moveTo>
+                <a:lnTo>
+                  <a:pt x="120000" y="0"/>
+                </a:lnTo>
+                <a:lnTo>
+                  <a:pt x="120000" y="120000"/>
+                </a:lnTo>
+                <a:lnTo>
+                  <a:pt x="0" y="120000"/>
+                </a:lnTo>
+                <a:close/>
+              </a:path>
+            </a:pathLst>
+          </a:custGeom>
+        </p:spPr>
+      </p:sp>
+    </p:spTree>
+    <p:extLst>
+      <p:ext uri="{BB962C8B-B14F-4D97-AF65-F5344CB8AC3E}">
+        <p14:creationId xmlns:p14="http://schemas.microsoft.com/office/powerpoint/2010/main" val="1050876018"/>
+      </p:ext>
+    </p:extLst>
+  </p:cSld>
+  <p:clrMapOvr>
+    <a:masterClrMapping/>
+  </p:clrMapOvr>
+</p:notes>
+</file>
+
+<file path=ppt/notesSlides/notesSlide9.xml><?xml version="1.0" encoding="utf-8"?>
+<p:notes xmlns:a="http://schemas.openxmlformats.org/drawingml/2006/main" xmlns:r="http://schemas.openxmlformats.org/officeDocument/2006/relationships" xmlns:p="http://schemas.openxmlformats.org/presentationml/2006/main" showMasterSp="0" showMasterPhAnim="0">
+  <p:cSld>
+    <p:spTree>
+      <p:nvGrpSpPr>
+        <p:cNvPr id="1" name="Shape 310"/>
+        <p:cNvGrpSpPr/>
+        <p:nvPr/>
+      </p:nvGrpSpPr>
+      <p:grpSpPr>
+        <a:xfrm>
+          <a:off x="0" y="0"/>
+          <a:ext cx="0" cy="0"/>
+          <a:chOff x="0" y="0"/>
+          <a:chExt cx="0" cy="0"/>
+        </a:xfrm>
+      </p:grpSpPr>
+      <p:sp>
+        <p:nvSpPr>
+          <p:cNvPr id="311" name="Google Shape;311;g17249ec79ef_1_132:notes"/>
           <p:cNvSpPr txBox="1">
             <a:spLocks noGrp="1"/>
           </p:cNvSpPr>
           <p:nvPr>
-            <p:ph type="dt" idx="10"/>
+            <p:ph type="body" idx="1"/>
           </p:nvPr>
         </p:nvSpPr>
         <p:spPr>
           <a:xfrm>
-            <a:off x="381000" y="6356350"/>
-            <a:ext cx="2743200" cy="365125"/>
+            <a:off x="685800" y="4400550"/>
+            <a:ext cx="5486400" cy="3600600"/>
           </a:xfrm>
           <a:prstGeom prst="rect">
             <a:avLst/>
           </a:prstGeom>
-          <a:noFill/>
-          <a:ln>
-            <a:noFill/>
-          </a:ln>
         </p:spPr>
         <p:txBody>
-          <a:bodyPr spcFirstLastPara="1" wrap="square" lIns="91425" tIns="45700" rIns="91425" bIns="45700" anchor="ctr" anchorCtr="0">
+          <a:bodyPr spcFirstLastPara="1" wrap="square" lIns="91425" tIns="45700" rIns="91425" bIns="45700" anchor="t" anchorCtr="0">
             <a:noAutofit/>
           </a:bodyPr>
-          <a:lstStyle>
-            <a:lvl1pPr lvl="0" algn="l">
-              <a:spcBef>
-                <a:spcPts val="0"/>
-              </a:spcBef>
-              <a:spcAft>
-                <a:spcPts val="0"/>
-              </a:spcAft>
-              <a:buSzPts val="1400"/>
-              <a:buNone/>
-              <a:defRPr>
-                <a:solidFill>
-                  <a:schemeClr val="accent2"/>
-                </a:solidFill>
-                <a:latin typeface="Arial"/>
-                <a:ea typeface="Arial"/>
-                <a:cs typeface="Arial"/>
-                <a:sym typeface="Arial"/>
-              </a:defRPr>
-            </a:lvl1pPr>
-            <a:lvl2pPr lvl="1" algn="l">
-              <a:spcBef>
-                <a:spcPts val="0"/>
-              </a:spcBef>
-              <a:spcAft>
-                <a:spcPts val="0"/>
-              </a:spcAft>
-              <a:buSzPts val="1400"/>
-              <a:buNone/>
-              <a:defRPr/>
-            </a:lvl2pPr>
-            <a:lvl3pPr lvl="2" algn="l">
-              <a:spcBef>
-                <a:spcPts val="0"/>
-              </a:spcBef>
-              <a:spcAft>
-                <a:spcPts val="0"/>
-              </a:spcAft>
-              <a:buSzPts val="1400"/>
-              <a:buNone/>
-              <a:defRPr/>
-            </a:lvl3pPr>
-            <a:lvl4pPr lvl="3" algn="l">
-              <a:spcBef>
-                <a:spcPts val="0"/>
-              </a:spcBef>
-              <a:spcAft>
-                <a:spcPts val="0"/>
-              </a:spcAft>
-              <a:buSzPts val="1400"/>
-              <a:buNone/>
-              <a:defRPr/>
-            </a:lvl4pPr>
-            <a:lvl5pPr lvl="4" algn="l">
-              <a:spcBef>
-                <a:spcPts val="0"/>
-              </a:spcBef>
-              <a:spcAft>
-                <a:spcPts val="0"/>
-              </a:spcAft>
-              <a:buSzPts val="1400"/>
-              <a:buNone/>
-              <a:defRPr/>
-            </a:lvl5pPr>
-            <a:lvl6pPr lvl="5" algn="l">
-              <a:spcBef>
-                <a:spcPts val="0"/>
-              </a:spcBef>
-              <a:spcAft>
-                <a:spcPts val="0"/>
-              </a:spcAft>
-              <a:buSzPts val="1400"/>
-              <a:buNone/>
-              <a:defRPr/>
-            </a:lvl6pPr>
-            <a:lvl7pPr lvl="6" algn="l">
-              <a:spcBef>
-                <a:spcPts val="0"/>
-              </a:spcBef>
-              <a:spcAft>
-                <a:spcPts val="0"/>
-              </a:spcAft>
-              <a:buSzPts val="1400"/>
-              <a:buNone/>
-              <a:defRPr/>
-            </a:lvl7pPr>
-            <a:lvl8pPr lvl="7" algn="l">
-              <a:spcBef>
-                <a:spcPts val="0"/>
-              </a:spcBef>
-              <a:spcAft>
-                <a:spcPts val="0"/>
-              </a:spcAft>
-              <a:buSzPts val="1400"/>
-              <a:buNone/>
-              <a:defRPr/>
-            </a:lvl8pPr>
-            <a:lvl9pPr lvl="8" algn="l">
-              <a:spcBef>
-                <a:spcPts val="0"/>
-              </a:spcBef>
-              <a:spcAft>
-                <a:spcPts val="0"/>
-              </a:spcAft>
-              <a:buSzPts val="1400"/>
-              <a:buNone/>
-              <a:defRPr/>
-            </a:lvl9pPr>
-          </a:lstStyle>
+          <a:lstStyle/>
           <a:p>
+            <a:pPr marL="0" lvl="0" indent="0" algn="l" rtl="0">
+              <a:spcBef>
+                <a:spcPts val="0"/>
+              </a:spcBef>
+              <a:spcAft>
+                <a:spcPts val="0"/>
+              </a:spcAft>
+              <a:buNone/>
+            </a:pPr>
             <a:endParaRPr/>
           </a:p>
         </p:txBody>
       </p:sp>
       <p:sp>
         <p:nvSpPr>
-          <p:cNvPr id="47" name="Google Shape;47;p19"/>
-          <p:cNvSpPr txBox="1">
-            <a:spLocks noGrp="1"/>
+          <p:cNvPr id="312" name="Google Shape;312;g17249ec79ef_1_132:notes"/>
+          <p:cNvSpPr>
+            <a:spLocks noGrp="1" noRot="1" noChangeAspect="1"/>
           </p:cNvSpPr>
           <p:nvPr>
-            <p:ph type="ftr" idx="11"/>
+            <p:ph type="sldImg" idx="2"/>
           </p:nvPr>
         </p:nvSpPr>
         <p:spPr>
           <a:xfrm>
-            <a:off x="4038600" y="6356350"/>
-            <a:ext cx="4114800" cy="365125"/>
+            <a:off x="685800" y="1143000"/>
+            <a:ext cx="5486400" cy="3086100"/>
           </a:xfrm>
-          <a:prstGeom prst="rect">
+          <a:custGeom>
             <a:avLst/>
-          </a:prstGeom>
-          <a:noFill/>
-          <a:ln>
-            <a:noFill/>
-          </a:ln>
+            <a:gdLst/>
+            <a:ahLst/>
+            <a:cxnLst/>
+            <a:rect l="l" t="t" r="r" b="b"/>
+            <a:pathLst>
+              <a:path w="120000" h="120000" extrusionOk="0">
+                <a:moveTo>
+                  <a:pt x="0" y="0"/>
+                </a:moveTo>
+                <a:lnTo>
+                  <a:pt x="120000" y="0"/>
+                </a:lnTo>
+                <a:lnTo>
+                  <a:pt x="120000" y="120000"/>
+                </a:lnTo>
+                <a:lnTo>
+                  <a:pt x="0" y="120000"/>
+                </a:lnTo>
+                <a:close/>
+              </a:path>
+            </a:pathLst>
+          </a:custGeom>
         </p:spPr>
-        <p:txBody>
-          <a:bodyPr spcFirstLastPara="1" wrap="square" lIns="91425" tIns="45700" rIns="91425" bIns="45700" anchor="ctr" anchorCtr="0">
-            <a:noAutofit/>
-          </a:bodyPr>
-          <a:lstStyle>
-            <a:lvl1pPr lvl="0" algn="ctr">
-              <a:spcBef>
-                <a:spcPts val="0"/>
-              </a:spcBef>
-              <a:spcAft>
-                <a:spcPts val="0"/>
-              </a:spcAft>
-              <a:buSzPts val="1400"/>
-              <a:buNone/>
-              <a:defRPr>
-                <a:solidFill>
-                  <a:schemeClr val="accent2"/>
-                </a:solidFill>
-                <a:latin typeface="Arial"/>
-                <a:ea typeface="Arial"/>
-                <a:cs typeface="Arial"/>
-                <a:sym typeface="Arial"/>
-              </a:defRPr>
-            </a:lvl1pPr>
-            <a:lvl2pPr lvl="1" algn="l">
-              <a:spcBef>
-                <a:spcPts val="0"/>
-              </a:spcBef>
-              <a:spcAft>
-                <a:spcPts val="0"/>
-              </a:spcAft>
-              <a:buSzPts val="1400"/>
-              <a:buNone/>
-              <a:defRPr/>
-            </a:lvl2pPr>
-            <a:lvl3pPr lvl="2" algn="l">
-              <a:spcBef>
-                <a:spcPts val="0"/>
-              </a:spcBef>
-              <a:spcAft>
-                <a:spcPts val="0"/>
-              </a:spcAft>
-              <a:buSzPts val="1400"/>
-              <a:buNone/>
-              <a:defRPr/>
-            </a:lvl3pPr>
-            <a:lvl4pPr lvl="3" algn="l">
-              <a:spcBef>
-                <a:spcPts val="0"/>
-              </a:spcBef>
-              <a:spcAft>
-                <a:spcPts val="0"/>
-              </a:spcAft>
-              <a:buSzPts val="1400"/>
-              <a:buNone/>
-              <a:defRPr/>
-            </a:lvl4pPr>
-            <a:lvl5pPr lvl="4" algn="l">
-              <a:spcBef>
-                <a:spcPts val="0"/>
-              </a:spcBef>
-              <a:spcAft>
-                <a:spcPts val="0"/>
-              </a:spcAft>
-              <a:buSzPts val="1400"/>
-              <a:buNone/>
-              <a:defRPr/>
-            </a:lvl5pPr>
-            <a:lvl6pPr lvl="5" algn="l">
-              <a:spcBef>
-                <a:spcPts val="0"/>
-              </a:spcBef>
-              <a:spcAft>
-                <a:spcPts val="0"/>
-              </a:spcAft>
-              <a:buSzPts val="1400"/>
-              <a:buNone/>
-              <a:defRPr/>
-            </a:lvl6pPr>
-            <a:lvl7pPr lvl="6" algn="l">
-              <a:spcBef>
-                <a:spcPts val="0"/>
-              </a:spcBef>
-              <a:spcAft>
-                <a:spcPts val="0"/>
-              </a:spcAft>
-              <a:buSzPts val="1400"/>
-              <a:buNone/>
-              <a:defRPr/>
-            </a:lvl7pPr>
-            <a:lvl8pPr lvl="7" algn="l">
-              <a:spcBef>
-                <a:spcPts val="0"/>
-              </a:spcBef>
-              <a:spcAft>
-                <a:spcPts val="0"/>
-              </a:spcAft>
-              <a:buSzPts val="1400"/>
-              <a:buNone/>
-              <a:defRPr/>
-            </a:lvl8pPr>
-            <a:lvl9pPr lvl="8" algn="l">
-              <a:spcBef>
-                <a:spcPts val="0"/>
-              </a:spcBef>
-              <a:spcAft>
-                <a:spcPts val="0"/>
-              </a:spcAft>
-              <a:buSzPts val="1400"/>
-              <a:buNone/>
-              <a:defRPr/>
-            </a:lvl9pPr>
-          </a:lstStyle>
-          <a:p>
-            <a:endParaRPr/>
-          </a:p>
-        </p:txBody>
-      </p:sp>
-      <p:sp>
-        <p:nvSpPr>
-          <p:cNvPr id="48" name="Google Shape;48;p19"/>
-          <p:cNvSpPr txBox="1">
-            <a:spLocks noGrp="1"/>
-          </p:cNvSpPr>
-          <p:nvPr>
-            <p:ph type="sldNum" idx="12"/>
-          </p:nvPr>
-        </p:nvSpPr>
-        <p:spPr>
-          <a:xfrm>
-            <a:off x="10206318" y="6356350"/>
-            <a:ext cx="1604682" cy="365125"/>
-          </a:xfrm>
-          <a:prstGeom prst="rect">
-            <a:avLst/>
-          </a:prstGeom>
-          <a:noFill/>
-          <a:ln>
-            <a:noFill/>
-          </a:ln>
-        </p:spPr>
-        <p:txBody>
-          <a:bodyPr spcFirstLastPara="1" wrap="square" lIns="91425" tIns="45700" rIns="91425" bIns="45700" anchor="ctr" anchorCtr="0">
-            <a:noAutofit/>
-          </a:bodyPr>
-          <a:lstStyle>
-            <a:lvl1pPr marL="0" lvl="0" indent="0" algn="r">
-              <a:spcBef>
-                <a:spcPts val="0"/>
-              </a:spcBef>
-              <a:buNone/>
-              <a:defRPr sz="1200" b="0" i="0" u="none" strike="noStrike" cap="none">
-                <a:solidFill>
-                  <a:schemeClr val="accent3"/>
-                </a:solidFill>
-                <a:latin typeface="Arial"/>
-                <a:ea typeface="Arial"/>
-                <a:cs typeface="Arial"/>
-                <a:sym typeface="Arial"/>
-              </a:defRPr>
-            </a:lvl1pPr>
-            <a:lvl2pPr marL="0" lvl="1" indent="0" algn="r">
-              <a:spcBef>
-                <a:spcPts val="0"/>
-              </a:spcBef>
-              <a:buNone/>
-              <a:defRPr sz="1200" b="0" i="0" u="none" strike="noStrike" cap="none">
-                <a:solidFill>
-                  <a:schemeClr val="accent3"/>
-                </a:solidFill>
-                <a:latin typeface="Arial"/>
-                <a:ea typeface="Arial"/>
-                <a:cs typeface="Arial"/>
-                <a:sym typeface="Arial"/>
-              </a:defRPr>
-            </a:lvl2pPr>
-            <a:lvl3pPr marL="0" lvl="2" indent="0" algn="r">
-              <a:spcBef>
-                <a:spcPts val="0"/>
-              </a:spcBef>
-              <a:buNone/>
-              <a:defRPr sz="1200" b="0" i="0" u="none" strike="noStrike" cap="none">
-                <a:solidFill>
-                  <a:schemeClr val="accent3"/>
-                </a:solidFill>
-                <a:latin typeface="Arial"/>
-                <a:ea typeface="Arial"/>
-                <a:cs typeface="Arial"/>
-                <a:sym typeface="Arial"/>
-              </a:defRPr>
-            </a:lvl3pPr>
-            <a:lvl4pPr marL="0" lvl="3" indent="0" algn="r">
-              <a:spcBef>
-                <a:spcPts val="0"/>
-              </a:spcBef>
-              <a:buNone/>
-              <a:defRPr sz="1200" b="0" i="0" u="none" strike="noStrike" cap="none">
-                <a:solidFill>
-                  <a:schemeClr val="accent3"/>
-                </a:solidFill>
-                <a:latin typeface="Arial"/>
-                <a:ea typeface="Arial"/>
-                <a:cs typeface="Arial"/>
-                <a:sym typeface="Arial"/>
-              </a:defRPr>
-            </a:lvl4pPr>
-            <a:lvl5pPr marL="0" lvl="4" indent="0" algn="r">
-              <a:spcBef>
-                <a:spcPts val="0"/>
-              </a:spcBef>
-              <a:buNone/>
-              <a:defRPr sz="1200" b="0" i="0" u="none" strike="noStrike" cap="none">
-                <a:solidFill>
-                  <a:schemeClr val="accent3"/>
-                </a:solidFill>
-                <a:latin typeface="Arial"/>
-                <a:ea typeface="Arial"/>
-                <a:cs typeface="Arial"/>
-                <a:sym typeface="Arial"/>
-              </a:defRPr>
-            </a:lvl5pPr>
-            <a:lvl6pPr marL="0" lvl="5" indent="0" algn="r">
-              <a:spcBef>
-                <a:spcPts val="0"/>
-              </a:spcBef>
-              <a:buNone/>
-              <a:defRPr sz="1200" b="0" i="0" u="none" strike="noStrike" cap="none">
-                <a:solidFill>
-                  <a:schemeClr val="accent3"/>
-                </a:solidFill>
-                <a:latin typeface="Arial"/>
-                <a:ea typeface="Arial"/>
-                <a:cs typeface="Arial"/>
-                <a:sym typeface="Arial"/>
-              </a:defRPr>
-            </a:lvl6pPr>
-            <a:lvl7pPr marL="0" lvl="6" indent="0" algn="r">
-              <a:spcBef>
-                <a:spcPts val="0"/>
-              </a:spcBef>
-              <a:buNone/>
-              <a:defRPr sz="1200" b="0" i="0" u="none" strike="noStrike" cap="none">
-                <a:solidFill>
-                  <a:schemeClr val="accent3"/>
-                </a:solidFill>
-                <a:latin typeface="Arial"/>
-                <a:ea typeface="Arial"/>
-                <a:cs typeface="Arial"/>
-                <a:sym typeface="Arial"/>
-              </a:defRPr>
-            </a:lvl7pPr>
-            <a:lvl8pPr marL="0" lvl="7" indent="0" algn="r">
-              <a:spcBef>
-                <a:spcPts val="0"/>
-              </a:spcBef>
-              <a:buNone/>
-              <a:defRPr sz="1200" b="0" i="0" u="none" strike="noStrike" cap="none">
-                <a:solidFill>
-                  <a:schemeClr val="accent3"/>
-                </a:solidFill>
-                <a:latin typeface="Arial"/>
-                <a:ea typeface="Arial"/>
-                <a:cs typeface="Arial"/>
-                <a:sym typeface="Arial"/>
-              </a:defRPr>
-            </a:lvl8pPr>
-            <a:lvl9pPr marL="0" lvl="8" indent="0" algn="r">
-              <a:spcBef>
-                <a:spcPts val="0"/>
-              </a:spcBef>
-              <a:buNone/>
-              <a:defRPr sz="1200" b="0" i="0" u="none" strike="noStrike" cap="none">
-                <a:solidFill>
-                  <a:schemeClr val="accent3"/>
-                </a:solidFill>
-                <a:latin typeface="Arial"/>
-                <a:ea typeface="Arial"/>
-                <a:cs typeface="Arial"/>
-                <a:sym typeface="Arial"/>
-              </a:defRPr>
-            </a:lvl9pPr>
-          </a:lstStyle>
-          <a:p>
-            <a:pPr marL="0" lvl="0" indent="0" algn="r" rtl="0">
-              <a:spcBef>
-                <a:spcPts val="0"/>
-              </a:spcBef>
-              <a:spcAft>
-                <a:spcPts val="0"/>
-              </a:spcAft>
-              <a:buNone/>
-            </a:pPr>
-            <a:fld id="{00000000-1234-1234-1234-123412341234}" type="slidenum">
-              <a:rPr lang="en-US"/>
-              <a:t>‹#›</a:t>
-            </a:fld>
-            <a:endParaRPr/>
-          </a:p>
-        </p:txBody>
       </p:sp>
     </p:spTree>
   </p:cSld>
   <p:clrMapOvr>
     <a:masterClrMapping/>
   </p:clrMapOvr>
-</p:sldLayout>
+</p:notes>
 </file>
 
-<file path=ppt/slideLayouts/slideLayout2.xml><?xml version="1.0" encoding="utf-8"?>
+<file path=ppt/slideLayouts/slideLayout1.xml><?xml version="1.0" encoding="utf-8"?>
 <p:sldLayout xmlns:a="http://schemas.openxmlformats.org/drawingml/2006/main" xmlns:r="http://schemas.openxmlformats.org/officeDocument/2006/relationships" xmlns:p="http://schemas.openxmlformats.org/presentationml/2006/main" matchingName="Section title">
   <p:cSld name="Section title">
     <p:spTree>
@@ -5867,7 +4577,7 @@
 </p:sldLayout>
 </file>
 
-<file path=ppt/slideLayouts/slideLayout3.xml><?xml version="1.0" encoding="utf-8"?>
+<file path=ppt/slideLayouts/slideLayout2.xml><?xml version="1.0" encoding="utf-8"?>
 <p:sldLayout xmlns:a="http://schemas.openxmlformats.org/drawingml/2006/main" xmlns:r="http://schemas.openxmlformats.org/officeDocument/2006/relationships" xmlns:p="http://schemas.openxmlformats.org/presentationml/2006/main" matchingName="Graph">
   <p:cSld name="Graph">
     <p:spTree>
@@ -6855,7 +5565,7 @@
 </p:sldLayout>
 </file>
 
-<file path=ppt/slideLayouts/slideLayout4.xml><?xml version="1.0" encoding="utf-8"?>
+<file path=ppt/slideLayouts/slideLayout3.xml><?xml version="1.0" encoding="utf-8"?>
 <p:sldLayout xmlns:a="http://schemas.openxmlformats.org/drawingml/2006/main" xmlns:r="http://schemas.openxmlformats.org/officeDocument/2006/relationships" xmlns:p="http://schemas.openxmlformats.org/presentationml/2006/main" matchingName="Quote">
   <p:cSld name="Quote">
     <p:bg>
@@ -8181,7 +6891,7 @@
 </p:sldLayout>
 </file>
 
-<file path=ppt/slideLayouts/slideLayout5.xml><?xml version="1.0" encoding="utf-8"?>
+<file path=ppt/slideLayouts/slideLayout4.xml><?xml version="1.0" encoding="utf-8"?>
 <p:sldLayout xmlns:a="http://schemas.openxmlformats.org/drawingml/2006/main" xmlns:r="http://schemas.openxmlformats.org/officeDocument/2006/relationships" xmlns:p="http://schemas.openxmlformats.org/presentationml/2006/main" matchingName="Whole team">
   <p:cSld name="Whole team">
     <p:bg>
@@ -12135,7 +10845,7 @@
 </p:sldLayout>
 </file>
 
-<file path=ppt/slideLayouts/slideLayout6.xml><?xml version="1.0" encoding="utf-8"?>
+<file path=ppt/slideLayouts/slideLayout5.xml><?xml version="1.0" encoding="utf-8"?>
 <p:sldLayout xmlns:a="http://schemas.openxmlformats.org/drawingml/2006/main" xmlns:r="http://schemas.openxmlformats.org/officeDocument/2006/relationships" xmlns:p="http://schemas.openxmlformats.org/presentationml/2006/main" matchingName="Timeline">
   <p:cSld name="Timeline">
     <p:bg>
@@ -13149,1881 +11859,7 @@
 </p:sldLayout>
 </file>
 
-<file path=ppt/slideLayouts/slideLayout7.xml><?xml version="1.0" encoding="utf-8"?>
-<p:sldLayout xmlns:a="http://schemas.openxmlformats.org/drawingml/2006/main" xmlns:r="http://schemas.openxmlformats.org/officeDocument/2006/relationships" xmlns:p="http://schemas.openxmlformats.org/presentationml/2006/main" matchingName="2 Title and Content">
-  <p:cSld name="2 Title and Content">
-    <p:spTree>
-      <p:nvGrpSpPr>
-        <p:cNvPr id="1" name="Shape 145"/>
-        <p:cNvGrpSpPr/>
-        <p:nvPr/>
-      </p:nvGrpSpPr>
-      <p:grpSpPr>
-        <a:xfrm>
-          <a:off x="0" y="0"/>
-          <a:ext cx="0" cy="0"/>
-          <a:chOff x="0" y="0"/>
-          <a:chExt cx="0" cy="0"/>
-        </a:xfrm>
-      </p:grpSpPr>
-      <p:sp>
-        <p:nvSpPr>
-          <p:cNvPr id="146" name="Google Shape;146;p27"/>
-          <p:cNvSpPr txBox="1">
-            <a:spLocks noGrp="1"/>
-          </p:cNvSpPr>
-          <p:nvPr>
-            <p:ph type="title"/>
-          </p:nvPr>
-        </p:nvSpPr>
-        <p:spPr>
-          <a:xfrm>
-            <a:off x="1167492" y="381000"/>
-            <a:ext cx="9779183" cy="1325563"/>
-          </a:xfrm>
-          <a:prstGeom prst="rect">
-            <a:avLst/>
-          </a:prstGeom>
-          <a:noFill/>
-          <a:ln>
-            <a:noFill/>
-          </a:ln>
-        </p:spPr>
-        <p:txBody>
-          <a:bodyPr spcFirstLastPara="1" wrap="square" lIns="91425" tIns="45700" rIns="91425" bIns="45700" anchor="b" anchorCtr="0">
-            <a:noAutofit/>
-          </a:bodyPr>
-          <a:lstStyle>
-            <a:lvl1pPr lvl="0" algn="l">
-              <a:lnSpc>
-                <a:spcPct val="90000"/>
-              </a:lnSpc>
-              <a:spcBef>
-                <a:spcPts val="0"/>
-              </a:spcBef>
-              <a:spcAft>
-                <a:spcPts val="0"/>
-              </a:spcAft>
-              <a:buClr>
-                <a:schemeClr val="dk1"/>
-              </a:buClr>
-              <a:buSzPts val="4800"/>
-              <a:buFont typeface="Arial"/>
-              <a:buNone/>
-              <a:defRPr sz="4800" b="1">
-                <a:latin typeface="Arial"/>
-                <a:ea typeface="Arial"/>
-                <a:cs typeface="Arial"/>
-                <a:sym typeface="Arial"/>
-              </a:defRPr>
-            </a:lvl1pPr>
-            <a:lvl2pPr lvl="1">
-              <a:spcBef>
-                <a:spcPts val="0"/>
-              </a:spcBef>
-              <a:spcAft>
-                <a:spcPts val="0"/>
-              </a:spcAft>
-              <a:buSzPts val="1400"/>
-              <a:buNone/>
-              <a:defRPr/>
-            </a:lvl2pPr>
-            <a:lvl3pPr lvl="2">
-              <a:spcBef>
-                <a:spcPts val="0"/>
-              </a:spcBef>
-              <a:spcAft>
-                <a:spcPts val="0"/>
-              </a:spcAft>
-              <a:buSzPts val="1400"/>
-              <a:buNone/>
-              <a:defRPr/>
-            </a:lvl3pPr>
-            <a:lvl4pPr lvl="3">
-              <a:spcBef>
-                <a:spcPts val="0"/>
-              </a:spcBef>
-              <a:spcAft>
-                <a:spcPts val="0"/>
-              </a:spcAft>
-              <a:buSzPts val="1400"/>
-              <a:buNone/>
-              <a:defRPr/>
-            </a:lvl4pPr>
-            <a:lvl5pPr lvl="4">
-              <a:spcBef>
-                <a:spcPts val="0"/>
-              </a:spcBef>
-              <a:spcAft>
-                <a:spcPts val="0"/>
-              </a:spcAft>
-              <a:buSzPts val="1400"/>
-              <a:buNone/>
-              <a:defRPr/>
-            </a:lvl5pPr>
-            <a:lvl6pPr lvl="5">
-              <a:spcBef>
-                <a:spcPts val="0"/>
-              </a:spcBef>
-              <a:spcAft>
-                <a:spcPts val="0"/>
-              </a:spcAft>
-              <a:buSzPts val="1400"/>
-              <a:buNone/>
-              <a:defRPr/>
-            </a:lvl6pPr>
-            <a:lvl7pPr lvl="6">
-              <a:spcBef>
-                <a:spcPts val="0"/>
-              </a:spcBef>
-              <a:spcAft>
-                <a:spcPts val="0"/>
-              </a:spcAft>
-              <a:buSzPts val="1400"/>
-              <a:buNone/>
-              <a:defRPr/>
-            </a:lvl7pPr>
-            <a:lvl8pPr lvl="7">
-              <a:spcBef>
-                <a:spcPts val="0"/>
-              </a:spcBef>
-              <a:spcAft>
-                <a:spcPts val="0"/>
-              </a:spcAft>
-              <a:buSzPts val="1400"/>
-              <a:buNone/>
-              <a:defRPr/>
-            </a:lvl8pPr>
-            <a:lvl9pPr lvl="8">
-              <a:spcBef>
-                <a:spcPts val="0"/>
-              </a:spcBef>
-              <a:spcAft>
-                <a:spcPts val="0"/>
-              </a:spcAft>
-              <a:buSzPts val="1400"/>
-              <a:buNone/>
-              <a:defRPr/>
-            </a:lvl9pPr>
-          </a:lstStyle>
-          <a:p>
-            <a:endParaRPr/>
-          </a:p>
-        </p:txBody>
-      </p:sp>
-      <p:sp>
-        <p:nvSpPr>
-          <p:cNvPr id="147" name="Google Shape;147;p27"/>
-          <p:cNvSpPr txBox="1">
-            <a:spLocks noGrp="1"/>
-          </p:cNvSpPr>
-          <p:nvPr>
-            <p:ph type="body" idx="1"/>
-          </p:nvPr>
-        </p:nvSpPr>
-        <p:spPr>
-          <a:xfrm>
-            <a:off x="1167493" y="2528203"/>
-            <a:ext cx="4663440" cy="2828613"/>
-          </a:xfrm>
-          <a:prstGeom prst="rect">
-            <a:avLst/>
-          </a:prstGeom>
-          <a:noFill/>
-          <a:ln>
-            <a:noFill/>
-          </a:ln>
-        </p:spPr>
-        <p:txBody>
-          <a:bodyPr spcFirstLastPara="1" wrap="square" lIns="91425" tIns="45700" rIns="91425" bIns="45700" anchor="t" anchorCtr="0">
-            <a:noAutofit/>
-          </a:bodyPr>
-          <a:lstStyle>
-            <a:lvl1pPr marL="457200" lvl="0" indent="-228600" algn="l">
-              <a:lnSpc>
-                <a:spcPct val="90000"/>
-              </a:lnSpc>
-              <a:spcBef>
-                <a:spcPts val="1000"/>
-              </a:spcBef>
-              <a:spcAft>
-                <a:spcPts val="0"/>
-              </a:spcAft>
-              <a:buClr>
-                <a:schemeClr val="dk1"/>
-              </a:buClr>
-              <a:buSzPts val="2000"/>
-              <a:buNone/>
-              <a:defRPr sz="2000">
-                <a:latin typeface="Arial"/>
-                <a:ea typeface="Arial"/>
-                <a:cs typeface="Arial"/>
-                <a:sym typeface="Arial"/>
-              </a:defRPr>
-            </a:lvl1pPr>
-            <a:lvl2pPr marL="914400" lvl="1" indent="-228600" algn="l">
-              <a:lnSpc>
-                <a:spcPct val="90000"/>
-              </a:lnSpc>
-              <a:spcBef>
-                <a:spcPts val="500"/>
-              </a:spcBef>
-              <a:spcAft>
-                <a:spcPts val="0"/>
-              </a:spcAft>
-              <a:buClr>
-                <a:schemeClr val="dk1"/>
-              </a:buClr>
-              <a:buSzPts val="1800"/>
-              <a:buNone/>
-              <a:defRPr sz="1800">
-                <a:latin typeface="Arial"/>
-                <a:ea typeface="Arial"/>
-                <a:cs typeface="Arial"/>
-                <a:sym typeface="Arial"/>
-              </a:defRPr>
-            </a:lvl2pPr>
-            <a:lvl3pPr marL="1371600" lvl="2" indent="-228600" algn="l">
-              <a:lnSpc>
-                <a:spcPct val="90000"/>
-              </a:lnSpc>
-              <a:spcBef>
-                <a:spcPts val="500"/>
-              </a:spcBef>
-              <a:spcAft>
-                <a:spcPts val="0"/>
-              </a:spcAft>
-              <a:buClr>
-                <a:schemeClr val="dk1"/>
-              </a:buClr>
-              <a:buSzPts val="1600"/>
-              <a:buNone/>
-              <a:defRPr sz="1600">
-                <a:latin typeface="Arial"/>
-                <a:ea typeface="Arial"/>
-                <a:cs typeface="Arial"/>
-                <a:sym typeface="Arial"/>
-              </a:defRPr>
-            </a:lvl3pPr>
-            <a:lvl4pPr marL="1828800" lvl="3" indent="-228600" algn="l">
-              <a:lnSpc>
-                <a:spcPct val="90000"/>
-              </a:lnSpc>
-              <a:spcBef>
-                <a:spcPts val="500"/>
-              </a:spcBef>
-              <a:spcAft>
-                <a:spcPts val="0"/>
-              </a:spcAft>
-              <a:buClr>
-                <a:schemeClr val="dk1"/>
-              </a:buClr>
-              <a:buSzPts val="1400"/>
-              <a:buNone/>
-              <a:defRPr sz="1400">
-                <a:latin typeface="Arial"/>
-                <a:ea typeface="Arial"/>
-                <a:cs typeface="Arial"/>
-                <a:sym typeface="Arial"/>
-              </a:defRPr>
-            </a:lvl4pPr>
-            <a:lvl5pPr marL="2286000" lvl="4" indent="-228600" algn="l">
-              <a:lnSpc>
-                <a:spcPct val="90000"/>
-              </a:lnSpc>
-              <a:spcBef>
-                <a:spcPts val="500"/>
-              </a:spcBef>
-              <a:spcAft>
-                <a:spcPts val="0"/>
-              </a:spcAft>
-              <a:buClr>
-                <a:schemeClr val="dk1"/>
-              </a:buClr>
-              <a:buSzPts val="1400"/>
-              <a:buNone/>
-              <a:defRPr sz="1400">
-                <a:latin typeface="Arial"/>
-                <a:ea typeface="Arial"/>
-                <a:cs typeface="Arial"/>
-                <a:sym typeface="Arial"/>
-              </a:defRPr>
-            </a:lvl5pPr>
-            <a:lvl6pPr marL="2743200" lvl="5" indent="-342900" algn="l">
-              <a:lnSpc>
-                <a:spcPct val="90000"/>
-              </a:lnSpc>
-              <a:spcBef>
-                <a:spcPts val="500"/>
-              </a:spcBef>
-              <a:spcAft>
-                <a:spcPts val="0"/>
-              </a:spcAft>
-              <a:buClr>
-                <a:schemeClr val="dk1"/>
-              </a:buClr>
-              <a:buSzPts val="1800"/>
-              <a:buChar char="•"/>
-              <a:defRPr/>
-            </a:lvl6pPr>
-            <a:lvl7pPr marL="3200400" lvl="6" indent="-342900" algn="l">
-              <a:lnSpc>
-                <a:spcPct val="90000"/>
-              </a:lnSpc>
-              <a:spcBef>
-                <a:spcPts val="500"/>
-              </a:spcBef>
-              <a:spcAft>
-                <a:spcPts val="0"/>
-              </a:spcAft>
-              <a:buClr>
-                <a:schemeClr val="dk1"/>
-              </a:buClr>
-              <a:buSzPts val="1800"/>
-              <a:buChar char="•"/>
-              <a:defRPr/>
-            </a:lvl7pPr>
-            <a:lvl8pPr marL="3657600" lvl="7" indent="-342900" algn="l">
-              <a:lnSpc>
-                <a:spcPct val="90000"/>
-              </a:lnSpc>
-              <a:spcBef>
-                <a:spcPts val="500"/>
-              </a:spcBef>
-              <a:spcAft>
-                <a:spcPts val="0"/>
-              </a:spcAft>
-              <a:buClr>
-                <a:schemeClr val="dk1"/>
-              </a:buClr>
-              <a:buSzPts val="1800"/>
-              <a:buChar char="•"/>
-              <a:defRPr/>
-            </a:lvl8pPr>
-            <a:lvl9pPr marL="4114800" lvl="8" indent="-342900" algn="l">
-              <a:lnSpc>
-                <a:spcPct val="90000"/>
-              </a:lnSpc>
-              <a:spcBef>
-                <a:spcPts val="500"/>
-              </a:spcBef>
-              <a:spcAft>
-                <a:spcPts val="0"/>
-              </a:spcAft>
-              <a:buClr>
-                <a:schemeClr val="dk1"/>
-              </a:buClr>
-              <a:buSzPts val="1800"/>
-              <a:buChar char="•"/>
-              <a:defRPr/>
-            </a:lvl9pPr>
-          </a:lstStyle>
-          <a:p>
-            <a:endParaRPr/>
-          </a:p>
-        </p:txBody>
-      </p:sp>
-      <p:sp>
-        <p:nvSpPr>
-          <p:cNvPr id="148" name="Google Shape;148;p27"/>
-          <p:cNvSpPr/>
-          <p:nvPr/>
-        </p:nvSpPr>
-        <p:spPr>
-          <a:xfrm flipH="1">
-            <a:off x="8580896" y="1"/>
-            <a:ext cx="3611104" cy="3611104"/>
-          </a:xfrm>
-          <a:custGeom>
-            <a:avLst/>
-            <a:gdLst/>
-            <a:ahLst/>
-            <a:cxnLst/>
-            <a:rect l="l" t="t" r="r" b="b"/>
-            <a:pathLst>
-              <a:path w="1167493" h="1167493" extrusionOk="0">
-                <a:moveTo>
-                  <a:pt x="0" y="0"/>
-                </a:moveTo>
-                <a:lnTo>
-                  <a:pt x="1167493" y="0"/>
-                </a:lnTo>
-                <a:cubicBezTo>
-                  <a:pt x="522704" y="0"/>
-                  <a:pt x="0" y="522704"/>
-                  <a:pt x="0" y="1167493"/>
-                </a:cubicBezTo>
-                <a:lnTo>
-                  <a:pt x="0" y="0"/>
-                </a:lnTo>
-                <a:close/>
-              </a:path>
-            </a:pathLst>
-          </a:custGeom>
-          <a:solidFill>
-            <a:schemeClr val="accent1"/>
-          </a:solidFill>
-          <a:ln>
-            <a:noFill/>
-          </a:ln>
-        </p:spPr>
-        <p:txBody>
-          <a:bodyPr spcFirstLastPara="1" wrap="square" lIns="91425" tIns="45700" rIns="91425" bIns="45700" anchor="ctr" anchorCtr="0">
-            <a:noAutofit/>
-          </a:bodyPr>
-          <a:lstStyle/>
-          <a:p>
-            <a:pPr marL="0" marR="0" lvl="0" indent="0" algn="ctr" rtl="0">
-              <a:spcBef>
-                <a:spcPts val="0"/>
-              </a:spcBef>
-              <a:spcAft>
-                <a:spcPts val="0"/>
-              </a:spcAft>
-              <a:buNone/>
-            </a:pPr>
-            <a:endParaRPr sz="1800" b="0" i="0" u="none" strike="noStrike" cap="none">
-              <a:solidFill>
-                <a:schemeClr val="lt1"/>
-              </a:solidFill>
-              <a:latin typeface="Arial"/>
-              <a:ea typeface="Arial"/>
-              <a:cs typeface="Arial"/>
-              <a:sym typeface="Arial"/>
-            </a:endParaRPr>
-          </a:p>
-        </p:txBody>
-      </p:sp>
-      <p:sp>
-        <p:nvSpPr>
-          <p:cNvPr id="149" name="Google Shape;149;p27"/>
-          <p:cNvSpPr/>
-          <p:nvPr/>
-        </p:nvSpPr>
-        <p:spPr>
-          <a:xfrm flipH="1">
-            <a:off x="8580896" y="3246896"/>
-            <a:ext cx="3611104" cy="3611104"/>
-          </a:xfrm>
-          <a:custGeom>
-            <a:avLst/>
-            <a:gdLst/>
-            <a:ahLst/>
-            <a:cxnLst/>
-            <a:rect l="l" t="t" r="r" b="b"/>
-            <a:pathLst>
-              <a:path w="1167493" h="1167493" extrusionOk="0">
-                <a:moveTo>
-                  <a:pt x="0" y="0"/>
-                </a:moveTo>
-                <a:cubicBezTo>
-                  <a:pt x="0" y="644789"/>
-                  <a:pt x="522704" y="1167493"/>
-                  <a:pt x="1167493" y="1167493"/>
-                </a:cubicBezTo>
-                <a:lnTo>
-                  <a:pt x="0" y="1167493"/>
-                </a:lnTo>
-                <a:lnTo>
-                  <a:pt x="0" y="0"/>
-                </a:lnTo>
-                <a:close/>
-              </a:path>
-            </a:pathLst>
-          </a:custGeom>
-          <a:solidFill>
-            <a:schemeClr val="accent1"/>
-          </a:solidFill>
-          <a:ln>
-            <a:noFill/>
-          </a:ln>
-        </p:spPr>
-        <p:txBody>
-          <a:bodyPr spcFirstLastPara="1" wrap="square" lIns="91425" tIns="45700" rIns="91425" bIns="45700" anchor="ctr" anchorCtr="0">
-            <a:noAutofit/>
-          </a:bodyPr>
-          <a:lstStyle/>
-          <a:p>
-            <a:pPr marL="0" marR="0" lvl="0" indent="0" algn="ctr" rtl="0">
-              <a:spcBef>
-                <a:spcPts val="0"/>
-              </a:spcBef>
-              <a:spcAft>
-                <a:spcPts val="0"/>
-              </a:spcAft>
-              <a:buNone/>
-            </a:pPr>
-            <a:endParaRPr sz="1800" b="0" i="0" u="none" strike="noStrike" cap="none">
-              <a:solidFill>
-                <a:schemeClr val="lt1"/>
-              </a:solidFill>
-              <a:latin typeface="Arial"/>
-              <a:ea typeface="Arial"/>
-              <a:cs typeface="Arial"/>
-              <a:sym typeface="Arial"/>
-            </a:endParaRPr>
-          </a:p>
-        </p:txBody>
-      </p:sp>
-      <p:sp>
-        <p:nvSpPr>
-          <p:cNvPr id="150" name="Google Shape;150;p27"/>
-          <p:cNvSpPr/>
-          <p:nvPr/>
-        </p:nvSpPr>
-        <p:spPr>
-          <a:xfrm>
-            <a:off x="1" y="0"/>
-            <a:ext cx="933856" cy="933856"/>
-          </a:xfrm>
-          <a:custGeom>
-            <a:avLst/>
-            <a:gdLst/>
-            <a:ahLst/>
-            <a:cxnLst/>
-            <a:rect l="l" t="t" r="r" b="b"/>
-            <a:pathLst>
-              <a:path w="862693" h="862693" extrusionOk="0">
-                <a:moveTo>
-                  <a:pt x="0" y="0"/>
-                </a:moveTo>
-                <a:lnTo>
-                  <a:pt x="862693" y="0"/>
-                </a:lnTo>
-                <a:cubicBezTo>
-                  <a:pt x="862693" y="476453"/>
-                  <a:pt x="476452" y="862693"/>
-                  <a:pt x="0" y="862693"/>
-                </a:cubicBezTo>
-                <a:lnTo>
-                  <a:pt x="0" y="0"/>
-                </a:lnTo>
-                <a:close/>
-              </a:path>
-            </a:pathLst>
-          </a:custGeom>
-          <a:solidFill>
-            <a:schemeClr val="accent3"/>
-          </a:solidFill>
-          <a:ln>
-            <a:noFill/>
-          </a:ln>
-        </p:spPr>
-        <p:txBody>
-          <a:bodyPr spcFirstLastPara="1" wrap="square" lIns="91425" tIns="45700" rIns="91425" bIns="45700" anchor="ctr" anchorCtr="0">
-            <a:noAutofit/>
-          </a:bodyPr>
-          <a:lstStyle/>
-          <a:p>
-            <a:pPr marL="0" marR="0" lvl="0" indent="0" algn="ctr" rtl="0">
-              <a:spcBef>
-                <a:spcPts val="0"/>
-              </a:spcBef>
-              <a:spcAft>
-                <a:spcPts val="0"/>
-              </a:spcAft>
-              <a:buNone/>
-            </a:pPr>
-            <a:endParaRPr sz="1800" b="0" i="0" u="none" strike="noStrike" cap="none">
-              <a:solidFill>
-                <a:schemeClr val="lt1"/>
-              </a:solidFill>
-              <a:latin typeface="Arial"/>
-              <a:ea typeface="Arial"/>
-              <a:cs typeface="Arial"/>
-              <a:sym typeface="Arial"/>
-            </a:endParaRPr>
-          </a:p>
-        </p:txBody>
-      </p:sp>
-      <p:grpSp>
-        <p:nvGrpSpPr>
-          <p:cNvPr id="151" name="Google Shape;151;p27"/>
-          <p:cNvGrpSpPr/>
-          <p:nvPr/>
-        </p:nvGrpSpPr>
-        <p:grpSpPr>
-          <a:xfrm>
-            <a:off x="8082092" y="5590903"/>
-            <a:ext cx="1572380" cy="1267097"/>
-            <a:chOff x="7413403" y="4976359"/>
-            <a:chExt cx="2334986" cy="1881641"/>
-          </a:xfrm>
-        </p:grpSpPr>
-        <p:sp>
-          <p:nvSpPr>
-            <p:cNvPr id="152" name="Google Shape;152;p27"/>
-            <p:cNvSpPr/>
-            <p:nvPr/>
-          </p:nvSpPr>
-          <p:spPr>
-            <a:xfrm rot="-5400000">
-              <a:off x="8223822" y="5333433"/>
-              <a:ext cx="1881641" cy="1167493"/>
-            </a:xfrm>
-            <a:custGeom>
-              <a:avLst/>
-              <a:gdLst/>
-              <a:ahLst/>
-              <a:cxnLst/>
-              <a:rect l="l" t="t" r="r" b="b"/>
-              <a:pathLst>
-                <a:path w="1881641" h="1167493" extrusionOk="0">
-                  <a:moveTo>
-                    <a:pt x="1881641" y="1167473"/>
-                  </a:moveTo>
-                  <a:lnTo>
-                    <a:pt x="1881641" y="1167493"/>
-                  </a:lnTo>
-                  <a:lnTo>
-                    <a:pt x="1167493" y="1167493"/>
-                  </a:lnTo>
-                  <a:cubicBezTo>
-                    <a:pt x="522704" y="1167493"/>
-                    <a:pt x="0" y="644789"/>
-                    <a:pt x="0" y="0"/>
-                  </a:cubicBezTo>
-                  <a:lnTo>
-                    <a:pt x="714149" y="0"/>
-                  </a:lnTo>
-                  <a:cubicBezTo>
-                    <a:pt x="1318639" y="0"/>
-                    <a:pt x="1815827" y="459408"/>
-                    <a:pt x="1875614" y="1048124"/>
-                  </a:cubicBezTo>
-                  <a:lnTo>
-                    <a:pt x="1881641" y="1167473"/>
-                  </a:lnTo>
-                  <a:close/>
-                </a:path>
-              </a:pathLst>
-            </a:custGeom>
-            <a:solidFill>
-              <a:schemeClr val="accent1"/>
-            </a:solidFill>
-            <a:ln>
-              <a:noFill/>
-            </a:ln>
-          </p:spPr>
-          <p:txBody>
-            <a:bodyPr spcFirstLastPara="1" wrap="square" lIns="91425" tIns="45700" rIns="91425" bIns="45700" anchor="ctr" anchorCtr="0">
-              <a:noAutofit/>
-            </a:bodyPr>
-            <a:lstStyle/>
-            <a:p>
-              <a:pPr marL="0" marR="0" lvl="0" indent="0" algn="ctr" rtl="0">
-                <a:spcBef>
-                  <a:spcPts val="0"/>
-                </a:spcBef>
-                <a:spcAft>
-                  <a:spcPts val="0"/>
-                </a:spcAft>
-                <a:buNone/>
-              </a:pPr>
-              <a:endParaRPr sz="1800" b="0" i="0" u="none" strike="noStrike" cap="none">
-                <a:solidFill>
-                  <a:schemeClr val="lt1"/>
-                </a:solidFill>
-                <a:latin typeface="Arial"/>
-                <a:ea typeface="Arial"/>
-                <a:cs typeface="Arial"/>
-                <a:sym typeface="Arial"/>
-              </a:endParaRPr>
-            </a:p>
-          </p:txBody>
-        </p:sp>
-        <p:sp>
-          <p:nvSpPr>
-            <p:cNvPr id="153" name="Google Shape;153;p27"/>
-            <p:cNvSpPr/>
-            <p:nvPr/>
-          </p:nvSpPr>
-          <p:spPr>
-            <a:xfrm rot="5400000" flipH="1">
-              <a:off x="7056329" y="5333433"/>
-              <a:ext cx="1881641" cy="1167493"/>
-            </a:xfrm>
-            <a:custGeom>
-              <a:avLst/>
-              <a:gdLst/>
-              <a:ahLst/>
-              <a:cxnLst/>
-              <a:rect l="l" t="t" r="r" b="b"/>
-              <a:pathLst>
-                <a:path w="1881641" h="1167493" extrusionOk="0">
-                  <a:moveTo>
-                    <a:pt x="1881641" y="1167473"/>
-                  </a:moveTo>
-                  <a:lnTo>
-                    <a:pt x="1881641" y="1167493"/>
-                  </a:lnTo>
-                  <a:lnTo>
-                    <a:pt x="1167493" y="1167493"/>
-                  </a:lnTo>
-                  <a:cubicBezTo>
-                    <a:pt x="522704" y="1167493"/>
-                    <a:pt x="0" y="644789"/>
-                    <a:pt x="0" y="0"/>
-                  </a:cubicBezTo>
-                  <a:lnTo>
-                    <a:pt x="714149" y="0"/>
-                  </a:lnTo>
-                  <a:cubicBezTo>
-                    <a:pt x="1318639" y="0"/>
-                    <a:pt x="1815827" y="459408"/>
-                    <a:pt x="1875614" y="1048124"/>
-                  </a:cubicBezTo>
-                  <a:lnTo>
-                    <a:pt x="1881641" y="1167473"/>
-                  </a:lnTo>
-                  <a:close/>
-                </a:path>
-              </a:pathLst>
-            </a:custGeom>
-            <a:solidFill>
-              <a:schemeClr val="dk2"/>
-            </a:solidFill>
-            <a:ln>
-              <a:noFill/>
-            </a:ln>
-          </p:spPr>
-          <p:txBody>
-            <a:bodyPr spcFirstLastPara="1" wrap="square" lIns="91425" tIns="45700" rIns="91425" bIns="45700" anchor="ctr" anchorCtr="0">
-              <a:noAutofit/>
-            </a:bodyPr>
-            <a:lstStyle/>
-            <a:p>
-              <a:pPr marL="0" marR="0" lvl="0" indent="0" algn="ctr" rtl="0">
-                <a:spcBef>
-                  <a:spcPts val="0"/>
-                </a:spcBef>
-                <a:spcAft>
-                  <a:spcPts val="0"/>
-                </a:spcAft>
-                <a:buNone/>
-              </a:pPr>
-              <a:endParaRPr sz="1800" b="0" i="0" u="none" strike="noStrike" cap="none">
-                <a:solidFill>
-                  <a:schemeClr val="lt1"/>
-                </a:solidFill>
-                <a:latin typeface="Arial"/>
-                <a:ea typeface="Arial"/>
-                <a:cs typeface="Arial"/>
-                <a:sym typeface="Arial"/>
-              </a:endParaRPr>
-            </a:p>
-          </p:txBody>
-        </p:sp>
-      </p:grpSp>
-      <p:sp>
-        <p:nvSpPr>
-          <p:cNvPr id="154" name="Google Shape;154;p27"/>
-          <p:cNvSpPr txBox="1">
-            <a:spLocks noGrp="1"/>
-          </p:cNvSpPr>
-          <p:nvPr>
-            <p:ph type="dt" idx="10"/>
-          </p:nvPr>
-        </p:nvSpPr>
-        <p:spPr>
-          <a:xfrm>
-            <a:off x="381000" y="6356350"/>
-            <a:ext cx="2743200" cy="365125"/>
-          </a:xfrm>
-          <a:prstGeom prst="rect">
-            <a:avLst/>
-          </a:prstGeom>
-          <a:noFill/>
-          <a:ln>
-            <a:noFill/>
-          </a:ln>
-        </p:spPr>
-        <p:txBody>
-          <a:bodyPr spcFirstLastPara="1" wrap="square" lIns="91425" tIns="45700" rIns="91425" bIns="45700" anchor="ctr" anchorCtr="0">
-            <a:noAutofit/>
-          </a:bodyPr>
-          <a:lstStyle>
-            <a:lvl1pPr lvl="0" algn="l">
-              <a:spcBef>
-                <a:spcPts val="0"/>
-              </a:spcBef>
-              <a:spcAft>
-                <a:spcPts val="0"/>
-              </a:spcAft>
-              <a:buSzPts val="1400"/>
-              <a:buNone/>
-              <a:defRPr sz="1200">
-                <a:solidFill>
-                  <a:schemeClr val="accent3"/>
-                </a:solidFill>
-                <a:latin typeface="Arial"/>
-                <a:ea typeface="Arial"/>
-                <a:cs typeface="Arial"/>
-                <a:sym typeface="Arial"/>
-              </a:defRPr>
-            </a:lvl1pPr>
-            <a:lvl2pPr lvl="1" algn="l">
-              <a:spcBef>
-                <a:spcPts val="0"/>
-              </a:spcBef>
-              <a:spcAft>
-                <a:spcPts val="0"/>
-              </a:spcAft>
-              <a:buSzPts val="1400"/>
-              <a:buNone/>
-              <a:defRPr/>
-            </a:lvl2pPr>
-            <a:lvl3pPr lvl="2" algn="l">
-              <a:spcBef>
-                <a:spcPts val="0"/>
-              </a:spcBef>
-              <a:spcAft>
-                <a:spcPts val="0"/>
-              </a:spcAft>
-              <a:buSzPts val="1400"/>
-              <a:buNone/>
-              <a:defRPr/>
-            </a:lvl3pPr>
-            <a:lvl4pPr lvl="3" algn="l">
-              <a:spcBef>
-                <a:spcPts val="0"/>
-              </a:spcBef>
-              <a:spcAft>
-                <a:spcPts val="0"/>
-              </a:spcAft>
-              <a:buSzPts val="1400"/>
-              <a:buNone/>
-              <a:defRPr/>
-            </a:lvl4pPr>
-            <a:lvl5pPr lvl="4" algn="l">
-              <a:spcBef>
-                <a:spcPts val="0"/>
-              </a:spcBef>
-              <a:spcAft>
-                <a:spcPts val="0"/>
-              </a:spcAft>
-              <a:buSzPts val="1400"/>
-              <a:buNone/>
-              <a:defRPr/>
-            </a:lvl5pPr>
-            <a:lvl6pPr lvl="5" algn="l">
-              <a:spcBef>
-                <a:spcPts val="0"/>
-              </a:spcBef>
-              <a:spcAft>
-                <a:spcPts val="0"/>
-              </a:spcAft>
-              <a:buSzPts val="1400"/>
-              <a:buNone/>
-              <a:defRPr/>
-            </a:lvl6pPr>
-            <a:lvl7pPr lvl="6" algn="l">
-              <a:spcBef>
-                <a:spcPts val="0"/>
-              </a:spcBef>
-              <a:spcAft>
-                <a:spcPts val="0"/>
-              </a:spcAft>
-              <a:buSzPts val="1400"/>
-              <a:buNone/>
-              <a:defRPr/>
-            </a:lvl7pPr>
-            <a:lvl8pPr lvl="7" algn="l">
-              <a:spcBef>
-                <a:spcPts val="0"/>
-              </a:spcBef>
-              <a:spcAft>
-                <a:spcPts val="0"/>
-              </a:spcAft>
-              <a:buSzPts val="1400"/>
-              <a:buNone/>
-              <a:defRPr/>
-            </a:lvl8pPr>
-            <a:lvl9pPr lvl="8" algn="l">
-              <a:spcBef>
-                <a:spcPts val="0"/>
-              </a:spcBef>
-              <a:spcAft>
-                <a:spcPts val="0"/>
-              </a:spcAft>
-              <a:buSzPts val="1400"/>
-              <a:buNone/>
-              <a:defRPr/>
-            </a:lvl9pPr>
-          </a:lstStyle>
-          <a:p>
-            <a:endParaRPr/>
-          </a:p>
-        </p:txBody>
-      </p:sp>
-      <p:sp>
-        <p:nvSpPr>
-          <p:cNvPr id="155" name="Google Shape;155;p27"/>
-          <p:cNvSpPr txBox="1">
-            <a:spLocks noGrp="1"/>
-          </p:cNvSpPr>
-          <p:nvPr>
-            <p:ph type="ftr" idx="11"/>
-          </p:nvPr>
-        </p:nvSpPr>
-        <p:spPr>
-          <a:xfrm>
-            <a:off x="4038600" y="6356350"/>
-            <a:ext cx="4114800" cy="365125"/>
-          </a:xfrm>
-          <a:prstGeom prst="rect">
-            <a:avLst/>
-          </a:prstGeom>
-          <a:noFill/>
-          <a:ln>
-            <a:noFill/>
-          </a:ln>
-        </p:spPr>
-        <p:txBody>
-          <a:bodyPr spcFirstLastPara="1" wrap="square" lIns="91425" tIns="45700" rIns="91425" bIns="45700" anchor="ctr" anchorCtr="0">
-            <a:noAutofit/>
-          </a:bodyPr>
-          <a:lstStyle>
-            <a:lvl1pPr lvl="0" algn="ctr">
-              <a:spcBef>
-                <a:spcPts val="0"/>
-              </a:spcBef>
-              <a:spcAft>
-                <a:spcPts val="0"/>
-              </a:spcAft>
-              <a:buSzPts val="1400"/>
-              <a:buNone/>
-              <a:defRPr sz="1200">
-                <a:solidFill>
-                  <a:schemeClr val="accent3"/>
-                </a:solidFill>
-                <a:latin typeface="Arial"/>
-                <a:ea typeface="Arial"/>
-                <a:cs typeface="Arial"/>
-                <a:sym typeface="Arial"/>
-              </a:defRPr>
-            </a:lvl1pPr>
-            <a:lvl2pPr lvl="1" algn="l">
-              <a:spcBef>
-                <a:spcPts val="0"/>
-              </a:spcBef>
-              <a:spcAft>
-                <a:spcPts val="0"/>
-              </a:spcAft>
-              <a:buSzPts val="1400"/>
-              <a:buNone/>
-              <a:defRPr/>
-            </a:lvl2pPr>
-            <a:lvl3pPr lvl="2" algn="l">
-              <a:spcBef>
-                <a:spcPts val="0"/>
-              </a:spcBef>
-              <a:spcAft>
-                <a:spcPts val="0"/>
-              </a:spcAft>
-              <a:buSzPts val="1400"/>
-              <a:buNone/>
-              <a:defRPr/>
-            </a:lvl3pPr>
-            <a:lvl4pPr lvl="3" algn="l">
-              <a:spcBef>
-                <a:spcPts val="0"/>
-              </a:spcBef>
-              <a:spcAft>
-                <a:spcPts val="0"/>
-              </a:spcAft>
-              <a:buSzPts val="1400"/>
-              <a:buNone/>
-              <a:defRPr/>
-            </a:lvl4pPr>
-            <a:lvl5pPr lvl="4" algn="l">
-              <a:spcBef>
-                <a:spcPts val="0"/>
-              </a:spcBef>
-              <a:spcAft>
-                <a:spcPts val="0"/>
-              </a:spcAft>
-              <a:buSzPts val="1400"/>
-              <a:buNone/>
-              <a:defRPr/>
-            </a:lvl5pPr>
-            <a:lvl6pPr lvl="5" algn="l">
-              <a:spcBef>
-                <a:spcPts val="0"/>
-              </a:spcBef>
-              <a:spcAft>
-                <a:spcPts val="0"/>
-              </a:spcAft>
-              <a:buSzPts val="1400"/>
-              <a:buNone/>
-              <a:defRPr/>
-            </a:lvl6pPr>
-            <a:lvl7pPr lvl="6" algn="l">
-              <a:spcBef>
-                <a:spcPts val="0"/>
-              </a:spcBef>
-              <a:spcAft>
-                <a:spcPts val="0"/>
-              </a:spcAft>
-              <a:buSzPts val="1400"/>
-              <a:buNone/>
-              <a:defRPr/>
-            </a:lvl7pPr>
-            <a:lvl8pPr lvl="7" algn="l">
-              <a:spcBef>
-                <a:spcPts val="0"/>
-              </a:spcBef>
-              <a:spcAft>
-                <a:spcPts val="0"/>
-              </a:spcAft>
-              <a:buSzPts val="1400"/>
-              <a:buNone/>
-              <a:defRPr/>
-            </a:lvl8pPr>
-            <a:lvl9pPr lvl="8" algn="l">
-              <a:spcBef>
-                <a:spcPts val="0"/>
-              </a:spcBef>
-              <a:spcAft>
-                <a:spcPts val="0"/>
-              </a:spcAft>
-              <a:buSzPts val="1400"/>
-              <a:buNone/>
-              <a:defRPr/>
-            </a:lvl9pPr>
-          </a:lstStyle>
-          <a:p>
-            <a:endParaRPr/>
-          </a:p>
-        </p:txBody>
-      </p:sp>
-      <p:sp>
-        <p:nvSpPr>
-          <p:cNvPr id="156" name="Google Shape;156;p27"/>
-          <p:cNvSpPr txBox="1">
-            <a:spLocks noGrp="1"/>
-          </p:cNvSpPr>
-          <p:nvPr>
-            <p:ph type="sldNum" idx="12"/>
-          </p:nvPr>
-        </p:nvSpPr>
-        <p:spPr>
-          <a:xfrm>
-            <a:off x="10153276" y="6356350"/>
-            <a:ext cx="1657723" cy="365125"/>
-          </a:xfrm>
-          <a:prstGeom prst="rect">
-            <a:avLst/>
-          </a:prstGeom>
-          <a:noFill/>
-          <a:ln>
-            <a:noFill/>
-          </a:ln>
-        </p:spPr>
-        <p:txBody>
-          <a:bodyPr spcFirstLastPara="1" wrap="square" lIns="91425" tIns="45700" rIns="91425" bIns="45700" anchor="ctr" anchorCtr="0">
-            <a:noAutofit/>
-          </a:bodyPr>
-          <a:lstStyle>
-            <a:lvl1pPr marL="0" lvl="0" indent="0" algn="r">
-              <a:spcBef>
-                <a:spcPts val="0"/>
-              </a:spcBef>
-              <a:buNone/>
-              <a:defRPr sz="1200" b="0" i="0" u="none" strike="noStrike" cap="none">
-                <a:solidFill>
-                  <a:schemeClr val="accent2"/>
-                </a:solidFill>
-                <a:latin typeface="Arial"/>
-                <a:ea typeface="Arial"/>
-                <a:cs typeface="Arial"/>
-                <a:sym typeface="Arial"/>
-              </a:defRPr>
-            </a:lvl1pPr>
-            <a:lvl2pPr marL="0" lvl="1" indent="0" algn="r">
-              <a:spcBef>
-                <a:spcPts val="0"/>
-              </a:spcBef>
-              <a:buNone/>
-              <a:defRPr sz="1200" b="0" i="0" u="none" strike="noStrike" cap="none">
-                <a:solidFill>
-                  <a:schemeClr val="accent2"/>
-                </a:solidFill>
-                <a:latin typeface="Arial"/>
-                <a:ea typeface="Arial"/>
-                <a:cs typeface="Arial"/>
-                <a:sym typeface="Arial"/>
-              </a:defRPr>
-            </a:lvl2pPr>
-            <a:lvl3pPr marL="0" lvl="2" indent="0" algn="r">
-              <a:spcBef>
-                <a:spcPts val="0"/>
-              </a:spcBef>
-              <a:buNone/>
-              <a:defRPr sz="1200" b="0" i="0" u="none" strike="noStrike" cap="none">
-                <a:solidFill>
-                  <a:schemeClr val="accent2"/>
-                </a:solidFill>
-                <a:latin typeface="Arial"/>
-                <a:ea typeface="Arial"/>
-                <a:cs typeface="Arial"/>
-                <a:sym typeface="Arial"/>
-              </a:defRPr>
-            </a:lvl3pPr>
-            <a:lvl4pPr marL="0" lvl="3" indent="0" algn="r">
-              <a:spcBef>
-                <a:spcPts val="0"/>
-              </a:spcBef>
-              <a:buNone/>
-              <a:defRPr sz="1200" b="0" i="0" u="none" strike="noStrike" cap="none">
-                <a:solidFill>
-                  <a:schemeClr val="accent2"/>
-                </a:solidFill>
-                <a:latin typeface="Arial"/>
-                <a:ea typeface="Arial"/>
-                <a:cs typeface="Arial"/>
-                <a:sym typeface="Arial"/>
-              </a:defRPr>
-            </a:lvl4pPr>
-            <a:lvl5pPr marL="0" lvl="4" indent="0" algn="r">
-              <a:spcBef>
-                <a:spcPts val="0"/>
-              </a:spcBef>
-              <a:buNone/>
-              <a:defRPr sz="1200" b="0" i="0" u="none" strike="noStrike" cap="none">
-                <a:solidFill>
-                  <a:schemeClr val="accent2"/>
-                </a:solidFill>
-                <a:latin typeface="Arial"/>
-                <a:ea typeface="Arial"/>
-                <a:cs typeface="Arial"/>
-                <a:sym typeface="Arial"/>
-              </a:defRPr>
-            </a:lvl5pPr>
-            <a:lvl6pPr marL="0" lvl="5" indent="0" algn="r">
-              <a:spcBef>
-                <a:spcPts val="0"/>
-              </a:spcBef>
-              <a:buNone/>
-              <a:defRPr sz="1200" b="0" i="0" u="none" strike="noStrike" cap="none">
-                <a:solidFill>
-                  <a:schemeClr val="accent2"/>
-                </a:solidFill>
-                <a:latin typeface="Arial"/>
-                <a:ea typeface="Arial"/>
-                <a:cs typeface="Arial"/>
-                <a:sym typeface="Arial"/>
-              </a:defRPr>
-            </a:lvl6pPr>
-            <a:lvl7pPr marL="0" lvl="6" indent="0" algn="r">
-              <a:spcBef>
-                <a:spcPts val="0"/>
-              </a:spcBef>
-              <a:buNone/>
-              <a:defRPr sz="1200" b="0" i="0" u="none" strike="noStrike" cap="none">
-                <a:solidFill>
-                  <a:schemeClr val="accent2"/>
-                </a:solidFill>
-                <a:latin typeface="Arial"/>
-                <a:ea typeface="Arial"/>
-                <a:cs typeface="Arial"/>
-                <a:sym typeface="Arial"/>
-              </a:defRPr>
-            </a:lvl7pPr>
-            <a:lvl8pPr marL="0" lvl="7" indent="0" algn="r">
-              <a:spcBef>
-                <a:spcPts val="0"/>
-              </a:spcBef>
-              <a:buNone/>
-              <a:defRPr sz="1200" b="0" i="0" u="none" strike="noStrike" cap="none">
-                <a:solidFill>
-                  <a:schemeClr val="accent2"/>
-                </a:solidFill>
-                <a:latin typeface="Arial"/>
-                <a:ea typeface="Arial"/>
-                <a:cs typeface="Arial"/>
-                <a:sym typeface="Arial"/>
-              </a:defRPr>
-            </a:lvl8pPr>
-            <a:lvl9pPr marL="0" lvl="8" indent="0" algn="r">
-              <a:spcBef>
-                <a:spcPts val="0"/>
-              </a:spcBef>
-              <a:buNone/>
-              <a:defRPr sz="1200" b="0" i="0" u="none" strike="noStrike" cap="none">
-                <a:solidFill>
-                  <a:schemeClr val="accent2"/>
-                </a:solidFill>
-                <a:latin typeface="Arial"/>
-                <a:ea typeface="Arial"/>
-                <a:cs typeface="Arial"/>
-                <a:sym typeface="Arial"/>
-              </a:defRPr>
-            </a:lvl9pPr>
-          </a:lstStyle>
-          <a:p>
-            <a:pPr marL="0" lvl="0" indent="0" algn="r" rtl="0">
-              <a:spcBef>
-                <a:spcPts val="0"/>
-              </a:spcBef>
-              <a:spcAft>
-                <a:spcPts val="0"/>
-              </a:spcAft>
-              <a:buNone/>
-            </a:pPr>
-            <a:fld id="{00000000-1234-1234-1234-123412341234}" type="slidenum">
-              <a:rPr lang="en-US"/>
-              <a:t>‹#›</a:t>
-            </a:fld>
-            <a:endParaRPr/>
-          </a:p>
-        </p:txBody>
-      </p:sp>
-      <p:sp>
-        <p:nvSpPr>
-          <p:cNvPr id="157" name="Google Shape;157;p27"/>
-          <p:cNvSpPr txBox="1">
-            <a:spLocks noGrp="1"/>
-          </p:cNvSpPr>
-          <p:nvPr>
-            <p:ph type="body" idx="2"/>
-          </p:nvPr>
-        </p:nvSpPr>
-        <p:spPr>
-          <a:xfrm>
-            <a:off x="6283235" y="2528203"/>
-            <a:ext cx="4663440" cy="2828613"/>
-          </a:xfrm>
-          <a:prstGeom prst="rect">
-            <a:avLst/>
-          </a:prstGeom>
-          <a:noFill/>
-          <a:ln>
-            <a:noFill/>
-          </a:ln>
-        </p:spPr>
-        <p:txBody>
-          <a:bodyPr spcFirstLastPara="1" wrap="square" lIns="91425" tIns="45700" rIns="91425" bIns="45700" anchor="t" anchorCtr="0">
-            <a:noAutofit/>
-          </a:bodyPr>
-          <a:lstStyle>
-            <a:lvl1pPr marL="457200" lvl="0" indent="-228600" algn="l">
-              <a:lnSpc>
-                <a:spcPct val="90000"/>
-              </a:lnSpc>
-              <a:spcBef>
-                <a:spcPts val="1000"/>
-              </a:spcBef>
-              <a:spcAft>
-                <a:spcPts val="0"/>
-              </a:spcAft>
-              <a:buClr>
-                <a:schemeClr val="dk1"/>
-              </a:buClr>
-              <a:buSzPts val="2000"/>
-              <a:buNone/>
-              <a:defRPr sz="2000">
-                <a:latin typeface="Arial"/>
-                <a:ea typeface="Arial"/>
-                <a:cs typeface="Arial"/>
-                <a:sym typeface="Arial"/>
-              </a:defRPr>
-            </a:lvl1pPr>
-            <a:lvl2pPr marL="914400" lvl="1" indent="-228600" algn="l">
-              <a:lnSpc>
-                <a:spcPct val="90000"/>
-              </a:lnSpc>
-              <a:spcBef>
-                <a:spcPts val="500"/>
-              </a:spcBef>
-              <a:spcAft>
-                <a:spcPts val="0"/>
-              </a:spcAft>
-              <a:buClr>
-                <a:schemeClr val="dk1"/>
-              </a:buClr>
-              <a:buSzPts val="1800"/>
-              <a:buNone/>
-              <a:defRPr sz="1800">
-                <a:latin typeface="Arial"/>
-                <a:ea typeface="Arial"/>
-                <a:cs typeface="Arial"/>
-                <a:sym typeface="Arial"/>
-              </a:defRPr>
-            </a:lvl2pPr>
-            <a:lvl3pPr marL="1371600" lvl="2" indent="-228600" algn="l">
-              <a:lnSpc>
-                <a:spcPct val="90000"/>
-              </a:lnSpc>
-              <a:spcBef>
-                <a:spcPts val="500"/>
-              </a:spcBef>
-              <a:spcAft>
-                <a:spcPts val="0"/>
-              </a:spcAft>
-              <a:buClr>
-                <a:schemeClr val="dk1"/>
-              </a:buClr>
-              <a:buSzPts val="1600"/>
-              <a:buNone/>
-              <a:defRPr sz="1600">
-                <a:latin typeface="Arial"/>
-                <a:ea typeface="Arial"/>
-                <a:cs typeface="Arial"/>
-                <a:sym typeface="Arial"/>
-              </a:defRPr>
-            </a:lvl3pPr>
-            <a:lvl4pPr marL="1828800" lvl="3" indent="-228600" algn="l">
-              <a:lnSpc>
-                <a:spcPct val="90000"/>
-              </a:lnSpc>
-              <a:spcBef>
-                <a:spcPts val="500"/>
-              </a:spcBef>
-              <a:spcAft>
-                <a:spcPts val="0"/>
-              </a:spcAft>
-              <a:buClr>
-                <a:schemeClr val="dk1"/>
-              </a:buClr>
-              <a:buSzPts val="1400"/>
-              <a:buNone/>
-              <a:defRPr sz="1400">
-                <a:latin typeface="Arial"/>
-                <a:ea typeface="Arial"/>
-                <a:cs typeface="Arial"/>
-                <a:sym typeface="Arial"/>
-              </a:defRPr>
-            </a:lvl4pPr>
-            <a:lvl5pPr marL="2286000" lvl="4" indent="-228600" algn="l">
-              <a:lnSpc>
-                <a:spcPct val="90000"/>
-              </a:lnSpc>
-              <a:spcBef>
-                <a:spcPts val="500"/>
-              </a:spcBef>
-              <a:spcAft>
-                <a:spcPts val="0"/>
-              </a:spcAft>
-              <a:buClr>
-                <a:schemeClr val="dk1"/>
-              </a:buClr>
-              <a:buSzPts val="1400"/>
-              <a:buNone/>
-              <a:defRPr sz="1400">
-                <a:latin typeface="Arial"/>
-                <a:ea typeface="Arial"/>
-                <a:cs typeface="Arial"/>
-                <a:sym typeface="Arial"/>
-              </a:defRPr>
-            </a:lvl5pPr>
-            <a:lvl6pPr marL="2743200" lvl="5" indent="-342900" algn="l">
-              <a:lnSpc>
-                <a:spcPct val="90000"/>
-              </a:lnSpc>
-              <a:spcBef>
-                <a:spcPts val="500"/>
-              </a:spcBef>
-              <a:spcAft>
-                <a:spcPts val="0"/>
-              </a:spcAft>
-              <a:buClr>
-                <a:schemeClr val="dk1"/>
-              </a:buClr>
-              <a:buSzPts val="1800"/>
-              <a:buChar char="•"/>
-              <a:defRPr/>
-            </a:lvl6pPr>
-            <a:lvl7pPr marL="3200400" lvl="6" indent="-342900" algn="l">
-              <a:lnSpc>
-                <a:spcPct val="90000"/>
-              </a:lnSpc>
-              <a:spcBef>
-                <a:spcPts val="500"/>
-              </a:spcBef>
-              <a:spcAft>
-                <a:spcPts val="0"/>
-              </a:spcAft>
-              <a:buClr>
-                <a:schemeClr val="dk1"/>
-              </a:buClr>
-              <a:buSzPts val="1800"/>
-              <a:buChar char="•"/>
-              <a:defRPr/>
-            </a:lvl7pPr>
-            <a:lvl8pPr marL="3657600" lvl="7" indent="-342900" algn="l">
-              <a:lnSpc>
-                <a:spcPct val="90000"/>
-              </a:lnSpc>
-              <a:spcBef>
-                <a:spcPts val="500"/>
-              </a:spcBef>
-              <a:spcAft>
-                <a:spcPts val="0"/>
-              </a:spcAft>
-              <a:buClr>
-                <a:schemeClr val="dk1"/>
-              </a:buClr>
-              <a:buSzPts val="1800"/>
-              <a:buChar char="•"/>
-              <a:defRPr/>
-            </a:lvl8pPr>
-            <a:lvl9pPr marL="4114800" lvl="8" indent="-342900" algn="l">
-              <a:lnSpc>
-                <a:spcPct val="90000"/>
-              </a:lnSpc>
-              <a:spcBef>
-                <a:spcPts val="500"/>
-              </a:spcBef>
-              <a:spcAft>
-                <a:spcPts val="0"/>
-              </a:spcAft>
-              <a:buClr>
-                <a:schemeClr val="dk1"/>
-              </a:buClr>
-              <a:buSzPts val="1800"/>
-              <a:buChar char="•"/>
-              <a:defRPr/>
-            </a:lvl9pPr>
-          </a:lstStyle>
-          <a:p>
-            <a:endParaRPr/>
-          </a:p>
-        </p:txBody>
-      </p:sp>
-      <p:sp>
-        <p:nvSpPr>
-          <p:cNvPr id="158" name="Google Shape;158;p27"/>
-          <p:cNvSpPr txBox="1">
-            <a:spLocks noGrp="1"/>
-          </p:cNvSpPr>
-          <p:nvPr>
-            <p:ph type="body" idx="3"/>
-          </p:nvPr>
-        </p:nvSpPr>
-        <p:spPr>
-          <a:xfrm>
-            <a:off x="1167493" y="2005689"/>
-            <a:ext cx="4663440" cy="522514"/>
-          </a:xfrm>
-          <a:prstGeom prst="rect">
-            <a:avLst/>
-          </a:prstGeom>
-          <a:noFill/>
-          <a:ln>
-            <a:noFill/>
-          </a:ln>
-        </p:spPr>
-        <p:txBody>
-          <a:bodyPr spcFirstLastPara="1" wrap="square" lIns="91425" tIns="45700" rIns="91425" bIns="45700" anchor="t" anchorCtr="0">
-            <a:noAutofit/>
-          </a:bodyPr>
-          <a:lstStyle>
-            <a:lvl1pPr marL="457200" lvl="0" indent="-228600" algn="l">
-              <a:lnSpc>
-                <a:spcPct val="90000"/>
-              </a:lnSpc>
-              <a:spcBef>
-                <a:spcPts val="1000"/>
-              </a:spcBef>
-              <a:spcAft>
-                <a:spcPts val="0"/>
-              </a:spcAft>
-              <a:buClr>
-                <a:schemeClr val="dk1"/>
-              </a:buClr>
-              <a:buSzPts val="2400"/>
-              <a:buNone/>
-              <a:defRPr sz="2400" b="1">
-                <a:latin typeface="Arial"/>
-                <a:ea typeface="Arial"/>
-                <a:cs typeface="Arial"/>
-                <a:sym typeface="Arial"/>
-              </a:defRPr>
-            </a:lvl1pPr>
-            <a:lvl2pPr marL="914400" lvl="1" indent="-228600" algn="l">
-              <a:lnSpc>
-                <a:spcPct val="90000"/>
-              </a:lnSpc>
-              <a:spcBef>
-                <a:spcPts val="500"/>
-              </a:spcBef>
-              <a:spcAft>
-                <a:spcPts val="0"/>
-              </a:spcAft>
-              <a:buClr>
-                <a:schemeClr val="dk1"/>
-              </a:buClr>
-              <a:buSzPts val="2000"/>
-              <a:buNone/>
-              <a:defRPr sz="2000" b="1">
-                <a:latin typeface="Arial"/>
-                <a:ea typeface="Arial"/>
-                <a:cs typeface="Arial"/>
-                <a:sym typeface="Arial"/>
-              </a:defRPr>
-            </a:lvl2pPr>
-            <a:lvl3pPr marL="1371600" lvl="2" indent="-228600" algn="l">
-              <a:lnSpc>
-                <a:spcPct val="90000"/>
-              </a:lnSpc>
-              <a:spcBef>
-                <a:spcPts val="500"/>
-              </a:spcBef>
-              <a:spcAft>
-                <a:spcPts val="0"/>
-              </a:spcAft>
-              <a:buClr>
-                <a:schemeClr val="dk1"/>
-              </a:buClr>
-              <a:buSzPts val="1800"/>
-              <a:buNone/>
-              <a:defRPr sz="1800" b="1">
-                <a:latin typeface="Arial"/>
-                <a:ea typeface="Arial"/>
-                <a:cs typeface="Arial"/>
-                <a:sym typeface="Arial"/>
-              </a:defRPr>
-            </a:lvl3pPr>
-            <a:lvl4pPr marL="1828800" lvl="3" indent="-228600" algn="l">
-              <a:lnSpc>
-                <a:spcPct val="90000"/>
-              </a:lnSpc>
-              <a:spcBef>
-                <a:spcPts val="500"/>
-              </a:spcBef>
-              <a:spcAft>
-                <a:spcPts val="0"/>
-              </a:spcAft>
-              <a:buClr>
-                <a:schemeClr val="dk1"/>
-              </a:buClr>
-              <a:buSzPts val="1600"/>
-              <a:buNone/>
-              <a:defRPr sz="1600" b="1">
-                <a:latin typeface="Arial"/>
-                <a:ea typeface="Arial"/>
-                <a:cs typeface="Arial"/>
-                <a:sym typeface="Arial"/>
-              </a:defRPr>
-            </a:lvl4pPr>
-            <a:lvl5pPr marL="2286000" lvl="4" indent="-228600" algn="l">
-              <a:lnSpc>
-                <a:spcPct val="90000"/>
-              </a:lnSpc>
-              <a:spcBef>
-                <a:spcPts val="500"/>
-              </a:spcBef>
-              <a:spcAft>
-                <a:spcPts val="0"/>
-              </a:spcAft>
-              <a:buClr>
-                <a:schemeClr val="dk1"/>
-              </a:buClr>
-              <a:buSzPts val="1600"/>
-              <a:buNone/>
-              <a:defRPr sz="1600" b="1">
-                <a:latin typeface="Arial"/>
-                <a:ea typeface="Arial"/>
-                <a:cs typeface="Arial"/>
-                <a:sym typeface="Arial"/>
-              </a:defRPr>
-            </a:lvl5pPr>
-            <a:lvl6pPr marL="2743200" lvl="5" indent="-342900" algn="l">
-              <a:lnSpc>
-                <a:spcPct val="90000"/>
-              </a:lnSpc>
-              <a:spcBef>
-                <a:spcPts val="500"/>
-              </a:spcBef>
-              <a:spcAft>
-                <a:spcPts val="0"/>
-              </a:spcAft>
-              <a:buClr>
-                <a:schemeClr val="dk1"/>
-              </a:buClr>
-              <a:buSzPts val="1800"/>
-              <a:buChar char="•"/>
-              <a:defRPr/>
-            </a:lvl6pPr>
-            <a:lvl7pPr marL="3200400" lvl="6" indent="-342900" algn="l">
-              <a:lnSpc>
-                <a:spcPct val="90000"/>
-              </a:lnSpc>
-              <a:spcBef>
-                <a:spcPts val="500"/>
-              </a:spcBef>
-              <a:spcAft>
-                <a:spcPts val="0"/>
-              </a:spcAft>
-              <a:buClr>
-                <a:schemeClr val="dk1"/>
-              </a:buClr>
-              <a:buSzPts val="1800"/>
-              <a:buChar char="•"/>
-              <a:defRPr/>
-            </a:lvl7pPr>
-            <a:lvl8pPr marL="3657600" lvl="7" indent="-342900" algn="l">
-              <a:lnSpc>
-                <a:spcPct val="90000"/>
-              </a:lnSpc>
-              <a:spcBef>
-                <a:spcPts val="500"/>
-              </a:spcBef>
-              <a:spcAft>
-                <a:spcPts val="0"/>
-              </a:spcAft>
-              <a:buClr>
-                <a:schemeClr val="dk1"/>
-              </a:buClr>
-              <a:buSzPts val="1800"/>
-              <a:buChar char="•"/>
-              <a:defRPr/>
-            </a:lvl8pPr>
-            <a:lvl9pPr marL="4114800" lvl="8" indent="-342900" algn="l">
-              <a:lnSpc>
-                <a:spcPct val="90000"/>
-              </a:lnSpc>
-              <a:spcBef>
-                <a:spcPts val="500"/>
-              </a:spcBef>
-              <a:spcAft>
-                <a:spcPts val="0"/>
-              </a:spcAft>
-              <a:buClr>
-                <a:schemeClr val="dk1"/>
-              </a:buClr>
-              <a:buSzPts val="1800"/>
-              <a:buChar char="•"/>
-              <a:defRPr/>
-            </a:lvl9pPr>
-          </a:lstStyle>
-          <a:p>
-            <a:endParaRPr/>
-          </a:p>
-        </p:txBody>
-      </p:sp>
-      <p:sp>
-        <p:nvSpPr>
-          <p:cNvPr id="159" name="Google Shape;159;p27"/>
-          <p:cNvSpPr txBox="1">
-            <a:spLocks noGrp="1"/>
-          </p:cNvSpPr>
-          <p:nvPr>
-            <p:ph type="body" idx="4"/>
-          </p:nvPr>
-        </p:nvSpPr>
-        <p:spPr>
-          <a:xfrm>
-            <a:off x="6283235" y="2005689"/>
-            <a:ext cx="4663440" cy="522514"/>
-          </a:xfrm>
-          <a:prstGeom prst="rect">
-            <a:avLst/>
-          </a:prstGeom>
-          <a:noFill/>
-          <a:ln>
-            <a:noFill/>
-          </a:ln>
-        </p:spPr>
-        <p:txBody>
-          <a:bodyPr spcFirstLastPara="1" wrap="square" lIns="91425" tIns="45700" rIns="91425" bIns="45700" anchor="t" anchorCtr="0">
-            <a:noAutofit/>
-          </a:bodyPr>
-          <a:lstStyle>
-            <a:lvl1pPr marL="457200" lvl="0" indent="-228600" algn="l">
-              <a:lnSpc>
-                <a:spcPct val="90000"/>
-              </a:lnSpc>
-              <a:spcBef>
-                <a:spcPts val="1000"/>
-              </a:spcBef>
-              <a:spcAft>
-                <a:spcPts val="0"/>
-              </a:spcAft>
-              <a:buClr>
-                <a:schemeClr val="dk1"/>
-              </a:buClr>
-              <a:buSzPts val="2400"/>
-              <a:buNone/>
-              <a:defRPr sz="2400" b="1">
-                <a:latin typeface="Arial"/>
-                <a:ea typeface="Arial"/>
-                <a:cs typeface="Arial"/>
-                <a:sym typeface="Arial"/>
-              </a:defRPr>
-            </a:lvl1pPr>
-            <a:lvl2pPr marL="914400" lvl="1" indent="-228600" algn="l">
-              <a:lnSpc>
-                <a:spcPct val="90000"/>
-              </a:lnSpc>
-              <a:spcBef>
-                <a:spcPts val="500"/>
-              </a:spcBef>
-              <a:spcAft>
-                <a:spcPts val="0"/>
-              </a:spcAft>
-              <a:buClr>
-                <a:schemeClr val="dk1"/>
-              </a:buClr>
-              <a:buSzPts val="2000"/>
-              <a:buNone/>
-              <a:defRPr sz="2000" b="1">
-                <a:latin typeface="Arial"/>
-                <a:ea typeface="Arial"/>
-                <a:cs typeface="Arial"/>
-                <a:sym typeface="Arial"/>
-              </a:defRPr>
-            </a:lvl2pPr>
-            <a:lvl3pPr marL="1371600" lvl="2" indent="-228600" algn="l">
-              <a:lnSpc>
-                <a:spcPct val="90000"/>
-              </a:lnSpc>
-              <a:spcBef>
-                <a:spcPts val="500"/>
-              </a:spcBef>
-              <a:spcAft>
-                <a:spcPts val="0"/>
-              </a:spcAft>
-              <a:buClr>
-                <a:schemeClr val="dk1"/>
-              </a:buClr>
-              <a:buSzPts val="1800"/>
-              <a:buNone/>
-              <a:defRPr sz="1800" b="1">
-                <a:latin typeface="Arial"/>
-                <a:ea typeface="Arial"/>
-                <a:cs typeface="Arial"/>
-                <a:sym typeface="Arial"/>
-              </a:defRPr>
-            </a:lvl3pPr>
-            <a:lvl4pPr marL="1828800" lvl="3" indent="-228600" algn="l">
-              <a:lnSpc>
-                <a:spcPct val="90000"/>
-              </a:lnSpc>
-              <a:spcBef>
-                <a:spcPts val="500"/>
-              </a:spcBef>
-              <a:spcAft>
-                <a:spcPts val="0"/>
-              </a:spcAft>
-              <a:buClr>
-                <a:schemeClr val="dk1"/>
-              </a:buClr>
-              <a:buSzPts val="1600"/>
-              <a:buNone/>
-              <a:defRPr sz="1600" b="1">
-                <a:latin typeface="Arial"/>
-                <a:ea typeface="Arial"/>
-                <a:cs typeface="Arial"/>
-                <a:sym typeface="Arial"/>
-              </a:defRPr>
-            </a:lvl4pPr>
-            <a:lvl5pPr marL="2286000" lvl="4" indent="-228600" algn="l">
-              <a:lnSpc>
-                <a:spcPct val="90000"/>
-              </a:lnSpc>
-              <a:spcBef>
-                <a:spcPts val="500"/>
-              </a:spcBef>
-              <a:spcAft>
-                <a:spcPts val="0"/>
-              </a:spcAft>
-              <a:buClr>
-                <a:schemeClr val="dk1"/>
-              </a:buClr>
-              <a:buSzPts val="1600"/>
-              <a:buNone/>
-              <a:defRPr sz="1600" b="1">
-                <a:latin typeface="Arial"/>
-                <a:ea typeface="Arial"/>
-                <a:cs typeface="Arial"/>
-                <a:sym typeface="Arial"/>
-              </a:defRPr>
-            </a:lvl5pPr>
-            <a:lvl6pPr marL="2743200" lvl="5" indent="-342900" algn="l">
-              <a:lnSpc>
-                <a:spcPct val="90000"/>
-              </a:lnSpc>
-              <a:spcBef>
-                <a:spcPts val="500"/>
-              </a:spcBef>
-              <a:spcAft>
-                <a:spcPts val="0"/>
-              </a:spcAft>
-              <a:buClr>
-                <a:schemeClr val="dk1"/>
-              </a:buClr>
-              <a:buSzPts val="1800"/>
-              <a:buChar char="•"/>
-              <a:defRPr/>
-            </a:lvl6pPr>
-            <a:lvl7pPr marL="3200400" lvl="6" indent="-342900" algn="l">
-              <a:lnSpc>
-                <a:spcPct val="90000"/>
-              </a:lnSpc>
-              <a:spcBef>
-                <a:spcPts val="500"/>
-              </a:spcBef>
-              <a:spcAft>
-                <a:spcPts val="0"/>
-              </a:spcAft>
-              <a:buClr>
-                <a:schemeClr val="dk1"/>
-              </a:buClr>
-              <a:buSzPts val="1800"/>
-              <a:buChar char="•"/>
-              <a:defRPr/>
-            </a:lvl7pPr>
-            <a:lvl8pPr marL="3657600" lvl="7" indent="-342900" algn="l">
-              <a:lnSpc>
-                <a:spcPct val="90000"/>
-              </a:lnSpc>
-              <a:spcBef>
-                <a:spcPts val="500"/>
-              </a:spcBef>
-              <a:spcAft>
-                <a:spcPts val="0"/>
-              </a:spcAft>
-              <a:buClr>
-                <a:schemeClr val="dk1"/>
-              </a:buClr>
-              <a:buSzPts val="1800"/>
-              <a:buChar char="•"/>
-              <a:defRPr/>
-            </a:lvl8pPr>
-            <a:lvl9pPr marL="4114800" lvl="8" indent="-342900" algn="l">
-              <a:lnSpc>
-                <a:spcPct val="90000"/>
-              </a:lnSpc>
-              <a:spcBef>
-                <a:spcPts val="500"/>
-              </a:spcBef>
-              <a:spcAft>
-                <a:spcPts val="0"/>
-              </a:spcAft>
-              <a:buClr>
-                <a:schemeClr val="dk1"/>
-              </a:buClr>
-              <a:buSzPts val="1800"/>
-              <a:buChar char="•"/>
-              <a:defRPr/>
-            </a:lvl9pPr>
-          </a:lstStyle>
-          <a:p>
-            <a:endParaRPr/>
-          </a:p>
-        </p:txBody>
-      </p:sp>
-    </p:spTree>
-  </p:cSld>
-  <p:clrMapOvr>
-    <a:masterClrMapping/>
-  </p:clrMapOvr>
-</p:sldLayout>
-</file>
-
-<file path=ppt/slideLayouts/slideLayout8.xml><?xml version="1.0" encoding="utf-8"?>
+<file path=ppt/slideLayouts/slideLayout6.xml><?xml version="1.0" encoding="utf-8"?>
 <p:sldLayout xmlns:a="http://schemas.openxmlformats.org/drawingml/2006/main" xmlns:r="http://schemas.openxmlformats.org/officeDocument/2006/relationships" xmlns:p="http://schemas.openxmlformats.org/presentationml/2006/main" matchingName="3 Title and Content">
   <p:cSld name="3 Title and Content">
     <p:spTree>
@@ -17321,7 +14157,7 @@
 </p:sldLayout>
 </file>
 
-<file path=ppt/slideLayouts/slideLayout9.xml><?xml version="1.0" encoding="utf-8"?>
+<file path=ppt/slideLayouts/slideLayout7.xml><?xml version="1.0" encoding="utf-8"?>
 <p:sldLayout xmlns:a="http://schemas.openxmlformats.org/drawingml/2006/main" xmlns:r="http://schemas.openxmlformats.org/officeDocument/2006/relationships" xmlns:p="http://schemas.openxmlformats.org/presentationml/2006/main" matchingName="End Slide">
   <p:cSld name="End Slide">
     <p:spTree>
@@ -19107,15 +15943,13 @@
   </p:cSld>
   <p:clrMap bg1="lt1" tx1="dk1" bg2="dk2" tx2="lt2" accent1="accent1" accent2="accent2" accent3="accent3" accent4="accent4" accent5="accent5" accent6="accent6" hlink="hlink" folHlink="folHlink"/>
   <p:sldLayoutIdLst>
-    <p:sldLayoutId id="2147483651" r:id="rId1"/>
-    <p:sldLayoutId id="2147483652" r:id="rId2"/>
-    <p:sldLayoutId id="2147483653" r:id="rId3"/>
-    <p:sldLayoutId id="2147483655" r:id="rId4"/>
-    <p:sldLayoutId id="2147483657" r:id="rId5"/>
-    <p:sldLayoutId id="2147483658" r:id="rId6"/>
-    <p:sldLayoutId id="2147483659" r:id="rId7"/>
-    <p:sldLayoutId id="2147483660" r:id="rId8"/>
-    <p:sldLayoutId id="2147483661" r:id="rId9"/>
+    <p:sldLayoutId id="2147483652" r:id="rId1"/>
+    <p:sldLayoutId id="2147483653" r:id="rId2"/>
+    <p:sldLayoutId id="2147483655" r:id="rId3"/>
+    <p:sldLayoutId id="2147483657" r:id="rId4"/>
+    <p:sldLayoutId id="2147483658" r:id="rId5"/>
+    <p:sldLayoutId id="2147483660" r:id="rId6"/>
+    <p:sldLayoutId id="2147483661" r:id="rId7"/>
   </p:sldLayoutIdLst>
   <p:hf hdr="0" ftr="0" dt="0"/>
   <p:txStyles>
@@ -19960,8 +16794,8 @@
               <a:buNone/>
             </a:pPr>
             <a:r>
-              <a:rPr lang="en-US" dirty="0"/>
-              <a:t>Problem Definition</a:t>
+              <a:rPr lang="en-US" dirty="0" smtClean="0"/>
+              <a:t>Dataset</a:t>
             </a:r>
             <a:endParaRPr dirty="0"/>
           </a:p>
@@ -20021,25 +16855,12 @@
           </a:bodyPr>
           <a:lstStyle/>
           <a:p>
-            <a:pPr marL="0" lvl="0" indent="0" algn="l" rtl="0">
-              <a:spcBef>
-                <a:spcPts val="0"/>
-              </a:spcBef>
-              <a:spcAft>
-                <a:spcPts val="0"/>
-              </a:spcAft>
-              <a:buClr>
-                <a:schemeClr val="dk1"/>
-              </a:buClr>
-              <a:buSzPts val="4800"/>
-              <a:buFont typeface="Arial"/>
-              <a:buNone/>
-            </a:pPr>
+            <a:pPr lvl="0"/>
             <a:r>
-              <a:rPr lang="en-US"/>
-              <a:t>Visualization</a:t>
+              <a:rPr lang="en-US" dirty="0"/>
+              <a:t>Data Exploration</a:t>
             </a:r>
-            <a:endParaRPr/>
+            <a:endParaRPr dirty="0"/>
           </a:p>
         </p:txBody>
       </p:sp>
@@ -20097,8 +16918,8 @@
         </p:nvSpPr>
         <p:spPr>
           <a:xfrm>
-            <a:off x="3750450" y="5663200"/>
-            <a:ext cx="5072100" cy="477000"/>
+            <a:off x="3545949" y="5879327"/>
+            <a:ext cx="5481099" cy="477023"/>
           </a:xfrm>
           <a:prstGeom prst="rect">
             <a:avLst/>
@@ -20124,10 +16945,18 @@
               <a:buNone/>
             </a:pPr>
             <a:r>
-              <a:rPr lang="en-US" sz="1900" b="1"/>
-              <a:t>The most important words in lonely class</a:t>
+              <a:rPr lang="en-US" sz="1900" b="1" dirty="0"/>
+              <a:t>The most important words in </a:t>
             </a:r>
-            <a:endParaRPr sz="1900" b="1"/>
+            <a:r>
+              <a:rPr lang="en-US" sz="1900" b="1" dirty="0" smtClean="0"/>
+              <a:t>the normal </a:t>
+            </a:r>
+            <a:r>
+              <a:rPr lang="en-US" sz="1900" b="1" dirty="0"/>
+              <a:t>class</a:t>
+            </a:r>
+            <a:endParaRPr sz="1900" b="1" dirty="0"/>
           </a:p>
         </p:txBody>
       </p:sp>
@@ -20139,7 +16968,11 @@
         </p:nvPicPr>
         <p:blipFill>
           <a:blip r:embed="rId3">
-            <a:alphaModFix/>
+            <a:extLst>
+              <a:ext uri="{28A0092B-C50C-407E-A947-70E740481C1C}">
+                <a14:useLocalDpi xmlns:a14="http://schemas.microsoft.com/office/drawing/2010/main" val="0"/>
+              </a:ext>
+            </a:extLst>
           </a:blip>
           <a:stretch>
             <a:fillRect/>
@@ -20147,8 +16980,8 @@
         </p:blipFill>
         <p:spPr>
           <a:xfrm>
-            <a:off x="2320625" y="1471500"/>
-            <a:ext cx="7931751" cy="4286900"/>
+            <a:off x="3173277" y="1607739"/>
+            <a:ext cx="6226441" cy="4286900"/>
           </a:xfrm>
           <a:prstGeom prst="rect">
             <a:avLst/>
@@ -20160,6 +16993,11 @@
         </p:spPr>
       </p:pic>
     </p:spTree>
+    <p:extLst>
+      <p:ext uri="{BB962C8B-B14F-4D97-AF65-F5344CB8AC3E}">
+        <p14:creationId xmlns:p14="http://schemas.microsoft.com/office/powerpoint/2010/main" val="834481618"/>
+      </p:ext>
+    </p:extLst>
   </p:cSld>
   <p:clrMapOvr>
     <a:masterClrMapping/>
@@ -20168,6 +17006,398 @@
 </file>
 
 <file path=ppt/slides/slide11.xml><?xml version="1.0" encoding="utf-8"?>
+<p:sld xmlns:a="http://schemas.openxmlformats.org/drawingml/2006/main" xmlns:r="http://schemas.openxmlformats.org/officeDocument/2006/relationships" xmlns:p="http://schemas.openxmlformats.org/presentationml/2006/main">
+  <p:cSld>
+    <p:spTree>
+      <p:nvGrpSpPr>
+        <p:cNvPr id="1" name="Shape 313"/>
+        <p:cNvGrpSpPr/>
+        <p:nvPr/>
+      </p:nvGrpSpPr>
+      <p:grpSpPr>
+        <a:xfrm>
+          <a:off x="0" y="0"/>
+          <a:ext cx="0" cy="0"/>
+          <a:chOff x="0" y="0"/>
+          <a:chExt cx="0" cy="0"/>
+        </a:xfrm>
+      </p:grpSpPr>
+      <p:sp>
+        <p:nvSpPr>
+          <p:cNvPr id="314" name="Google Shape;314;g17249ec79ef_1_132"/>
+          <p:cNvSpPr txBox="1">
+            <a:spLocks noGrp="1"/>
+          </p:cNvSpPr>
+          <p:nvPr>
+            <p:ph type="title"/>
+          </p:nvPr>
+        </p:nvSpPr>
+        <p:spPr>
+          <a:xfrm>
+            <a:off x="289342" y="297350"/>
+            <a:ext cx="9779100" cy="1325700"/>
+          </a:xfrm>
+          <a:prstGeom prst="rect">
+            <a:avLst/>
+          </a:prstGeom>
+          <a:noFill/>
+          <a:ln>
+            <a:noFill/>
+          </a:ln>
+        </p:spPr>
+        <p:txBody>
+          <a:bodyPr spcFirstLastPara="1" wrap="square" lIns="91425" tIns="45700" rIns="91425" bIns="45700" anchor="b" anchorCtr="0">
+            <a:noAutofit/>
+          </a:bodyPr>
+          <a:lstStyle/>
+          <a:p>
+            <a:pPr lvl="0"/>
+            <a:r>
+              <a:rPr lang="en-US" dirty="0"/>
+              <a:t>Data Exploration</a:t>
+            </a:r>
+            <a:endParaRPr dirty="0"/>
+          </a:p>
+        </p:txBody>
+      </p:sp>
+      <p:sp>
+        <p:nvSpPr>
+          <p:cNvPr id="315" name="Google Shape;315;g17249ec79ef_1_132"/>
+          <p:cNvSpPr txBox="1">
+            <a:spLocks noGrp="1"/>
+          </p:cNvSpPr>
+          <p:nvPr>
+            <p:ph type="sldNum" idx="12"/>
+          </p:nvPr>
+        </p:nvSpPr>
+        <p:spPr>
+          <a:xfrm>
+            <a:off x="10153276" y="6356350"/>
+            <a:ext cx="1657800" cy="365100"/>
+          </a:xfrm>
+          <a:prstGeom prst="rect">
+            <a:avLst/>
+          </a:prstGeom>
+          <a:noFill/>
+          <a:ln>
+            <a:noFill/>
+          </a:ln>
+        </p:spPr>
+        <p:txBody>
+          <a:bodyPr spcFirstLastPara="1" wrap="square" lIns="91425" tIns="45700" rIns="91425" bIns="45700" anchor="ctr" anchorCtr="0">
+            <a:noAutofit/>
+          </a:bodyPr>
+          <a:lstStyle/>
+          <a:p>
+            <a:pPr marL="0" lvl="0" indent="0" algn="r" rtl="0">
+              <a:spcBef>
+                <a:spcPts val="0"/>
+              </a:spcBef>
+              <a:spcAft>
+                <a:spcPts val="0"/>
+              </a:spcAft>
+              <a:buNone/>
+            </a:pPr>
+            <a:fld id="{00000000-1234-1234-1234-123412341234}" type="slidenum">
+              <a:rPr lang="en-US"/>
+              <a:t>11</a:t>
+            </a:fld>
+            <a:endParaRPr/>
+          </a:p>
+        </p:txBody>
+      </p:sp>
+      <p:sp>
+        <p:nvSpPr>
+          <p:cNvPr id="316" name="Google Shape;316;g17249ec79ef_1_132"/>
+          <p:cNvSpPr txBox="1"/>
+          <p:nvPr/>
+        </p:nvSpPr>
+        <p:spPr>
+          <a:xfrm>
+            <a:off x="3487583" y="5879327"/>
+            <a:ext cx="5597831" cy="477023"/>
+          </a:xfrm>
+          <a:prstGeom prst="rect">
+            <a:avLst/>
+          </a:prstGeom>
+          <a:noFill/>
+          <a:ln>
+            <a:noFill/>
+          </a:ln>
+        </p:spPr>
+        <p:txBody>
+          <a:bodyPr spcFirstLastPara="1" wrap="square" lIns="91425" tIns="91425" rIns="91425" bIns="91425" anchor="t" anchorCtr="0">
+            <a:spAutoFit/>
+          </a:bodyPr>
+          <a:lstStyle/>
+          <a:p>
+            <a:pPr marL="0" lvl="0" indent="0" algn="ctr" rtl="0">
+              <a:spcBef>
+                <a:spcPts val="0"/>
+              </a:spcBef>
+              <a:spcAft>
+                <a:spcPts val="0"/>
+              </a:spcAft>
+              <a:buNone/>
+            </a:pPr>
+            <a:r>
+              <a:rPr lang="en-US" sz="1900" b="1" dirty="0"/>
+              <a:t>The most important words in </a:t>
+            </a:r>
+            <a:r>
+              <a:rPr lang="en-US" sz="1900" b="1" dirty="0" smtClean="0"/>
+              <a:t>the anxiety </a:t>
+            </a:r>
+            <a:r>
+              <a:rPr lang="en-US" sz="1900" b="1" dirty="0"/>
+              <a:t>class</a:t>
+            </a:r>
+            <a:endParaRPr sz="1900" b="1" dirty="0"/>
+          </a:p>
+        </p:txBody>
+      </p:sp>
+      <p:pic>
+        <p:nvPicPr>
+          <p:cNvPr id="317" name="Google Shape;317;g17249ec79ef_1_132"/>
+          <p:cNvPicPr preferRelativeResize="0"/>
+          <p:nvPr/>
+        </p:nvPicPr>
+        <p:blipFill>
+          <a:blip r:embed="rId3">
+            <a:extLst>
+              <a:ext uri="{28A0092B-C50C-407E-A947-70E740481C1C}">
+                <a14:useLocalDpi xmlns:a14="http://schemas.microsoft.com/office/drawing/2010/main" val="0"/>
+              </a:ext>
+            </a:extLst>
+          </a:blip>
+          <a:stretch>
+            <a:fillRect/>
+          </a:stretch>
+        </p:blipFill>
+        <p:spPr>
+          <a:xfrm>
+            <a:off x="3250596" y="1592427"/>
+            <a:ext cx="6071803" cy="4286900"/>
+          </a:xfrm>
+          <a:prstGeom prst="rect">
+            <a:avLst/>
+          </a:prstGeom>
+          <a:noFill/>
+          <a:ln>
+            <a:noFill/>
+          </a:ln>
+        </p:spPr>
+      </p:pic>
+    </p:spTree>
+    <p:extLst>
+      <p:ext uri="{BB962C8B-B14F-4D97-AF65-F5344CB8AC3E}">
+        <p14:creationId xmlns:p14="http://schemas.microsoft.com/office/powerpoint/2010/main" val="2791693935"/>
+      </p:ext>
+    </p:extLst>
+  </p:cSld>
+  <p:clrMapOvr>
+    <a:masterClrMapping/>
+  </p:clrMapOvr>
+</p:sld>
+</file>
+
+<file path=ppt/slides/slide12.xml><?xml version="1.0" encoding="utf-8"?>
+<p:sld xmlns:a="http://schemas.openxmlformats.org/drawingml/2006/main" xmlns:r="http://schemas.openxmlformats.org/officeDocument/2006/relationships" xmlns:p="http://schemas.openxmlformats.org/presentationml/2006/main">
+  <p:cSld>
+    <p:spTree>
+      <p:nvGrpSpPr>
+        <p:cNvPr id="1" name="Shape 313"/>
+        <p:cNvGrpSpPr/>
+        <p:nvPr/>
+      </p:nvGrpSpPr>
+      <p:grpSpPr>
+        <a:xfrm>
+          <a:off x="0" y="0"/>
+          <a:ext cx="0" cy="0"/>
+          <a:chOff x="0" y="0"/>
+          <a:chExt cx="0" cy="0"/>
+        </a:xfrm>
+      </p:grpSpPr>
+      <p:sp>
+        <p:nvSpPr>
+          <p:cNvPr id="314" name="Google Shape;314;g17249ec79ef_1_132"/>
+          <p:cNvSpPr txBox="1">
+            <a:spLocks noGrp="1"/>
+          </p:cNvSpPr>
+          <p:nvPr>
+            <p:ph type="title"/>
+          </p:nvPr>
+        </p:nvSpPr>
+        <p:spPr>
+          <a:xfrm>
+            <a:off x="289342" y="297350"/>
+            <a:ext cx="9779100" cy="1325700"/>
+          </a:xfrm>
+          <a:prstGeom prst="rect">
+            <a:avLst/>
+          </a:prstGeom>
+          <a:noFill/>
+          <a:ln>
+            <a:noFill/>
+          </a:ln>
+        </p:spPr>
+        <p:txBody>
+          <a:bodyPr spcFirstLastPara="1" wrap="square" lIns="91425" tIns="45700" rIns="91425" bIns="45700" anchor="b" anchorCtr="0">
+            <a:noAutofit/>
+          </a:bodyPr>
+          <a:lstStyle/>
+          <a:p>
+            <a:pPr lvl="0"/>
+            <a:r>
+              <a:rPr lang="en-US" dirty="0"/>
+              <a:t>Data Exploration</a:t>
+            </a:r>
+            <a:endParaRPr dirty="0"/>
+          </a:p>
+        </p:txBody>
+      </p:sp>
+      <p:sp>
+        <p:nvSpPr>
+          <p:cNvPr id="315" name="Google Shape;315;g17249ec79ef_1_132"/>
+          <p:cNvSpPr txBox="1">
+            <a:spLocks noGrp="1"/>
+          </p:cNvSpPr>
+          <p:nvPr>
+            <p:ph type="sldNum" idx="12"/>
+          </p:nvPr>
+        </p:nvSpPr>
+        <p:spPr>
+          <a:xfrm>
+            <a:off x="10153276" y="6356350"/>
+            <a:ext cx="1657800" cy="365100"/>
+          </a:xfrm>
+          <a:prstGeom prst="rect">
+            <a:avLst/>
+          </a:prstGeom>
+          <a:noFill/>
+          <a:ln>
+            <a:noFill/>
+          </a:ln>
+        </p:spPr>
+        <p:txBody>
+          <a:bodyPr spcFirstLastPara="1" wrap="square" lIns="91425" tIns="45700" rIns="91425" bIns="45700" anchor="ctr" anchorCtr="0">
+            <a:noAutofit/>
+          </a:bodyPr>
+          <a:lstStyle/>
+          <a:p>
+            <a:pPr marL="0" lvl="0" indent="0" algn="r" rtl="0">
+              <a:spcBef>
+                <a:spcPts val="0"/>
+              </a:spcBef>
+              <a:spcAft>
+                <a:spcPts val="0"/>
+              </a:spcAft>
+              <a:buNone/>
+            </a:pPr>
+            <a:fld id="{00000000-1234-1234-1234-123412341234}" type="slidenum">
+              <a:rPr lang="en-US"/>
+              <a:t>12</a:t>
+            </a:fld>
+            <a:endParaRPr/>
+          </a:p>
+        </p:txBody>
+      </p:sp>
+      <p:sp>
+        <p:nvSpPr>
+          <p:cNvPr id="316" name="Google Shape;316;g17249ec79ef_1_132"/>
+          <p:cNvSpPr txBox="1"/>
+          <p:nvPr/>
+        </p:nvSpPr>
+        <p:spPr>
+          <a:xfrm>
+            <a:off x="3536223" y="5879327"/>
+            <a:ext cx="5500554" cy="477023"/>
+          </a:xfrm>
+          <a:prstGeom prst="rect">
+            <a:avLst/>
+          </a:prstGeom>
+          <a:noFill/>
+          <a:ln>
+            <a:noFill/>
+          </a:ln>
+        </p:spPr>
+        <p:txBody>
+          <a:bodyPr spcFirstLastPara="1" wrap="square" lIns="91425" tIns="91425" rIns="91425" bIns="91425" anchor="t" anchorCtr="0">
+            <a:spAutoFit/>
+          </a:bodyPr>
+          <a:lstStyle/>
+          <a:p>
+            <a:pPr marL="0" lvl="0" indent="0" algn="ctr" rtl="0">
+              <a:spcBef>
+                <a:spcPts val="0"/>
+              </a:spcBef>
+              <a:spcAft>
+                <a:spcPts val="0"/>
+              </a:spcAft>
+              <a:buNone/>
+            </a:pPr>
+            <a:r>
+              <a:rPr lang="en-US" sz="1900" b="1" dirty="0"/>
+              <a:t>The most important words in </a:t>
+            </a:r>
+            <a:r>
+              <a:rPr lang="en-US" sz="1900" b="1" dirty="0" smtClean="0"/>
+              <a:t>the stress </a:t>
+            </a:r>
+            <a:r>
+              <a:rPr lang="en-US" sz="1900" b="1" dirty="0"/>
+              <a:t>class</a:t>
+            </a:r>
+            <a:endParaRPr sz="1900" b="1" dirty="0"/>
+          </a:p>
+        </p:txBody>
+      </p:sp>
+      <p:pic>
+        <p:nvPicPr>
+          <p:cNvPr id="317" name="Google Shape;317;g17249ec79ef_1_132"/>
+          <p:cNvPicPr preferRelativeResize="0"/>
+          <p:nvPr/>
+        </p:nvPicPr>
+        <p:blipFill>
+          <a:blip r:embed="rId3">
+            <a:extLst>
+              <a:ext uri="{28A0092B-C50C-407E-A947-70E740481C1C}">
+                <a14:useLocalDpi xmlns:a14="http://schemas.microsoft.com/office/drawing/2010/main" val="0"/>
+              </a:ext>
+            </a:extLst>
+          </a:blip>
+          <a:stretch>
+            <a:fillRect/>
+          </a:stretch>
+        </p:blipFill>
+        <p:spPr>
+          <a:xfrm>
+            <a:off x="3055856" y="1592427"/>
+            <a:ext cx="6461287" cy="4286900"/>
+          </a:xfrm>
+          <a:prstGeom prst="rect">
+            <a:avLst/>
+          </a:prstGeom>
+          <a:noFill/>
+          <a:ln>
+            <a:noFill/>
+          </a:ln>
+        </p:spPr>
+      </p:pic>
+    </p:spTree>
+    <p:extLst>
+      <p:ext uri="{BB962C8B-B14F-4D97-AF65-F5344CB8AC3E}">
+        <p14:creationId xmlns:p14="http://schemas.microsoft.com/office/powerpoint/2010/main" val="346546810"/>
+      </p:ext>
+    </p:extLst>
+  </p:cSld>
+  <p:clrMapOvr>
+    <a:masterClrMapping/>
+  </p:clrMapOvr>
+</p:sld>
+</file>
+
+<file path=ppt/slides/slide13.xml><?xml version="1.0" encoding="utf-8"?>
 <p:sld xmlns:a="http://schemas.openxmlformats.org/drawingml/2006/main" xmlns:r="http://schemas.openxmlformats.org/officeDocument/2006/relationships" xmlns:p="http://schemas.openxmlformats.org/presentationml/2006/main">
   <p:cSld>
     <p:spTree>
@@ -20196,7 +17426,7 @@
         </p:nvSpPr>
         <p:spPr>
           <a:xfrm>
-            <a:off x="137767" y="589600"/>
+            <a:off x="79401" y="196419"/>
             <a:ext cx="9779100" cy="1325700"/>
           </a:xfrm>
           <a:prstGeom prst="rect">
@@ -20213,83 +17443,12 @@
           </a:bodyPr>
           <a:lstStyle/>
           <a:p>
-            <a:pPr marL="0" lvl="0" indent="0" algn="l" rtl="0">
-              <a:spcBef>
-                <a:spcPts val="0"/>
-              </a:spcBef>
-              <a:spcAft>
-                <a:spcPts val="0"/>
-              </a:spcAft>
-              <a:buClr>
-                <a:schemeClr val="dk1"/>
-              </a:buClr>
-              <a:buSzPts val="4800"/>
-              <a:buFont typeface="Arial"/>
-              <a:buNone/>
-            </a:pPr>
+            <a:pPr lvl="0"/>
             <a:r>
-              <a:rPr lang="en-US"/>
-              <a:t>Visualization</a:t>
+              <a:rPr lang="en-US" dirty="0"/>
+              <a:t>Data Exploration</a:t>
             </a:r>
-            <a:endParaRPr/>
-          </a:p>
-        </p:txBody>
-      </p:sp>
-      <p:sp>
-        <p:nvSpPr>
-          <p:cNvPr id="323" name="Google Shape;323;g17249ec79ef_1_142"/>
-          <p:cNvSpPr txBox="1">
-            <a:spLocks noGrp="1"/>
-          </p:cNvSpPr>
-          <p:nvPr>
-            <p:ph type="ftr" idx="11"/>
-          </p:nvPr>
-        </p:nvSpPr>
-        <p:spPr>
-          <a:xfrm>
-            <a:off x="4060238" y="6111900"/>
-            <a:ext cx="4114800" cy="365100"/>
-          </a:xfrm>
-          <a:prstGeom prst="rect">
-            <a:avLst/>
-          </a:prstGeom>
-          <a:noFill/>
-          <a:ln>
-            <a:noFill/>
-          </a:ln>
-        </p:spPr>
-        <p:txBody>
-          <a:bodyPr spcFirstLastPara="1" wrap="square" lIns="91425" tIns="45700" rIns="91425" bIns="45700" anchor="ctr" anchorCtr="0">
-            <a:noAutofit/>
-          </a:bodyPr>
-          <a:lstStyle/>
-          <a:p>
-            <a:pPr marL="0" lvl="0" indent="0" algn="ctr" rtl="0">
-              <a:spcBef>
-                <a:spcPts val="0"/>
-              </a:spcBef>
-              <a:spcAft>
-                <a:spcPts val="0"/>
-              </a:spcAft>
-              <a:buNone/>
-            </a:pPr>
-            <a:r>
-              <a:rPr lang="en-US"/>
-              <a:t>social media sentiment analysis</a:t>
-            </a:r>
-            <a:endParaRPr/>
-          </a:p>
-          <a:p>
-            <a:pPr marL="0" lvl="0" indent="0" algn="ctr" rtl="0">
-              <a:spcBef>
-                <a:spcPts val="0"/>
-              </a:spcBef>
-              <a:spcAft>
-                <a:spcPts val="0"/>
-              </a:spcAft>
-              <a:buNone/>
-            </a:pPr>
-            <a:endParaRPr/>
+            <a:endParaRPr dirty="0"/>
           </a:p>
         </p:txBody>
       </p:sp>
@@ -20333,7 +17492,7 @@
             </a:pPr>
             <a:fld id="{00000000-1234-1234-1234-123412341234}" type="slidenum">
               <a:rPr lang="en-US"/>
-              <a:t>11</a:t>
+              <a:t>13</a:t>
             </a:fld>
             <a:endParaRPr/>
           </a:p>
@@ -20374,10 +17533,22 @@
               <a:buNone/>
             </a:pPr>
             <a:r>
-              <a:rPr lang="en-US" sz="1900" b="1"/>
-              <a:t>The most five countries </a:t>
+              <a:rPr lang="en-US" sz="1900" b="1" dirty="0"/>
+              <a:t>The </a:t>
             </a:r>
-            <a:endParaRPr sz="1900" b="1"/>
+            <a:r>
+              <a:rPr lang="en-US" sz="1900" b="1" dirty="0" smtClean="0"/>
+              <a:t>top </a:t>
+            </a:r>
+            <a:r>
+              <a:rPr lang="en-US" sz="1900" b="1" dirty="0"/>
+              <a:t>countries </a:t>
+            </a:r>
+            <a:r>
+              <a:rPr lang="en-US" sz="1900" b="1" dirty="0" smtClean="0"/>
+              <a:t>that</a:t>
+            </a:r>
+            <a:endParaRPr sz="1900" b="1" dirty="0"/>
           </a:p>
           <a:p>
             <a:pPr marL="0" lvl="0" indent="0" algn="ctr" rtl="0">
@@ -20390,22 +17561,28 @@
               <a:buNone/>
             </a:pPr>
             <a:r>
-              <a:rPr lang="en-US" sz="1900" b="1"/>
+              <a:rPr lang="en-US" sz="1900" b="1" dirty="0"/>
               <a:t>have mental health problems</a:t>
             </a:r>
-            <a:endParaRPr sz="1900" b="1"/>
+            <a:endParaRPr sz="1900" b="1" dirty="0"/>
           </a:p>
         </p:txBody>
       </p:sp>
       <p:pic>
         <p:nvPicPr>
-          <p:cNvPr id="326" name="Google Shape;326;g17249ec79ef_1_142"/>
-          <p:cNvPicPr preferRelativeResize="0"/>
+          <p:cNvPr id="2" name="Picture 1"/>
+          <p:cNvPicPr>
+            <a:picLocks noChangeAspect="1"/>
+          </p:cNvPicPr>
           <p:nvPr/>
         </p:nvPicPr>
         <p:blipFill>
           <a:blip r:embed="rId3">
-            <a:alphaModFix/>
+            <a:extLst>
+              <a:ext uri="{28A0092B-C50C-407E-A947-70E740481C1C}">
+                <a14:useLocalDpi xmlns:a14="http://schemas.microsoft.com/office/drawing/2010/main" val="0"/>
+              </a:ext>
+            </a:extLst>
           </a:blip>
           <a:stretch>
             <a:fillRect/>
@@ -20413,16 +17590,12 @@
         </p:blipFill>
         <p:spPr>
           <a:xfrm>
-            <a:off x="3752850" y="0"/>
-            <a:ext cx="8439150" cy="6857999"/>
+            <a:off x="4805464" y="-9232"/>
+            <a:ext cx="7386536" cy="6858000"/>
           </a:xfrm>
           <a:prstGeom prst="rect">
             <a:avLst/>
           </a:prstGeom>
-          <a:noFill/>
-          <a:ln>
-            <a:noFill/>
-          </a:ln>
         </p:spPr>
       </p:pic>
     </p:spTree>
@@ -20433,7 +17606,7 @@
 </p:sld>
 </file>
 
-<file path=ppt/slides/slide12.xml><?xml version="1.0" encoding="utf-8"?>
+<file path=ppt/slides/slide14.xml><?xml version="1.0" encoding="utf-8"?>
 <p:sld xmlns:a="http://schemas.openxmlformats.org/drawingml/2006/main" xmlns:r="http://schemas.openxmlformats.org/officeDocument/2006/relationships" xmlns:p="http://schemas.openxmlformats.org/presentationml/2006/main">
   <p:cSld>
     <p:spTree>
@@ -20450,64 +17623,6 @@
           <a:chExt cx="0" cy="0"/>
         </a:xfrm>
       </p:grpSpPr>
-      <p:sp>
-        <p:nvSpPr>
-          <p:cNvPr id="331" name="Google Shape;331;g17249ec79ef_1_160"/>
-          <p:cNvSpPr txBox="1">
-            <a:spLocks noGrp="1"/>
-          </p:cNvSpPr>
-          <p:nvPr>
-            <p:ph type="ftr" idx="11"/>
-          </p:nvPr>
-        </p:nvSpPr>
-        <p:spPr>
-          <a:xfrm>
-            <a:off x="4038600" y="6356350"/>
-            <a:ext cx="4114800" cy="365100"/>
-          </a:xfrm>
-          <a:prstGeom prst="rect">
-            <a:avLst/>
-          </a:prstGeom>
-          <a:noFill/>
-          <a:ln>
-            <a:noFill/>
-          </a:ln>
-        </p:spPr>
-        <p:txBody>
-          <a:bodyPr spcFirstLastPara="1" wrap="square" lIns="91425" tIns="45700" rIns="91425" bIns="45700" anchor="ctr" anchorCtr="0">
-            <a:noAutofit/>
-          </a:bodyPr>
-          <a:lstStyle/>
-          <a:p>
-            <a:pPr marL="0" lvl="0" indent="0" algn="ctr" rtl="0">
-              <a:spcBef>
-                <a:spcPts val="0"/>
-              </a:spcBef>
-              <a:spcAft>
-                <a:spcPts val="0"/>
-              </a:spcAft>
-              <a:buNone/>
-            </a:pPr>
-            <a:r>
-              <a:rPr lang="en-US"/>
-              <a:t>social media sentiment analysis</a:t>
-            </a:r>
-            <a:endParaRPr/>
-          </a:p>
-          <a:p>
-            <a:pPr marL="0" lvl="0" indent="0" algn="ctr" rtl="0">
-              <a:spcBef>
-                <a:spcPts val="0"/>
-              </a:spcBef>
-              <a:spcAft>
-                <a:spcPts val="0"/>
-              </a:spcAft>
-              <a:buNone/>
-            </a:pPr>
-            <a:endParaRPr/>
-          </a:p>
-        </p:txBody>
-      </p:sp>
       <p:sp>
         <p:nvSpPr>
           <p:cNvPr id="332" name="Google Shape;332;g17249ec79ef_1_160"/>
@@ -20548,7 +17663,7 @@
             </a:pPr>
             <a:fld id="{00000000-1234-1234-1234-123412341234}" type="slidenum">
               <a:rPr lang="en-US"/>
-              <a:t>12</a:t>
+              <a:t>14</a:t>
             </a:fld>
             <a:endParaRPr/>
           </a:p>
@@ -20624,7 +17739,7 @@
         </p:nvSpPr>
         <p:spPr>
           <a:xfrm>
-            <a:off x="289342" y="297350"/>
+            <a:off x="260159" y="196419"/>
             <a:ext cx="9779100" cy="1325700"/>
           </a:xfrm>
           <a:prstGeom prst="rect">
@@ -20656,10 +17771,10 @@
               <a:buNone/>
             </a:pPr>
             <a:r>
-              <a:rPr lang="en-US"/>
-              <a:t>Visualization</a:t>
+              <a:rPr lang="en-US" dirty="0" smtClean="0"/>
+              <a:t>Data Exploration</a:t>
             </a:r>
-            <a:endParaRPr/>
+            <a:endParaRPr dirty="0"/>
           </a:p>
         </p:txBody>
       </p:sp>
@@ -20671,7 +17786,11 @@
         </p:nvPicPr>
         <p:blipFill>
           <a:blip r:embed="rId3">
-            <a:alphaModFix/>
+            <a:extLst>
+              <a:ext uri="{28A0092B-C50C-407E-A947-70E740481C1C}">
+                <a14:useLocalDpi xmlns:a14="http://schemas.microsoft.com/office/drawing/2010/main" val="0"/>
+              </a:ext>
+            </a:extLst>
           </a:blip>
           <a:stretch>
             <a:fillRect/>
@@ -20679,308 +17798,8 @@
         </p:blipFill>
         <p:spPr>
           <a:xfrm>
-            <a:off x="4090300" y="0"/>
-            <a:ext cx="8101700" cy="6858001"/>
-          </a:xfrm>
-          <a:prstGeom prst="rect">
-            <a:avLst/>
-          </a:prstGeom>
-          <a:noFill/>
-          <a:ln>
-            <a:noFill/>
-          </a:ln>
-        </p:spPr>
-      </p:pic>
-    </p:spTree>
-  </p:cSld>
-  <p:clrMapOvr>
-    <a:masterClrMapping/>
-  </p:clrMapOvr>
-</p:sld>
-</file>
-
-<file path=ppt/slides/slide13.xml><?xml version="1.0" encoding="utf-8"?>
-<p:sld xmlns:a="http://schemas.openxmlformats.org/drawingml/2006/main" xmlns:r="http://schemas.openxmlformats.org/officeDocument/2006/relationships" xmlns:p="http://schemas.openxmlformats.org/presentationml/2006/main">
-  <p:cSld>
-    <p:spTree>
-      <p:nvGrpSpPr>
-        <p:cNvPr id="1" name="Shape 339"/>
-        <p:cNvGrpSpPr/>
-        <p:nvPr/>
-      </p:nvGrpSpPr>
-      <p:grpSpPr>
-        <a:xfrm>
-          <a:off x="0" y="0"/>
-          <a:ext cx="0" cy="0"/>
-          <a:chOff x="0" y="0"/>
-          <a:chExt cx="0" cy="0"/>
-        </a:xfrm>
-      </p:grpSpPr>
-      <p:sp>
-        <p:nvSpPr>
-          <p:cNvPr id="340" name="Google Shape;340;g172a4a07427_0_0"/>
-          <p:cNvSpPr txBox="1">
-            <a:spLocks noGrp="1"/>
-          </p:cNvSpPr>
-          <p:nvPr>
-            <p:ph type="sldNum" idx="12"/>
-          </p:nvPr>
-        </p:nvSpPr>
-        <p:spPr>
-          <a:xfrm>
-            <a:off x="10153276" y="6356350"/>
-            <a:ext cx="1657800" cy="365100"/>
-          </a:xfrm>
-          <a:prstGeom prst="rect">
-            <a:avLst/>
-          </a:prstGeom>
-          <a:noFill/>
-          <a:ln>
-            <a:noFill/>
-          </a:ln>
-        </p:spPr>
-        <p:txBody>
-          <a:bodyPr spcFirstLastPara="1" wrap="square" lIns="91425" tIns="45700" rIns="91425" bIns="45700" anchor="ctr" anchorCtr="0">
-            <a:noAutofit/>
-          </a:bodyPr>
-          <a:lstStyle/>
-          <a:p>
-            <a:pPr marL="0" lvl="0" indent="0" algn="r" rtl="0">
-              <a:spcBef>
-                <a:spcPts val="0"/>
-              </a:spcBef>
-              <a:spcAft>
-                <a:spcPts val="0"/>
-              </a:spcAft>
-              <a:buNone/>
-            </a:pPr>
-            <a:fld id="{00000000-1234-1234-1234-123412341234}" type="slidenum">
-              <a:rPr lang="en-US"/>
-              <a:t>13</a:t>
-            </a:fld>
-            <a:endParaRPr/>
-          </a:p>
-        </p:txBody>
-      </p:sp>
-      <p:pic>
-        <p:nvPicPr>
-          <p:cNvPr id="341" name="Google Shape;341;g172a4a07427_0_0"/>
-          <p:cNvPicPr preferRelativeResize="0"/>
-          <p:nvPr/>
-        </p:nvPicPr>
-        <p:blipFill>
-          <a:blip r:embed="rId3">
-            <a:alphaModFix/>
-          </a:blip>
-          <a:stretch>
-            <a:fillRect/>
-          </a:stretch>
-        </p:blipFill>
-        <p:spPr>
-          <a:xfrm>
-            <a:off x="2724963" y="1427300"/>
-            <a:ext cx="7123076" cy="4929050"/>
-          </a:xfrm>
-          <a:prstGeom prst="rect">
-            <a:avLst/>
-          </a:prstGeom>
-          <a:noFill/>
-          <a:ln>
-            <a:noFill/>
-          </a:ln>
-        </p:spPr>
-      </p:pic>
-      <p:sp>
-        <p:nvSpPr>
-          <p:cNvPr id="342" name="Google Shape;342;g172a4a07427_0_0"/>
-          <p:cNvSpPr txBox="1">
-            <a:spLocks noGrp="1"/>
-          </p:cNvSpPr>
-          <p:nvPr>
-            <p:ph type="title"/>
-          </p:nvPr>
-        </p:nvSpPr>
-        <p:spPr>
-          <a:xfrm>
-            <a:off x="289342" y="297350"/>
-            <a:ext cx="9779100" cy="1325700"/>
-          </a:xfrm>
-          <a:prstGeom prst="rect">
-            <a:avLst/>
-          </a:prstGeom>
-          <a:noFill/>
-          <a:ln>
-            <a:noFill/>
-          </a:ln>
-        </p:spPr>
-        <p:txBody>
-          <a:bodyPr spcFirstLastPara="1" wrap="square" lIns="91425" tIns="45700" rIns="91425" bIns="45700" anchor="b" anchorCtr="0">
-            <a:noAutofit/>
-          </a:bodyPr>
-          <a:lstStyle/>
-          <a:p>
-            <a:pPr marL="0" lvl="0" indent="0" algn="l" rtl="0">
-              <a:spcBef>
-                <a:spcPts val="0"/>
-              </a:spcBef>
-              <a:spcAft>
-                <a:spcPts val="0"/>
-              </a:spcAft>
-              <a:buClr>
-                <a:schemeClr val="dk1"/>
-              </a:buClr>
-              <a:buSzPts val="4800"/>
-              <a:buFont typeface="Arial"/>
-              <a:buNone/>
-            </a:pPr>
-            <a:r>
-              <a:rPr lang="en-US"/>
-              <a:t>Preprocessing</a:t>
-            </a:r>
-            <a:endParaRPr/>
-          </a:p>
-        </p:txBody>
-      </p:sp>
-    </p:spTree>
-  </p:cSld>
-  <p:clrMapOvr>
-    <a:masterClrMapping/>
-  </p:clrMapOvr>
-</p:sld>
-</file>
-
-<file path=ppt/slides/slide14.xml><?xml version="1.0" encoding="utf-8"?>
-<p:sld xmlns:a="http://schemas.openxmlformats.org/drawingml/2006/main" xmlns:r="http://schemas.openxmlformats.org/officeDocument/2006/relationships" xmlns:p="http://schemas.openxmlformats.org/presentationml/2006/main">
-  <p:cSld>
-    <p:spTree>
-      <p:nvGrpSpPr>
-        <p:cNvPr id="1" name="Shape 346"/>
-        <p:cNvGrpSpPr/>
-        <p:nvPr/>
-      </p:nvGrpSpPr>
-      <p:grpSpPr>
-        <a:xfrm>
-          <a:off x="0" y="0"/>
-          <a:ext cx="0" cy="0"/>
-          <a:chOff x="0" y="0"/>
-          <a:chExt cx="0" cy="0"/>
-        </a:xfrm>
-      </p:grpSpPr>
-      <p:sp>
-        <p:nvSpPr>
-          <p:cNvPr id="347" name="Google Shape;347;g172a4a07427_0_10"/>
-          <p:cNvSpPr txBox="1">
-            <a:spLocks noGrp="1"/>
-          </p:cNvSpPr>
-          <p:nvPr>
-            <p:ph type="sldNum" idx="12"/>
-          </p:nvPr>
-        </p:nvSpPr>
-        <p:spPr>
-          <a:xfrm>
-            <a:off x="10153276" y="6356350"/>
-            <a:ext cx="1657800" cy="365100"/>
-          </a:xfrm>
-          <a:prstGeom prst="rect">
-            <a:avLst/>
-          </a:prstGeom>
-          <a:noFill/>
-          <a:ln>
-            <a:noFill/>
-          </a:ln>
-        </p:spPr>
-        <p:txBody>
-          <a:bodyPr spcFirstLastPara="1" wrap="square" lIns="91425" tIns="45700" rIns="91425" bIns="45700" anchor="ctr" anchorCtr="0">
-            <a:noAutofit/>
-          </a:bodyPr>
-          <a:lstStyle/>
-          <a:p>
-            <a:pPr marL="0" lvl="0" indent="0" algn="r" rtl="0">
-              <a:spcBef>
-                <a:spcPts val="0"/>
-              </a:spcBef>
-              <a:spcAft>
-                <a:spcPts val="0"/>
-              </a:spcAft>
-              <a:buNone/>
-            </a:pPr>
-            <a:fld id="{00000000-1234-1234-1234-123412341234}" type="slidenum">
-              <a:rPr lang="en-US"/>
-              <a:t>14</a:t>
-            </a:fld>
-            <a:endParaRPr/>
-          </a:p>
-        </p:txBody>
-      </p:sp>
-      <p:sp>
-        <p:nvSpPr>
-          <p:cNvPr id="348" name="Google Shape;348;g172a4a07427_0_10"/>
-          <p:cNvSpPr txBox="1">
-            <a:spLocks noGrp="1"/>
-          </p:cNvSpPr>
-          <p:nvPr>
-            <p:ph type="title"/>
-          </p:nvPr>
-        </p:nvSpPr>
-        <p:spPr>
-          <a:xfrm>
-            <a:off x="289342" y="297350"/>
-            <a:ext cx="9779100" cy="1325700"/>
-          </a:xfrm>
-          <a:prstGeom prst="rect">
-            <a:avLst/>
-          </a:prstGeom>
-          <a:noFill/>
-          <a:ln>
-            <a:noFill/>
-          </a:ln>
-        </p:spPr>
-        <p:txBody>
-          <a:bodyPr spcFirstLastPara="1" wrap="square" lIns="91425" tIns="45700" rIns="91425" bIns="45700" anchor="b" anchorCtr="0">
-            <a:noAutofit/>
-          </a:bodyPr>
-          <a:lstStyle/>
-          <a:p>
-            <a:pPr marL="0" lvl="0" indent="0" algn="l" rtl="0">
-              <a:spcBef>
-                <a:spcPts val="0"/>
-              </a:spcBef>
-              <a:spcAft>
-                <a:spcPts val="0"/>
-              </a:spcAft>
-              <a:buClr>
-                <a:schemeClr val="dk1"/>
-              </a:buClr>
-              <a:buSzPts val="4800"/>
-              <a:buFont typeface="Arial"/>
-              <a:buNone/>
-            </a:pPr>
-            <a:r>
-              <a:rPr lang="en-US"/>
-              <a:t>Integration</a:t>
-            </a:r>
-            <a:endParaRPr/>
-          </a:p>
-        </p:txBody>
-      </p:sp>
-      <p:pic>
-        <p:nvPicPr>
-          <p:cNvPr id="349" name="Google Shape;349;g172a4a07427_0_10"/>
-          <p:cNvPicPr preferRelativeResize="0"/>
-          <p:nvPr/>
-        </p:nvPicPr>
-        <p:blipFill>
-          <a:blip r:embed="rId3">
-            <a:alphaModFix/>
-          </a:blip>
-          <a:stretch>
-            <a:fillRect/>
-          </a:stretch>
-        </p:blipFill>
-        <p:spPr>
-          <a:xfrm>
-            <a:off x="3168438" y="1506400"/>
-            <a:ext cx="6236124" cy="4660900"/>
+            <a:off x="5270504" y="408562"/>
+            <a:ext cx="6719101" cy="6449438"/>
           </a:xfrm>
           <a:prstGeom prst="rect">
             <a:avLst/>
@@ -21000,6 +17819,90 @@
 </file>
 
 <file path=ppt/slides/slide15.xml><?xml version="1.0" encoding="utf-8"?>
+<p:sld xmlns:a="http://schemas.openxmlformats.org/drawingml/2006/main" xmlns:r="http://schemas.openxmlformats.org/officeDocument/2006/relationships" xmlns:p="http://schemas.openxmlformats.org/presentationml/2006/main">
+  <p:cSld>
+    <p:spTree>
+      <p:nvGrpSpPr>
+        <p:cNvPr id="1" name="Shape 272"/>
+        <p:cNvGrpSpPr/>
+        <p:nvPr/>
+      </p:nvGrpSpPr>
+      <p:grpSpPr>
+        <a:xfrm>
+          <a:off x="0" y="0"/>
+          <a:ext cx="0" cy="0"/>
+          <a:chOff x="0" y="0"/>
+          <a:chExt cx="0" cy="0"/>
+        </a:xfrm>
+      </p:grpSpPr>
+      <p:sp>
+        <p:nvSpPr>
+          <p:cNvPr id="273" name="Google Shape;273;g17249ec79ef_1_33"/>
+          <p:cNvSpPr txBox="1">
+            <a:spLocks noGrp="1"/>
+          </p:cNvSpPr>
+          <p:nvPr>
+            <p:ph type="ctrTitle"/>
+          </p:nvPr>
+        </p:nvSpPr>
+        <p:spPr>
+          <a:xfrm>
+            <a:off x="595200" y="2235150"/>
+            <a:ext cx="7672500" cy="2387700"/>
+          </a:xfrm>
+          <a:prstGeom prst="rect">
+            <a:avLst/>
+          </a:prstGeom>
+          <a:noFill/>
+          <a:ln>
+            <a:noFill/>
+          </a:ln>
+        </p:spPr>
+        <p:txBody>
+          <a:bodyPr spcFirstLastPara="1" wrap="square" lIns="91425" tIns="45700" rIns="91425" bIns="45700" anchor="b" anchorCtr="0">
+            <a:noAutofit/>
+          </a:bodyPr>
+          <a:lstStyle/>
+          <a:p>
+            <a:pPr marL="0" lvl="0" indent="0" algn="l" rtl="0">
+              <a:lnSpc>
+                <a:spcPct val="90000"/>
+              </a:lnSpc>
+              <a:spcBef>
+                <a:spcPts val="0"/>
+              </a:spcBef>
+              <a:spcAft>
+                <a:spcPts val="0"/>
+              </a:spcAft>
+              <a:buClr>
+                <a:schemeClr val="lt1"/>
+              </a:buClr>
+              <a:buSzPts val="6000"/>
+              <a:buFont typeface="Arial"/>
+              <a:buNone/>
+            </a:pPr>
+            <a:r>
+              <a:rPr lang="en-US" dirty="0" smtClean="0"/>
+              <a:t>Data Preprocessing</a:t>
+            </a:r>
+            <a:endParaRPr dirty="0"/>
+          </a:p>
+        </p:txBody>
+      </p:sp>
+    </p:spTree>
+    <p:extLst>
+      <p:ext uri="{BB962C8B-B14F-4D97-AF65-F5344CB8AC3E}">
+        <p14:creationId xmlns:p14="http://schemas.microsoft.com/office/powerpoint/2010/main" val="2673683093"/>
+      </p:ext>
+    </p:extLst>
+  </p:cSld>
+  <p:clrMapOvr>
+    <a:masterClrMapping/>
+  </p:clrMapOvr>
+</p:sld>
+</file>
+
+<file path=ppt/slides/slide16.xml><?xml version="1.0" encoding="utf-8"?>
 <p:sld xmlns:a="http://schemas.openxmlformats.org/drawingml/2006/main" xmlns:r="http://schemas.openxmlformats.org/officeDocument/2006/relationships" xmlns:p="http://schemas.openxmlformats.org/presentationml/2006/main">
   <p:cSld>
     <p:spTree>
@@ -21063,10 +17966,18 @@
               <a:buNone/>
             </a:pPr>
             <a:r>
-              <a:rPr lang="en-US"/>
-              <a:t>English preprocessing</a:t>
+              <a:rPr lang="en-US" dirty="0" smtClean="0"/>
+              <a:t>Data </a:t>
             </a:r>
-            <a:endParaRPr/>
+            <a:r>
+              <a:rPr lang="en-US" dirty="0"/>
+              <a:t>P</a:t>
+            </a:r>
+            <a:r>
+              <a:rPr lang="en-US" dirty="0" smtClean="0"/>
+              <a:t>reprocessing</a:t>
+            </a:r>
+            <a:endParaRPr dirty="0"/>
           </a:p>
         </p:txBody>
       </p:sp>
@@ -21110,7 +18021,7 @@
             </a:pPr>
             <a:fld id="{00000000-1234-1234-1234-123412341234}" type="slidenum">
               <a:rPr lang="en-US"/>
-              <a:t>15</a:t>
+              <a:t>16</a:t>
             </a:fld>
             <a:endParaRPr/>
           </a:p>
@@ -21132,7 +18043,7 @@
         </p:blipFill>
         <p:spPr>
           <a:xfrm>
-            <a:off x="1911312" y="1791300"/>
+            <a:off x="2310147" y="1528653"/>
             <a:ext cx="8369375" cy="4930149"/>
           </a:xfrm>
           <a:prstGeom prst="rect">
@@ -21152,7 +18063,91 @@
 </p:sld>
 </file>
 
-<file path=ppt/slides/slide16.xml><?xml version="1.0" encoding="utf-8"?>
+<file path=ppt/slides/slide17.xml><?xml version="1.0" encoding="utf-8"?>
+<p:sld xmlns:a="http://schemas.openxmlformats.org/drawingml/2006/main" xmlns:r="http://schemas.openxmlformats.org/officeDocument/2006/relationships" xmlns:p="http://schemas.openxmlformats.org/presentationml/2006/main">
+  <p:cSld>
+    <p:spTree>
+      <p:nvGrpSpPr>
+        <p:cNvPr id="1" name="Shape 272"/>
+        <p:cNvGrpSpPr/>
+        <p:nvPr/>
+      </p:nvGrpSpPr>
+      <p:grpSpPr>
+        <a:xfrm>
+          <a:off x="0" y="0"/>
+          <a:ext cx="0" cy="0"/>
+          <a:chOff x="0" y="0"/>
+          <a:chExt cx="0" cy="0"/>
+        </a:xfrm>
+      </p:grpSpPr>
+      <p:sp>
+        <p:nvSpPr>
+          <p:cNvPr id="273" name="Google Shape;273;g17249ec79ef_1_33"/>
+          <p:cNvSpPr txBox="1">
+            <a:spLocks noGrp="1"/>
+          </p:cNvSpPr>
+          <p:nvPr>
+            <p:ph type="ctrTitle"/>
+          </p:nvPr>
+        </p:nvSpPr>
+        <p:spPr>
+          <a:xfrm>
+            <a:off x="595200" y="2235150"/>
+            <a:ext cx="7672500" cy="2387700"/>
+          </a:xfrm>
+          <a:prstGeom prst="rect">
+            <a:avLst/>
+          </a:prstGeom>
+          <a:noFill/>
+          <a:ln>
+            <a:noFill/>
+          </a:ln>
+        </p:spPr>
+        <p:txBody>
+          <a:bodyPr spcFirstLastPara="1" wrap="square" lIns="91425" tIns="45700" rIns="91425" bIns="45700" anchor="b" anchorCtr="0">
+            <a:noAutofit/>
+          </a:bodyPr>
+          <a:lstStyle/>
+          <a:p>
+            <a:pPr marL="0" lvl="0" indent="0" algn="l" rtl="0">
+              <a:lnSpc>
+                <a:spcPct val="90000"/>
+              </a:lnSpc>
+              <a:spcBef>
+                <a:spcPts val="0"/>
+              </a:spcBef>
+              <a:spcAft>
+                <a:spcPts val="0"/>
+              </a:spcAft>
+              <a:buClr>
+                <a:schemeClr val="lt1"/>
+              </a:buClr>
+              <a:buSzPts val="6000"/>
+              <a:buFont typeface="Arial"/>
+              <a:buNone/>
+            </a:pPr>
+            <a:r>
+              <a:rPr lang="en-US" dirty="0" smtClean="0"/>
+              <a:t>Data Modelling</a:t>
+            </a:r>
+            <a:endParaRPr dirty="0"/>
+          </a:p>
+        </p:txBody>
+      </p:sp>
+    </p:spTree>
+    <p:extLst>
+      <p:ext uri="{BB962C8B-B14F-4D97-AF65-F5344CB8AC3E}">
+        <p14:creationId xmlns:p14="http://schemas.microsoft.com/office/powerpoint/2010/main" val="2639448702"/>
+      </p:ext>
+    </p:extLst>
+  </p:cSld>
+  <p:clrMapOvr>
+    <a:masterClrMapping/>
+  </p:clrMapOvr>
+</p:sld>
+</file>
+
+<file path=ppt/slides/slide18.xml><?xml version="1.0" encoding="utf-8"?>
 <p:sld xmlns:a="http://schemas.openxmlformats.org/drawingml/2006/main" xmlns:r="http://schemas.openxmlformats.org/officeDocument/2006/relationships" xmlns:p="http://schemas.openxmlformats.org/presentationml/2006/main">
   <p:cSld>
     <p:spTree>
@@ -21216,10 +18211,10 @@
               <a:buNone/>
             </a:pPr>
             <a:r>
-              <a:rPr lang="en-US"/>
-              <a:t>Modeling</a:t>
+              <a:rPr lang="en-US" dirty="0" smtClean="0"/>
+              <a:t>Data Modeling</a:t>
             </a:r>
-            <a:endParaRPr/>
+            <a:endParaRPr dirty="0"/>
           </a:p>
         </p:txBody>
       </p:sp>
@@ -21263,312 +18258,6 @@
             </a:pPr>
             <a:fld id="{00000000-1234-1234-1234-123412341234}" type="slidenum">
               <a:rPr lang="en-US"/>
-              <a:t>16</a:t>
-            </a:fld>
-            <a:endParaRPr/>
-          </a:p>
-        </p:txBody>
-      </p:sp>
-      <p:pic>
-        <p:nvPicPr>
-          <p:cNvPr id="370" name="Google Shape;370;g17249ec79ef_1_93"/>
-          <p:cNvPicPr preferRelativeResize="0"/>
-          <p:nvPr/>
-        </p:nvPicPr>
-        <p:blipFill>
-          <a:blip r:embed="rId3">
-            <a:alphaModFix/>
-          </a:blip>
-          <a:stretch>
-            <a:fillRect/>
-          </a:stretch>
-        </p:blipFill>
-        <p:spPr>
-          <a:xfrm>
-            <a:off x="1975301" y="1581250"/>
-            <a:ext cx="8241399" cy="5140200"/>
-          </a:xfrm>
-          <a:prstGeom prst="rect">
-            <a:avLst/>
-          </a:prstGeom>
-          <a:noFill/>
-          <a:ln>
-            <a:noFill/>
-          </a:ln>
-        </p:spPr>
-      </p:pic>
-    </p:spTree>
-  </p:cSld>
-  <p:clrMapOvr>
-    <a:masterClrMapping/>
-  </p:clrMapOvr>
-</p:sld>
-</file>
-
-<file path=ppt/slides/slide17.xml><?xml version="1.0" encoding="utf-8"?>
-<p:sld xmlns:a="http://schemas.openxmlformats.org/drawingml/2006/main" xmlns:r="http://schemas.openxmlformats.org/officeDocument/2006/relationships" xmlns:p="http://schemas.openxmlformats.org/presentationml/2006/main">
-  <p:cSld>
-    <p:spTree>
-      <p:nvGrpSpPr>
-        <p:cNvPr id="1" name="Shape 374"/>
-        <p:cNvGrpSpPr/>
-        <p:nvPr/>
-      </p:nvGrpSpPr>
-      <p:grpSpPr>
-        <a:xfrm>
-          <a:off x="0" y="0"/>
-          <a:ext cx="0" cy="0"/>
-          <a:chOff x="0" y="0"/>
-          <a:chExt cx="0" cy="0"/>
-        </a:xfrm>
-      </p:grpSpPr>
-      <p:sp>
-        <p:nvSpPr>
-          <p:cNvPr id="375" name="Google Shape;375;g17249ec79ef_1_101"/>
-          <p:cNvSpPr txBox="1">
-            <a:spLocks noGrp="1"/>
-          </p:cNvSpPr>
-          <p:nvPr>
-            <p:ph type="title"/>
-          </p:nvPr>
-        </p:nvSpPr>
-        <p:spPr>
-          <a:xfrm>
-            <a:off x="289342" y="255550"/>
-            <a:ext cx="9779100" cy="1325700"/>
-          </a:xfrm>
-          <a:prstGeom prst="rect">
-            <a:avLst/>
-          </a:prstGeom>
-          <a:noFill/>
-          <a:ln>
-            <a:noFill/>
-          </a:ln>
-        </p:spPr>
-        <p:txBody>
-          <a:bodyPr spcFirstLastPara="1" wrap="square" lIns="91425" tIns="45700" rIns="91425" bIns="45700" anchor="b" anchorCtr="0">
-            <a:noAutofit/>
-          </a:bodyPr>
-          <a:lstStyle/>
-          <a:p>
-            <a:pPr marL="0" lvl="0" indent="0" algn="l" rtl="0">
-              <a:lnSpc>
-                <a:spcPct val="90000"/>
-              </a:lnSpc>
-              <a:spcBef>
-                <a:spcPts val="0"/>
-              </a:spcBef>
-              <a:spcAft>
-                <a:spcPts val="0"/>
-              </a:spcAft>
-              <a:buClr>
-                <a:schemeClr val="dk1"/>
-              </a:buClr>
-              <a:buSzPts val="4800"/>
-              <a:buFont typeface="Arial"/>
-              <a:buNone/>
-            </a:pPr>
-            <a:r>
-              <a:rPr lang="en-US"/>
-              <a:t>Evaluation</a:t>
-            </a:r>
-            <a:endParaRPr/>
-          </a:p>
-        </p:txBody>
-      </p:sp>
-      <p:sp>
-        <p:nvSpPr>
-          <p:cNvPr id="376" name="Google Shape;376;g17249ec79ef_1_101"/>
-          <p:cNvSpPr txBox="1">
-            <a:spLocks noGrp="1"/>
-          </p:cNvSpPr>
-          <p:nvPr>
-            <p:ph type="sldNum" idx="12"/>
-          </p:nvPr>
-        </p:nvSpPr>
-        <p:spPr>
-          <a:xfrm>
-            <a:off x="10153276" y="6356350"/>
-            <a:ext cx="1657800" cy="365100"/>
-          </a:xfrm>
-          <a:prstGeom prst="rect">
-            <a:avLst/>
-          </a:prstGeom>
-          <a:noFill/>
-          <a:ln>
-            <a:noFill/>
-          </a:ln>
-        </p:spPr>
-        <p:txBody>
-          <a:bodyPr spcFirstLastPara="1" wrap="square" lIns="91425" tIns="45700" rIns="91425" bIns="45700" anchor="ctr" anchorCtr="0">
-            <a:noAutofit/>
-          </a:bodyPr>
-          <a:lstStyle/>
-          <a:p>
-            <a:pPr marL="0" lvl="0" indent="0" algn="r" rtl="0">
-              <a:spcBef>
-                <a:spcPts val="0"/>
-              </a:spcBef>
-              <a:spcAft>
-                <a:spcPts val="0"/>
-              </a:spcAft>
-              <a:buNone/>
-            </a:pPr>
-            <a:fld id="{00000000-1234-1234-1234-123412341234}" type="slidenum">
-              <a:rPr lang="en-US"/>
-              <a:t>17</a:t>
-            </a:fld>
-            <a:endParaRPr/>
-          </a:p>
-        </p:txBody>
-      </p:sp>
-      <p:pic>
-        <p:nvPicPr>
-          <p:cNvPr id="377" name="Google Shape;377;g17249ec79ef_1_101"/>
-          <p:cNvPicPr preferRelativeResize="0"/>
-          <p:nvPr/>
-        </p:nvPicPr>
-        <p:blipFill>
-          <a:blip r:embed="rId3">
-            <a:alphaModFix/>
-          </a:blip>
-          <a:stretch>
-            <a:fillRect/>
-          </a:stretch>
-        </p:blipFill>
-        <p:spPr>
-          <a:xfrm>
-            <a:off x="1947100" y="1581250"/>
-            <a:ext cx="8297798" cy="5140201"/>
-          </a:xfrm>
-          <a:prstGeom prst="rect">
-            <a:avLst/>
-          </a:prstGeom>
-          <a:noFill/>
-          <a:ln>
-            <a:noFill/>
-          </a:ln>
-        </p:spPr>
-      </p:pic>
-    </p:spTree>
-  </p:cSld>
-  <p:clrMapOvr>
-    <a:masterClrMapping/>
-  </p:clrMapOvr>
-</p:sld>
-</file>
-
-<file path=ppt/slides/slide18.xml><?xml version="1.0" encoding="utf-8"?>
-<p:sld xmlns:a="http://schemas.openxmlformats.org/drawingml/2006/main" xmlns:r="http://schemas.openxmlformats.org/officeDocument/2006/relationships" xmlns:p="http://schemas.openxmlformats.org/presentationml/2006/main">
-  <p:cSld>
-    <p:spTree>
-      <p:nvGrpSpPr>
-        <p:cNvPr id="1" name="Shape 381"/>
-        <p:cNvGrpSpPr/>
-        <p:nvPr/>
-      </p:nvGrpSpPr>
-      <p:grpSpPr>
-        <a:xfrm>
-          <a:off x="0" y="0"/>
-          <a:ext cx="0" cy="0"/>
-          <a:chOff x="0" y="0"/>
-          <a:chExt cx="0" cy="0"/>
-        </a:xfrm>
-      </p:grpSpPr>
-      <p:sp>
-        <p:nvSpPr>
-          <p:cNvPr id="382" name="Google Shape;382;g17249ec79ef_1_112"/>
-          <p:cNvSpPr txBox="1">
-            <a:spLocks noGrp="1"/>
-          </p:cNvSpPr>
-          <p:nvPr>
-            <p:ph type="title"/>
-          </p:nvPr>
-        </p:nvSpPr>
-        <p:spPr>
-          <a:xfrm>
-            <a:off x="289342" y="255550"/>
-            <a:ext cx="9779100" cy="1325700"/>
-          </a:xfrm>
-          <a:prstGeom prst="rect">
-            <a:avLst/>
-          </a:prstGeom>
-          <a:noFill/>
-          <a:ln>
-            <a:noFill/>
-          </a:ln>
-        </p:spPr>
-        <p:txBody>
-          <a:bodyPr spcFirstLastPara="1" wrap="square" lIns="91425" tIns="45700" rIns="91425" bIns="45700" anchor="b" anchorCtr="0">
-            <a:noAutofit/>
-          </a:bodyPr>
-          <a:lstStyle/>
-          <a:p>
-            <a:pPr marL="0" lvl="0" indent="0" algn="l" rtl="0">
-              <a:lnSpc>
-                <a:spcPct val="90000"/>
-              </a:lnSpc>
-              <a:spcBef>
-                <a:spcPts val="0"/>
-              </a:spcBef>
-              <a:spcAft>
-                <a:spcPts val="0"/>
-              </a:spcAft>
-              <a:buClr>
-                <a:schemeClr val="dk1"/>
-              </a:buClr>
-              <a:buSzPts val="4800"/>
-              <a:buFont typeface="Arial"/>
-              <a:buNone/>
-            </a:pPr>
-            <a:r>
-              <a:rPr lang="en-US"/>
-              <a:t>Improvement</a:t>
-            </a:r>
-            <a:endParaRPr/>
-          </a:p>
-        </p:txBody>
-      </p:sp>
-      <p:sp>
-        <p:nvSpPr>
-          <p:cNvPr id="383" name="Google Shape;383;g17249ec79ef_1_112"/>
-          <p:cNvSpPr txBox="1">
-            <a:spLocks noGrp="1"/>
-          </p:cNvSpPr>
-          <p:nvPr>
-            <p:ph type="sldNum" idx="12"/>
-          </p:nvPr>
-        </p:nvSpPr>
-        <p:spPr>
-          <a:xfrm>
-            <a:off x="10153276" y="6356350"/>
-            <a:ext cx="1657800" cy="365100"/>
-          </a:xfrm>
-          <a:prstGeom prst="rect">
-            <a:avLst/>
-          </a:prstGeom>
-          <a:noFill/>
-          <a:ln>
-            <a:noFill/>
-          </a:ln>
-        </p:spPr>
-        <p:txBody>
-          <a:bodyPr spcFirstLastPara="1" wrap="square" lIns="91425" tIns="45700" rIns="91425" bIns="45700" anchor="ctr" anchorCtr="0">
-            <a:noAutofit/>
-          </a:bodyPr>
-          <a:lstStyle/>
-          <a:p>
-            <a:pPr marL="0" lvl="0" indent="0" algn="r" rtl="0">
-              <a:spcBef>
-                <a:spcPts val="0"/>
-              </a:spcBef>
-              <a:spcAft>
-                <a:spcPts val="0"/>
-              </a:spcAft>
-              <a:buNone/>
-            </a:pPr>
-            <a:fld id="{00000000-1234-1234-1234-123412341234}" type="slidenum">
-              <a:rPr lang="en-US"/>
               <a:t>18</a:t>
             </a:fld>
             <a:endParaRPr/>
@@ -21577,13 +18266,19 @@
       </p:sp>
       <p:pic>
         <p:nvPicPr>
-          <p:cNvPr id="384" name="Google Shape;384;g17249ec79ef_1_112"/>
-          <p:cNvPicPr preferRelativeResize="0"/>
+          <p:cNvPr id="2" name="Picture 1"/>
+          <p:cNvPicPr>
+            <a:picLocks noChangeAspect="1"/>
+          </p:cNvPicPr>
           <p:nvPr/>
         </p:nvPicPr>
         <p:blipFill>
           <a:blip r:embed="rId3">
-            <a:alphaModFix/>
+            <a:extLst>
+              <a:ext uri="{28A0092B-C50C-407E-A947-70E740481C1C}">
+                <a14:useLocalDpi xmlns:a14="http://schemas.microsoft.com/office/drawing/2010/main" val="0"/>
+              </a:ext>
+            </a:extLst>
           </a:blip>
           <a:stretch>
             <a:fillRect/>
@@ -21591,16 +18286,12 @@
         </p:blipFill>
         <p:spPr>
           <a:xfrm>
-            <a:off x="1927800" y="1581250"/>
-            <a:ext cx="8336389" cy="4971950"/>
+            <a:off x="1974715" y="1581250"/>
+            <a:ext cx="8178561" cy="5140200"/>
           </a:xfrm>
           <a:prstGeom prst="rect">
             <a:avLst/>
           </a:prstGeom>
-          <a:noFill/>
-          <a:ln>
-            <a:noFill/>
-          </a:ln>
         </p:spPr>
       </p:pic>
     </p:spTree>
@@ -21695,7 +18386,7 @@
   <p:cSld>
     <p:spTree>
       <p:nvGrpSpPr>
-        <p:cNvPr id="1" name="Shape 241"/>
+        <p:cNvPr id="1" name="Shape 253"/>
         <p:cNvGrpSpPr/>
         <p:nvPr/>
       </p:nvGrpSpPr>
@@ -21709,7 +18400,7 @@
       </p:grpSpPr>
       <p:sp>
         <p:nvSpPr>
-          <p:cNvPr id="242" name="Google Shape;242;p5"/>
+          <p:cNvPr id="254" name="Google Shape;254;g17249ec79ef_1_8"/>
           <p:cNvSpPr txBox="1">
             <a:spLocks noGrp="1"/>
           </p:cNvSpPr>
@@ -21720,159 +18411,6 @@
         <p:spPr>
           <a:xfrm>
             <a:off x="1167492" y="381000"/>
-            <a:ext cx="9779183" cy="1325563"/>
-          </a:xfrm>
-          <a:prstGeom prst="rect">
-            <a:avLst/>
-          </a:prstGeom>
-          <a:noFill/>
-          <a:ln>
-            <a:noFill/>
-          </a:ln>
-        </p:spPr>
-        <p:txBody>
-          <a:bodyPr spcFirstLastPara="1" wrap="square" lIns="91425" tIns="45700" rIns="91425" bIns="45700" anchor="b" anchorCtr="0">
-            <a:noAutofit/>
-          </a:bodyPr>
-          <a:lstStyle/>
-          <a:p>
-            <a:pPr marL="0" lvl="0" indent="0" algn="l" rtl="0">
-              <a:lnSpc>
-                <a:spcPct val="90000"/>
-              </a:lnSpc>
-              <a:spcBef>
-                <a:spcPts val="0"/>
-              </a:spcBef>
-              <a:spcAft>
-                <a:spcPts val="0"/>
-              </a:spcAft>
-              <a:buClr>
-                <a:schemeClr val="dk1"/>
-              </a:buClr>
-              <a:buSzPts val="4800"/>
-              <a:buFont typeface="Arial"/>
-              <a:buNone/>
-            </a:pPr>
-            <a:r>
-              <a:rPr lang="en-US"/>
-              <a:t>Problem Definition</a:t>
-            </a:r>
-            <a:endParaRPr/>
-          </a:p>
-        </p:txBody>
-      </p:sp>
-      <p:sp>
-        <p:nvSpPr>
-          <p:cNvPr id="243" name="Google Shape;243;p5"/>
-          <p:cNvSpPr txBox="1">
-            <a:spLocks noGrp="1"/>
-          </p:cNvSpPr>
-          <p:nvPr>
-            <p:ph type="sldNum" idx="12"/>
-          </p:nvPr>
-        </p:nvSpPr>
-        <p:spPr>
-          <a:xfrm>
-            <a:off x="10153276" y="6356350"/>
-            <a:ext cx="1657723" cy="365125"/>
-          </a:xfrm>
-          <a:prstGeom prst="rect">
-            <a:avLst/>
-          </a:prstGeom>
-          <a:noFill/>
-          <a:ln>
-            <a:noFill/>
-          </a:ln>
-        </p:spPr>
-        <p:txBody>
-          <a:bodyPr spcFirstLastPara="1" wrap="square" lIns="91425" tIns="45700" rIns="91425" bIns="45700" anchor="ctr" anchorCtr="0">
-            <a:noAutofit/>
-          </a:bodyPr>
-          <a:lstStyle/>
-          <a:p>
-            <a:pPr marL="0" lvl="0" indent="0" algn="r" rtl="0">
-              <a:spcBef>
-                <a:spcPts val="0"/>
-              </a:spcBef>
-              <a:spcAft>
-                <a:spcPts val="0"/>
-              </a:spcAft>
-              <a:buNone/>
-            </a:pPr>
-            <a:fld id="{00000000-1234-1234-1234-123412341234}" type="slidenum">
-              <a:rPr lang="en-US"/>
-              <a:t>2</a:t>
-            </a:fld>
-            <a:endParaRPr/>
-          </a:p>
-        </p:txBody>
-      </p:sp>
-      <p:pic>
-        <p:nvPicPr>
-          <p:cNvPr id="244" name="Google Shape;244;p5"/>
-          <p:cNvPicPr preferRelativeResize="0"/>
-          <p:nvPr/>
-        </p:nvPicPr>
-        <p:blipFill>
-          <a:blip r:embed="rId3">
-            <a:alphaModFix/>
-          </a:blip>
-          <a:stretch>
-            <a:fillRect/>
-          </a:stretch>
-        </p:blipFill>
-        <p:spPr>
-          <a:xfrm>
-            <a:off x="1281588" y="1706563"/>
-            <a:ext cx="10009837" cy="4344987"/>
-          </a:xfrm>
-          <a:prstGeom prst="rect">
-            <a:avLst/>
-          </a:prstGeom>
-          <a:noFill/>
-          <a:ln>
-            <a:noFill/>
-          </a:ln>
-        </p:spPr>
-      </p:pic>
-    </p:spTree>
-  </p:cSld>
-  <p:clrMapOvr>
-    <a:masterClrMapping/>
-  </p:clrMapOvr>
-</p:sld>
-</file>
-
-<file path=ppt/slides/slide20.xml><?xml version="1.0" encoding="utf-8"?>
-<p:sld xmlns:a="http://schemas.openxmlformats.org/drawingml/2006/main" xmlns:r="http://schemas.openxmlformats.org/officeDocument/2006/relationships" xmlns:p="http://schemas.openxmlformats.org/presentationml/2006/main">
-  <p:cSld>
-    <p:spTree>
-      <p:nvGrpSpPr>
-        <p:cNvPr id="1" name="Shape 393"/>
-        <p:cNvGrpSpPr/>
-        <p:nvPr/>
-      </p:nvGrpSpPr>
-      <p:grpSpPr>
-        <a:xfrm>
-          <a:off x="0" y="0"/>
-          <a:ext cx="0" cy="0"/>
-          <a:chOff x="0" y="0"/>
-          <a:chExt cx="0" cy="0"/>
-        </a:xfrm>
-      </p:grpSpPr>
-      <p:sp>
-        <p:nvSpPr>
-          <p:cNvPr id="394" name="Google Shape;394;g172b55bd729_0_29"/>
-          <p:cNvSpPr txBox="1">
-            <a:spLocks noGrp="1"/>
-          </p:cNvSpPr>
-          <p:nvPr>
-            <p:ph type="title"/>
-          </p:nvPr>
-        </p:nvSpPr>
-        <p:spPr>
-          <a:xfrm>
-            <a:off x="1167492" y="0"/>
             <a:ext cx="9779100" cy="1325700"/>
           </a:xfrm>
           <a:prstGeom prst="rect">
@@ -21907,16 +18445,16 @@
               <a:buNone/>
             </a:pPr>
             <a:r>
-              <a:rPr lang="en-US"/>
-              <a:t>Results (ML)</a:t>
+              <a:rPr lang="en-US" dirty="0" smtClean="0"/>
+              <a:t>Dataset</a:t>
             </a:r>
-            <a:endParaRPr/>
+            <a:endParaRPr dirty="0"/>
           </a:p>
         </p:txBody>
       </p:sp>
       <p:sp>
         <p:nvSpPr>
-          <p:cNvPr id="395" name="Google Shape;395;g172b55bd729_0_29"/>
+          <p:cNvPr id="255" name="Google Shape;255;g17249ec79ef_1_8"/>
           <p:cNvSpPr txBox="1">
             <a:spLocks noGrp="1"/>
           </p:cNvSpPr>
@@ -21954,29 +18492,22 @@
             </a:pPr>
             <a:fld id="{00000000-1234-1234-1234-123412341234}" type="slidenum">
               <a:rPr lang="en-US"/>
-              <a:t>20</a:t>
+              <a:t>2</a:t>
             </a:fld>
             <a:endParaRPr/>
           </a:p>
         </p:txBody>
       </p:sp>
-      <p:pic>
-        <p:nvPicPr>
-          <p:cNvPr id="399" name="Google Shape;399;g172b55bd729_0_29"/>
-          <p:cNvPicPr preferRelativeResize="0"/>
+      <p:sp>
+        <p:nvSpPr>
+          <p:cNvPr id="256" name="Google Shape;256;g17249ec79ef_1_8"/>
+          <p:cNvSpPr txBox="1"/>
           <p:nvPr/>
-        </p:nvPicPr>
-        <p:blipFill rotWithShape="1">
-          <a:blip r:embed="rId3">
-            <a:alphaModFix/>
-          </a:blip>
-          <a:srcRect t="989" b="999"/>
-          <a:stretch/>
-        </p:blipFill>
+        </p:nvSpPr>
         <p:spPr>
           <a:xfrm>
-            <a:off x="113175" y="1989100"/>
-            <a:ext cx="5641051" cy="4634500"/>
+            <a:off x="1167492" y="1930965"/>
+            <a:ext cx="9779100" cy="4201120"/>
           </a:xfrm>
           <a:prstGeom prst="rect">
             <a:avLst/>
@@ -21986,46 +18517,254 @@
             <a:noFill/>
           </a:ln>
         </p:spPr>
-      </p:pic>
-      <p:sp>
-        <p:nvSpPr>
-          <p:cNvPr id="2" name="Text Placeholder 1"/>
-          <p:cNvSpPr>
-            <a:spLocks noGrp="1"/>
-          </p:cNvSpPr>
-          <p:nvPr>
-            <p:ph type="body" idx="4"/>
-          </p:nvPr>
-        </p:nvSpPr>
-        <p:spPr/>
         <p:txBody>
-          <a:bodyPr/>
+          <a:bodyPr spcFirstLastPara="1" wrap="square" lIns="91425" tIns="91425" rIns="91425" bIns="91425" anchor="t" anchorCtr="0">
+            <a:spAutoFit/>
+          </a:bodyPr>
           <a:lstStyle/>
           <a:p>
-            <a:endParaRPr lang="en-US"/>
+            <a:pPr marL="457200" lvl="0" indent="-349250">
+              <a:lnSpc>
+                <a:spcPct val="150000"/>
+              </a:lnSpc>
+              <a:buClr>
+                <a:schemeClr val="dk1"/>
+              </a:buClr>
+              <a:buSzPts val="1900"/>
+              <a:buFont typeface="Arial"/>
+              <a:buChar char="●"/>
+            </a:pPr>
+            <a:r>
+              <a:rPr lang="en-US" sz="1900" dirty="0" smtClean="0">
+                <a:solidFill>
+                  <a:schemeClr val="dk1"/>
+                </a:solidFill>
+              </a:rPr>
+              <a:t>Scraped </a:t>
+            </a:r>
+            <a:r>
+              <a:rPr lang="en-US" sz="1900" dirty="0">
+                <a:solidFill>
+                  <a:schemeClr val="dk1"/>
+                </a:solidFill>
+              </a:rPr>
+              <a:t>using </a:t>
+            </a:r>
+            <a:r>
+              <a:rPr lang="en-US" sz="1900" dirty="0" err="1">
+                <a:solidFill>
+                  <a:schemeClr val="dk1"/>
+                </a:solidFill>
+              </a:rPr>
+              <a:t>Tweepy</a:t>
+            </a:r>
+            <a:r>
+              <a:rPr lang="en-US" sz="1900" dirty="0">
+                <a:solidFill>
+                  <a:schemeClr val="dk1"/>
+                </a:solidFill>
+              </a:rPr>
+              <a:t> API for the purpose of working on the idea of tracking Mental Health from Social Media. </a:t>
+            </a:r>
+            <a:endParaRPr lang="en-US" sz="1900" dirty="0" smtClean="0">
+              <a:solidFill>
+                <a:schemeClr val="dk1"/>
+              </a:solidFill>
+            </a:endParaRPr>
           </a:p>
-        </p:txBody>
-      </p:sp>
-      <p:sp>
-        <p:nvSpPr>
-          <p:cNvPr id="3" name="Text Placeholder 2"/>
-          <p:cNvSpPr>
-            <a:spLocks noGrp="1"/>
-          </p:cNvSpPr>
-          <p:nvPr>
-            <p:ph type="body" idx="3"/>
-          </p:nvPr>
-        </p:nvSpPr>
-        <p:spPr/>
-        <p:txBody>
-          <a:bodyPr/>
-          <a:lstStyle/>
           <a:p>
-            <a:endParaRPr lang="en-US"/>
+            <a:pPr marL="457200" lvl="0" indent="-349250">
+              <a:lnSpc>
+                <a:spcPct val="150000"/>
+              </a:lnSpc>
+              <a:buClr>
+                <a:schemeClr val="dk1"/>
+              </a:buClr>
+              <a:buSzPts val="1900"/>
+              <a:buFont typeface="Arial"/>
+              <a:buChar char="●"/>
+            </a:pPr>
+            <a:r>
+              <a:rPr lang="en-US" sz="1900" dirty="0" smtClean="0">
+                <a:solidFill>
+                  <a:schemeClr val="dk1"/>
+                </a:solidFill>
+              </a:rPr>
+              <a:t>Labeled based on expert studies in the mental health domain.</a:t>
+            </a:r>
+          </a:p>
+          <a:p>
+            <a:pPr marL="457200" lvl="0" indent="-349250">
+              <a:lnSpc>
+                <a:spcPct val="150000"/>
+              </a:lnSpc>
+              <a:buClr>
+                <a:schemeClr val="dk1"/>
+              </a:buClr>
+              <a:buSzPts val="1900"/>
+              <a:buFont typeface="Arial"/>
+              <a:buChar char="●"/>
+            </a:pPr>
+            <a:r>
+              <a:rPr lang="en-US" sz="1900" dirty="0" smtClean="0">
+                <a:solidFill>
+                  <a:schemeClr val="dk1"/>
+                </a:solidFill>
+              </a:rPr>
+              <a:t>Contained from 4 features: stress, lonely, anxiety, and normal.</a:t>
+            </a:r>
+          </a:p>
+          <a:p>
+            <a:pPr marL="457200" lvl="0" indent="-349250">
+              <a:lnSpc>
+                <a:spcPct val="150000"/>
+              </a:lnSpc>
+              <a:buClr>
+                <a:schemeClr val="dk1"/>
+              </a:buClr>
+              <a:buSzPts val="1900"/>
+              <a:buFont typeface="Arial"/>
+              <a:buChar char="●"/>
+            </a:pPr>
+            <a:r>
+              <a:rPr lang="en-US" sz="1900" dirty="0" smtClean="0">
+                <a:solidFill>
+                  <a:schemeClr val="dk1"/>
+                </a:solidFill>
+              </a:rPr>
+              <a:t>Found as cleaned dataset on</a:t>
+            </a:r>
+            <a:r>
+              <a:rPr lang="en-US" sz="1900" dirty="0">
+                <a:solidFill>
+                  <a:schemeClr val="dk1"/>
+                </a:solidFill>
+              </a:rPr>
+              <a:t>: </a:t>
+            </a:r>
+            <a:r>
+              <a:rPr lang="en-US" sz="1900" dirty="0">
+                <a:solidFill>
+                  <a:schemeClr val="dk1"/>
+                </a:solidFill>
+                <a:hlinkClick r:id="rId3"/>
+              </a:rPr>
+              <a:t>https://</a:t>
+            </a:r>
+            <a:r>
+              <a:rPr lang="en-US" sz="1900" dirty="0" smtClean="0">
+                <a:solidFill>
+                  <a:schemeClr val="dk1"/>
+                </a:solidFill>
+                <a:hlinkClick r:id="rId3"/>
+              </a:rPr>
+              <a:t>www.kaggle.com/datasets/arshkandroo/behavioural-tweets</a:t>
+            </a:r>
+            <a:r>
+              <a:rPr lang="en-US" sz="1900" dirty="0">
+                <a:solidFill>
+                  <a:schemeClr val="dk1"/>
+                </a:solidFill>
+              </a:rPr>
+              <a:t>,</a:t>
+            </a:r>
+            <a:r>
+              <a:rPr lang="en-US" sz="1900" dirty="0" smtClean="0">
+                <a:solidFill>
+                  <a:schemeClr val="dk1"/>
+                </a:solidFill>
+              </a:rPr>
+              <a:t> but </a:t>
+            </a:r>
+            <a:r>
+              <a:rPr lang="en-US" sz="1900" dirty="0">
+                <a:solidFill>
+                  <a:schemeClr val="dk1"/>
+                </a:solidFill>
+              </a:rPr>
+              <a:t>after contacting </a:t>
+            </a:r>
+            <a:r>
+              <a:rPr lang="en-US" sz="1900" dirty="0" smtClean="0">
+                <a:solidFill>
+                  <a:schemeClr val="dk1"/>
+                </a:solidFill>
+              </a:rPr>
+              <a:t>“</a:t>
+            </a:r>
+            <a:r>
+              <a:rPr lang="en-US" sz="1900" dirty="0" err="1" smtClean="0">
+                <a:solidFill>
+                  <a:schemeClr val="dk1"/>
+                </a:solidFill>
+              </a:rPr>
+              <a:t>Arsh</a:t>
+            </a:r>
+            <a:r>
+              <a:rPr lang="en-US" sz="1900" dirty="0" smtClean="0">
+                <a:solidFill>
+                  <a:schemeClr val="dk1"/>
+                </a:solidFill>
+              </a:rPr>
+              <a:t> </a:t>
+            </a:r>
+            <a:r>
+              <a:rPr lang="en-US" sz="1900" dirty="0" err="1" smtClean="0">
+                <a:solidFill>
+                  <a:schemeClr val="dk1"/>
+                </a:solidFill>
+              </a:rPr>
+              <a:t>Kandroo</a:t>
+            </a:r>
+            <a:r>
+              <a:rPr lang="en-US" sz="1900" dirty="0" smtClean="0">
+                <a:solidFill>
+                  <a:schemeClr val="dk1"/>
+                </a:solidFill>
+              </a:rPr>
+              <a:t>”, he sent me the dataset before cleaning. </a:t>
+            </a:r>
+          </a:p>
+          <a:p>
+            <a:pPr marL="457200" lvl="0" indent="-349250">
+              <a:lnSpc>
+                <a:spcPct val="150000"/>
+              </a:lnSpc>
+              <a:buClr>
+                <a:schemeClr val="dk1"/>
+              </a:buClr>
+              <a:buSzPts val="1900"/>
+              <a:buFont typeface="Arial"/>
+              <a:buChar char="●"/>
+            </a:pPr>
+            <a:endParaRPr lang="en-US" sz="1900" dirty="0" smtClean="0">
+              <a:solidFill>
+                <a:schemeClr val="dk1"/>
+              </a:solidFill>
+            </a:endParaRPr>
+          </a:p>
+          <a:p>
+            <a:pPr marL="457200" lvl="0" indent="-349250">
+              <a:lnSpc>
+                <a:spcPct val="150000"/>
+              </a:lnSpc>
+              <a:buClr>
+                <a:schemeClr val="dk1"/>
+              </a:buClr>
+              <a:buSzPts val="1900"/>
+              <a:buFont typeface="Arial"/>
+              <a:buChar char="●"/>
+            </a:pPr>
+            <a:endParaRPr sz="2200" dirty="0"/>
           </a:p>
         </p:txBody>
       </p:sp>
     </p:spTree>
+    <p:extLst>
+      <p:ext uri="{BB962C8B-B14F-4D97-AF65-F5344CB8AC3E}">
+        <p14:creationId xmlns:p14="http://schemas.microsoft.com/office/powerpoint/2010/main" val="1132765146"/>
+      </p:ext>
+    </p:extLst>
   </p:cSld>
   <p:clrMapOvr>
     <a:masterClrMapping/>
@@ -22033,12 +18772,12 @@
 </p:sld>
 </file>
 
-<file path=ppt/slides/slide21.xml><?xml version="1.0" encoding="utf-8"?>
+<file path=ppt/slides/slide20.xml><?xml version="1.0" encoding="utf-8"?>
 <p:sld xmlns:a="http://schemas.openxmlformats.org/drawingml/2006/main" xmlns:r="http://schemas.openxmlformats.org/officeDocument/2006/relationships" xmlns:p="http://schemas.openxmlformats.org/presentationml/2006/main">
   <p:cSld>
     <p:spTree>
       <p:nvGrpSpPr>
-        <p:cNvPr id="1" name="Shape 403"/>
+        <p:cNvPr id="1" name=""/>
         <p:cNvGrpSpPr/>
         <p:nvPr/>
       </p:nvGrpSpPr>
@@ -22052,7 +18791,1072 @@
       </p:grpSpPr>
       <p:sp>
         <p:nvSpPr>
-          <p:cNvPr id="404" name="Google Shape;404;g172a4a07427_1_16"/>
+          <p:cNvPr id="2" name="Title 1"/>
+          <p:cNvSpPr>
+            <a:spLocks noGrp="1"/>
+          </p:cNvSpPr>
+          <p:nvPr>
+            <p:ph type="title"/>
+          </p:nvPr>
+        </p:nvSpPr>
+        <p:spPr/>
+        <p:txBody>
+          <a:bodyPr/>
+          <a:lstStyle/>
+          <a:p>
+            <a:r>
+              <a:rPr lang="en-US" dirty="0"/>
+              <a:t>Results (</a:t>
+            </a:r>
+            <a:r>
+              <a:rPr lang="en-US" dirty="0" smtClean="0"/>
+              <a:t>Machine Learning)</a:t>
+            </a:r>
+            <a:endParaRPr lang="en-US" dirty="0"/>
+          </a:p>
+        </p:txBody>
+      </p:sp>
+      <p:sp>
+        <p:nvSpPr>
+          <p:cNvPr id="3" name="Text Placeholder 2"/>
+          <p:cNvSpPr>
+            <a:spLocks noGrp="1"/>
+          </p:cNvSpPr>
+          <p:nvPr>
+            <p:ph type="body" idx="1"/>
+          </p:nvPr>
+        </p:nvSpPr>
+        <p:spPr/>
+        <p:txBody>
+          <a:bodyPr/>
+          <a:lstStyle/>
+          <a:p>
+            <a:r>
+              <a:rPr lang="en-US" dirty="0" smtClean="0"/>
+              <a:t>Accuracy:  74.98%</a:t>
+            </a:r>
+          </a:p>
+          <a:p>
+            <a:r>
+              <a:rPr lang="en-US" dirty="0" smtClean="0"/>
+              <a:t>Classification report:</a:t>
+            </a:r>
+          </a:p>
+          <a:p>
+            <a:endParaRPr lang="en-US" dirty="0"/>
+          </a:p>
+        </p:txBody>
+      </p:sp>
+      <p:sp>
+        <p:nvSpPr>
+          <p:cNvPr id="4" name="Text Placeholder 3"/>
+          <p:cNvSpPr>
+            <a:spLocks noGrp="1"/>
+          </p:cNvSpPr>
+          <p:nvPr>
+            <p:ph type="body" idx="2"/>
+          </p:nvPr>
+        </p:nvSpPr>
+        <p:spPr/>
+        <p:txBody>
+          <a:bodyPr/>
+          <a:lstStyle/>
+          <a:p>
+            <a:r>
+              <a:rPr lang="en-US" dirty="0"/>
+              <a:t>Accuracy:  73.81%</a:t>
+            </a:r>
+          </a:p>
+          <a:p>
+            <a:r>
+              <a:rPr lang="en-US" dirty="0"/>
+              <a:t>Classification report:</a:t>
+            </a:r>
+          </a:p>
+          <a:p>
+            <a:endParaRPr lang="en-US" dirty="0"/>
+          </a:p>
+        </p:txBody>
+      </p:sp>
+      <p:sp>
+        <p:nvSpPr>
+          <p:cNvPr id="5" name="Text Placeholder 4"/>
+          <p:cNvSpPr>
+            <a:spLocks noGrp="1"/>
+          </p:cNvSpPr>
+          <p:nvPr>
+            <p:ph type="body" idx="3"/>
+          </p:nvPr>
+        </p:nvSpPr>
+        <p:spPr/>
+        <p:txBody>
+          <a:bodyPr/>
+          <a:lstStyle/>
+          <a:p>
+            <a:pPr algn="ctr"/>
+            <a:r>
+              <a:rPr lang="en-US" sz="2000" dirty="0" smtClean="0"/>
+              <a:t>Logistic Regression</a:t>
+            </a:r>
+            <a:endParaRPr lang="en-US" sz="2000" dirty="0"/>
+          </a:p>
+        </p:txBody>
+      </p:sp>
+      <p:sp>
+        <p:nvSpPr>
+          <p:cNvPr id="6" name="Text Placeholder 5"/>
+          <p:cNvSpPr>
+            <a:spLocks noGrp="1"/>
+          </p:cNvSpPr>
+          <p:nvPr>
+            <p:ph type="body" idx="4"/>
+          </p:nvPr>
+        </p:nvSpPr>
+        <p:spPr/>
+        <p:txBody>
+          <a:bodyPr/>
+          <a:lstStyle/>
+          <a:p>
+            <a:pPr algn="ctr"/>
+            <a:r>
+              <a:rPr lang="en-US" sz="2000" dirty="0" smtClean="0"/>
+              <a:t>Linear SVC</a:t>
+            </a:r>
+            <a:endParaRPr lang="en-US" sz="2000" dirty="0"/>
+          </a:p>
+        </p:txBody>
+      </p:sp>
+      <p:sp>
+        <p:nvSpPr>
+          <p:cNvPr id="7" name="Text Placeholder 6"/>
+          <p:cNvSpPr>
+            <a:spLocks noGrp="1"/>
+          </p:cNvSpPr>
+          <p:nvPr>
+            <p:ph type="body" idx="5"/>
+          </p:nvPr>
+        </p:nvSpPr>
+        <p:spPr/>
+        <p:txBody>
+          <a:bodyPr/>
+          <a:lstStyle/>
+          <a:p>
+            <a:r>
+              <a:rPr lang="en-US" dirty="0"/>
+              <a:t>Accuracy:  76.29%</a:t>
+            </a:r>
+          </a:p>
+          <a:p>
+            <a:r>
+              <a:rPr lang="en-US" dirty="0"/>
+              <a:t>Classification report:</a:t>
+            </a:r>
+          </a:p>
+          <a:p>
+            <a:endParaRPr lang="en-US" dirty="0"/>
+          </a:p>
+        </p:txBody>
+      </p:sp>
+      <p:sp>
+        <p:nvSpPr>
+          <p:cNvPr id="8" name="Text Placeholder 7"/>
+          <p:cNvSpPr>
+            <a:spLocks noGrp="1"/>
+          </p:cNvSpPr>
+          <p:nvPr>
+            <p:ph type="body" idx="6"/>
+          </p:nvPr>
+        </p:nvSpPr>
+        <p:spPr/>
+        <p:txBody>
+          <a:bodyPr/>
+          <a:lstStyle/>
+          <a:p>
+            <a:pPr algn="ctr"/>
+            <a:r>
+              <a:rPr lang="en-US" sz="2000" dirty="0" smtClean="0"/>
+              <a:t>Random Forest</a:t>
+            </a:r>
+            <a:endParaRPr lang="en-US" sz="2000" dirty="0"/>
+          </a:p>
+        </p:txBody>
+      </p:sp>
+      <p:sp>
+        <p:nvSpPr>
+          <p:cNvPr id="9" name="Slide Number Placeholder 8"/>
+          <p:cNvSpPr>
+            <a:spLocks noGrp="1"/>
+          </p:cNvSpPr>
+          <p:nvPr>
+            <p:ph type="sldNum" idx="12"/>
+          </p:nvPr>
+        </p:nvSpPr>
+        <p:spPr/>
+        <p:txBody>
+          <a:bodyPr/>
+          <a:lstStyle/>
+          <a:p>
+            <a:pPr marL="0" lvl="0" indent="0" algn="r" rtl="0">
+              <a:spcBef>
+                <a:spcPts val="0"/>
+              </a:spcBef>
+              <a:spcAft>
+                <a:spcPts val="0"/>
+              </a:spcAft>
+              <a:buNone/>
+            </a:pPr>
+            <a:fld id="{00000000-1234-1234-1234-123412341234}" type="slidenum">
+              <a:rPr lang="en-US" smtClean="0"/>
+              <a:t>20</a:t>
+            </a:fld>
+            <a:endParaRPr lang="en-US"/>
+          </a:p>
+        </p:txBody>
+      </p:sp>
+      <p:pic>
+        <p:nvPicPr>
+          <p:cNvPr id="11" name="Picture 10"/>
+          <p:cNvPicPr>
+            <a:picLocks noChangeAspect="1"/>
+          </p:cNvPicPr>
+          <p:nvPr/>
+        </p:nvPicPr>
+        <p:blipFill rotWithShape="1">
+          <a:blip r:embed="rId2">
+            <a:extLst>
+              <a:ext uri="{28A0092B-C50C-407E-A947-70E740481C1C}">
+                <a14:useLocalDpi xmlns:a14="http://schemas.microsoft.com/office/drawing/2010/main" val="0"/>
+              </a:ext>
+            </a:extLst>
+          </a:blip>
+          <a:srcRect t="2830"/>
+          <a:stretch/>
+        </p:blipFill>
+        <p:spPr>
+          <a:xfrm>
+            <a:off x="1122026" y="3565080"/>
+            <a:ext cx="3309618" cy="1568208"/>
+          </a:xfrm>
+          <a:prstGeom prst="rect">
+            <a:avLst/>
+          </a:prstGeom>
+        </p:spPr>
+      </p:pic>
+      <p:pic>
+        <p:nvPicPr>
+          <p:cNvPr id="13" name="Picture 12"/>
+          <p:cNvPicPr>
+            <a:picLocks noChangeAspect="1"/>
+          </p:cNvPicPr>
+          <p:nvPr/>
+        </p:nvPicPr>
+        <p:blipFill>
+          <a:blip r:embed="rId3">
+            <a:extLst>
+              <a:ext uri="{28A0092B-C50C-407E-A947-70E740481C1C}">
+                <a14:useLocalDpi xmlns:a14="http://schemas.microsoft.com/office/drawing/2010/main" val="0"/>
+              </a:ext>
+            </a:extLst>
+          </a:blip>
+          <a:stretch>
+            <a:fillRect/>
+          </a:stretch>
+        </p:blipFill>
+        <p:spPr>
+          <a:xfrm>
+            <a:off x="4716541" y="3565080"/>
+            <a:ext cx="3399654" cy="1568208"/>
+          </a:xfrm>
+          <a:prstGeom prst="rect">
+            <a:avLst/>
+          </a:prstGeom>
+        </p:spPr>
+      </p:pic>
+      <p:pic>
+        <p:nvPicPr>
+          <p:cNvPr id="14" name="Picture 13"/>
+          <p:cNvPicPr>
+            <a:picLocks noChangeAspect="1"/>
+          </p:cNvPicPr>
+          <p:nvPr/>
+        </p:nvPicPr>
+        <p:blipFill>
+          <a:blip r:embed="rId4">
+            <a:extLst>
+              <a:ext uri="{28A0092B-C50C-407E-A947-70E740481C1C}">
+                <a14:useLocalDpi xmlns:a14="http://schemas.microsoft.com/office/drawing/2010/main" val="0"/>
+              </a:ext>
+            </a:extLst>
+          </a:blip>
+          <a:stretch>
+            <a:fillRect/>
+          </a:stretch>
+        </p:blipFill>
+        <p:spPr>
+          <a:xfrm>
+            <a:off x="8232836" y="3527738"/>
+            <a:ext cx="3505428" cy="1605550"/>
+          </a:xfrm>
+          <a:prstGeom prst="rect">
+            <a:avLst/>
+          </a:prstGeom>
+        </p:spPr>
+      </p:pic>
+      <p:cxnSp>
+        <p:nvCxnSpPr>
+          <p:cNvPr id="16" name="Straight Connector 15"/>
+          <p:cNvCxnSpPr/>
+          <p:nvPr/>
+        </p:nvCxnSpPr>
+        <p:spPr>
+          <a:xfrm>
+            <a:off x="4683787" y="2003804"/>
+            <a:ext cx="1" cy="4854196"/>
+          </a:xfrm>
+          <a:prstGeom prst="line">
+            <a:avLst/>
+          </a:prstGeom>
+        </p:spPr>
+        <p:style>
+          <a:lnRef idx="1">
+            <a:schemeClr val="accent1"/>
+          </a:lnRef>
+          <a:fillRef idx="0">
+            <a:schemeClr val="accent1"/>
+          </a:fillRef>
+          <a:effectRef idx="0">
+            <a:schemeClr val="accent1"/>
+          </a:effectRef>
+          <a:fontRef idx="minor">
+            <a:schemeClr val="tx1"/>
+          </a:fontRef>
+        </p:style>
+      </p:cxnSp>
+      <p:cxnSp>
+        <p:nvCxnSpPr>
+          <p:cNvPr id="18" name="Straight Connector 17"/>
+          <p:cNvCxnSpPr/>
+          <p:nvPr/>
+        </p:nvCxnSpPr>
+        <p:spPr>
+          <a:xfrm>
+            <a:off x="8148947" y="2003804"/>
+            <a:ext cx="1" cy="4854196"/>
+          </a:xfrm>
+          <a:prstGeom prst="line">
+            <a:avLst/>
+          </a:prstGeom>
+        </p:spPr>
+        <p:style>
+          <a:lnRef idx="1">
+            <a:schemeClr val="accent1"/>
+          </a:lnRef>
+          <a:fillRef idx="0">
+            <a:schemeClr val="accent1"/>
+          </a:fillRef>
+          <a:effectRef idx="0">
+            <a:schemeClr val="accent1"/>
+          </a:effectRef>
+          <a:fontRef idx="minor">
+            <a:schemeClr val="tx1"/>
+          </a:fontRef>
+        </p:style>
+      </p:cxnSp>
+    </p:spTree>
+    <p:extLst>
+      <p:ext uri="{BB962C8B-B14F-4D97-AF65-F5344CB8AC3E}">
+        <p14:creationId xmlns:p14="http://schemas.microsoft.com/office/powerpoint/2010/main" val="2550356358"/>
+      </p:ext>
+    </p:extLst>
+  </p:cSld>
+  <p:clrMapOvr>
+    <a:masterClrMapping/>
+  </p:clrMapOvr>
+</p:sld>
+</file>
+
+<file path=ppt/slides/slide21.xml><?xml version="1.0" encoding="utf-8"?>
+<p:sld xmlns:a="http://schemas.openxmlformats.org/drawingml/2006/main" xmlns:r="http://schemas.openxmlformats.org/officeDocument/2006/relationships" xmlns:p="http://schemas.openxmlformats.org/presentationml/2006/main">
+  <p:cSld>
+    <p:spTree>
+      <p:nvGrpSpPr>
+        <p:cNvPr id="1" name=""/>
+        <p:cNvGrpSpPr/>
+        <p:nvPr/>
+      </p:nvGrpSpPr>
+      <p:grpSpPr>
+        <a:xfrm>
+          <a:off x="0" y="0"/>
+          <a:ext cx="0" cy="0"/>
+          <a:chOff x="0" y="0"/>
+          <a:chExt cx="0" cy="0"/>
+        </a:xfrm>
+      </p:grpSpPr>
+      <p:sp>
+        <p:nvSpPr>
+          <p:cNvPr id="2" name="Title 1"/>
+          <p:cNvSpPr>
+            <a:spLocks noGrp="1"/>
+          </p:cNvSpPr>
+          <p:nvPr>
+            <p:ph type="title"/>
+          </p:nvPr>
+        </p:nvSpPr>
+        <p:spPr/>
+        <p:txBody>
+          <a:bodyPr/>
+          <a:lstStyle/>
+          <a:p>
+            <a:r>
+              <a:rPr lang="en-US" dirty="0" smtClean="0"/>
+              <a:t>Results (ML - tuning)</a:t>
+            </a:r>
+            <a:endParaRPr lang="en-US" dirty="0"/>
+          </a:p>
+        </p:txBody>
+      </p:sp>
+      <p:sp>
+        <p:nvSpPr>
+          <p:cNvPr id="9" name="Slide Number Placeholder 8"/>
+          <p:cNvSpPr>
+            <a:spLocks noGrp="1"/>
+          </p:cNvSpPr>
+          <p:nvPr>
+            <p:ph type="sldNum" idx="12"/>
+          </p:nvPr>
+        </p:nvSpPr>
+        <p:spPr/>
+        <p:txBody>
+          <a:bodyPr/>
+          <a:lstStyle/>
+          <a:p>
+            <a:pPr lvl="0"/>
+            <a:fld id="{00000000-1234-1234-1234-123412341234}" type="slidenum">
+              <a:rPr lang="en-US" smtClean="0"/>
+              <a:pPr lvl="0"/>
+              <a:t>21</a:t>
+            </a:fld>
+            <a:endParaRPr lang="en-US"/>
+          </a:p>
+        </p:txBody>
+      </p:sp>
+      <p:sp>
+        <p:nvSpPr>
+          <p:cNvPr id="190" name="TextBox 189"/>
+          <p:cNvSpPr txBox="1"/>
+          <p:nvPr/>
+        </p:nvSpPr>
+        <p:spPr>
+          <a:xfrm>
+            <a:off x="1031304" y="1842750"/>
+            <a:ext cx="4659377" cy="2677656"/>
+          </a:xfrm>
+          <a:prstGeom prst="rect">
+            <a:avLst/>
+          </a:prstGeom>
+          <a:noFill/>
+        </p:spPr>
+        <p:txBody>
+          <a:bodyPr wrap="square" rtlCol="0">
+            <a:spAutoFit/>
+          </a:bodyPr>
+          <a:lstStyle/>
+          <a:p>
+            <a:r>
+              <a:rPr lang="en-US" sz="2400" dirty="0" smtClean="0"/>
+              <a:t>In the logistic regression: tune the C value, and the solver using </a:t>
+            </a:r>
+            <a:r>
+              <a:rPr lang="en-US" sz="2400" dirty="0" err="1" smtClean="0"/>
+              <a:t>Gridsearch</a:t>
+            </a:r>
+            <a:r>
+              <a:rPr lang="en-US" sz="2400" dirty="0" smtClean="0"/>
+              <a:t> method.</a:t>
+            </a:r>
+          </a:p>
+          <a:p>
+            <a:r>
+              <a:rPr lang="en-US" sz="2400" dirty="0" smtClean="0"/>
+              <a:t>Accuracy</a:t>
+            </a:r>
+            <a:r>
+              <a:rPr lang="en-US" sz="2400" dirty="0"/>
+              <a:t>: </a:t>
+            </a:r>
+            <a:r>
+              <a:rPr lang="en-US" sz="2400" dirty="0" smtClean="0"/>
+              <a:t>74.89%</a:t>
+            </a:r>
+          </a:p>
+          <a:p>
+            <a:r>
+              <a:rPr lang="en-US" sz="2400" dirty="0" smtClean="0"/>
+              <a:t>Classification report:</a:t>
+            </a:r>
+          </a:p>
+          <a:p>
+            <a:endParaRPr lang="en-US" sz="2400" dirty="0" smtClean="0"/>
+          </a:p>
+          <a:p>
+            <a:endParaRPr lang="en-US" sz="2400" dirty="0" smtClean="0"/>
+          </a:p>
+        </p:txBody>
+      </p:sp>
+      <p:pic>
+        <p:nvPicPr>
+          <p:cNvPr id="4" name="Picture 3"/>
+          <p:cNvPicPr>
+            <a:picLocks noChangeAspect="1"/>
+          </p:cNvPicPr>
+          <p:nvPr/>
+        </p:nvPicPr>
+        <p:blipFill rotWithShape="1">
+          <a:blip r:embed="rId2">
+            <a:extLst>
+              <a:ext uri="{28A0092B-C50C-407E-A947-70E740481C1C}">
+                <a14:useLocalDpi xmlns:a14="http://schemas.microsoft.com/office/drawing/2010/main" val="0"/>
+              </a:ext>
+            </a:extLst>
+          </a:blip>
+          <a:srcRect t="22464"/>
+          <a:stretch/>
+        </p:blipFill>
+        <p:spPr>
+          <a:xfrm>
+            <a:off x="1242448" y="4017524"/>
+            <a:ext cx="4237087" cy="1766722"/>
+          </a:xfrm>
+          <a:prstGeom prst="rect">
+            <a:avLst/>
+          </a:prstGeom>
+        </p:spPr>
+      </p:pic>
+      <p:sp>
+        <p:nvSpPr>
+          <p:cNvPr id="7" name="TextBox 6"/>
+          <p:cNvSpPr txBox="1"/>
+          <p:nvPr/>
+        </p:nvSpPr>
+        <p:spPr>
+          <a:xfrm>
+            <a:off x="6611738" y="1842750"/>
+            <a:ext cx="4659377" cy="2677656"/>
+          </a:xfrm>
+          <a:prstGeom prst="rect">
+            <a:avLst/>
+          </a:prstGeom>
+          <a:noFill/>
+        </p:spPr>
+        <p:txBody>
+          <a:bodyPr wrap="square" rtlCol="0">
+            <a:spAutoFit/>
+          </a:bodyPr>
+          <a:lstStyle/>
+          <a:p>
+            <a:r>
+              <a:rPr lang="en-US" sz="2400" dirty="0" smtClean="0"/>
+              <a:t>In the linear SVC: tune the C value using </a:t>
+            </a:r>
+            <a:r>
+              <a:rPr lang="en-US" sz="2400" dirty="0" err="1" smtClean="0"/>
+              <a:t>Gridsearch</a:t>
+            </a:r>
+            <a:r>
+              <a:rPr lang="en-US" sz="2400" dirty="0" smtClean="0"/>
+              <a:t> method.</a:t>
+            </a:r>
+          </a:p>
+          <a:p>
+            <a:endParaRPr lang="en-US" sz="2400" dirty="0" smtClean="0"/>
+          </a:p>
+          <a:p>
+            <a:r>
+              <a:rPr lang="en-US" sz="2400" dirty="0" smtClean="0"/>
+              <a:t>Accuracy</a:t>
+            </a:r>
+            <a:r>
+              <a:rPr lang="en-US" sz="2400" dirty="0"/>
+              <a:t>: </a:t>
+            </a:r>
+            <a:r>
+              <a:rPr lang="en-US" sz="2400" dirty="0" smtClean="0"/>
+              <a:t>75.29</a:t>
+            </a:r>
+            <a:r>
+              <a:rPr lang="en-US" sz="2400" dirty="0"/>
+              <a:t>%</a:t>
+            </a:r>
+            <a:endParaRPr lang="en-US" sz="2400" dirty="0" smtClean="0"/>
+          </a:p>
+          <a:p>
+            <a:r>
+              <a:rPr lang="en-US" sz="2400" dirty="0" smtClean="0"/>
+              <a:t>Classification report:</a:t>
+            </a:r>
+          </a:p>
+          <a:p>
+            <a:endParaRPr lang="en-US" sz="2400" dirty="0" smtClean="0"/>
+          </a:p>
+          <a:p>
+            <a:endParaRPr lang="en-US" sz="2400" dirty="0" smtClean="0"/>
+          </a:p>
+        </p:txBody>
+      </p:sp>
+      <p:pic>
+        <p:nvPicPr>
+          <p:cNvPr id="8" name="Picture 7"/>
+          <p:cNvPicPr>
+            <a:picLocks noChangeAspect="1"/>
+          </p:cNvPicPr>
+          <p:nvPr/>
+        </p:nvPicPr>
+        <p:blipFill rotWithShape="1">
+          <a:blip r:embed="rId3">
+            <a:extLst>
+              <a:ext uri="{28A0092B-C50C-407E-A947-70E740481C1C}">
+                <a14:useLocalDpi xmlns:a14="http://schemas.microsoft.com/office/drawing/2010/main" val="0"/>
+              </a:ext>
+            </a:extLst>
+          </a:blip>
+          <a:srcRect t="17620"/>
+          <a:stretch/>
+        </p:blipFill>
+        <p:spPr>
+          <a:xfrm>
+            <a:off x="6695729" y="4017524"/>
+            <a:ext cx="4491393" cy="1766722"/>
+          </a:xfrm>
+          <a:prstGeom prst="rect">
+            <a:avLst/>
+          </a:prstGeom>
+        </p:spPr>
+      </p:pic>
+    </p:spTree>
+    <p:extLst>
+      <p:ext uri="{BB962C8B-B14F-4D97-AF65-F5344CB8AC3E}">
+        <p14:creationId xmlns:p14="http://schemas.microsoft.com/office/powerpoint/2010/main" val="1086247679"/>
+      </p:ext>
+    </p:extLst>
+  </p:cSld>
+  <p:clrMapOvr>
+    <a:masterClrMapping/>
+  </p:clrMapOvr>
+</p:sld>
+</file>
+
+<file path=ppt/slides/slide22.xml><?xml version="1.0" encoding="utf-8"?>
+<p:sld xmlns:a="http://schemas.openxmlformats.org/drawingml/2006/main" xmlns:r="http://schemas.openxmlformats.org/officeDocument/2006/relationships" xmlns:p="http://schemas.openxmlformats.org/presentationml/2006/main">
+  <p:cSld>
+    <p:spTree>
+      <p:nvGrpSpPr>
+        <p:cNvPr id="1" name=""/>
+        <p:cNvGrpSpPr/>
+        <p:nvPr/>
+      </p:nvGrpSpPr>
+      <p:grpSpPr>
+        <a:xfrm>
+          <a:off x="0" y="0"/>
+          <a:ext cx="0" cy="0"/>
+          <a:chOff x="0" y="0"/>
+          <a:chExt cx="0" cy="0"/>
+        </a:xfrm>
+      </p:grpSpPr>
+      <p:sp>
+        <p:nvSpPr>
+          <p:cNvPr id="2" name="Title 1"/>
+          <p:cNvSpPr>
+            <a:spLocks noGrp="1"/>
+          </p:cNvSpPr>
+          <p:nvPr>
+            <p:ph type="title"/>
+          </p:nvPr>
+        </p:nvSpPr>
+        <p:spPr/>
+        <p:txBody>
+          <a:bodyPr/>
+          <a:lstStyle/>
+          <a:p>
+            <a:r>
+              <a:rPr lang="en-US" smtClean="0"/>
+              <a:t>Results (Deep Learning)</a:t>
+            </a:r>
+            <a:endParaRPr lang="en-US" dirty="0"/>
+          </a:p>
+        </p:txBody>
+      </p:sp>
+      <p:sp>
+        <p:nvSpPr>
+          <p:cNvPr id="9" name="Slide Number Placeholder 8"/>
+          <p:cNvSpPr>
+            <a:spLocks noGrp="1"/>
+          </p:cNvSpPr>
+          <p:nvPr>
+            <p:ph type="sldNum" idx="12"/>
+          </p:nvPr>
+        </p:nvSpPr>
+        <p:spPr/>
+        <p:txBody>
+          <a:bodyPr/>
+          <a:lstStyle/>
+          <a:p>
+            <a:pPr lvl="0"/>
+            <a:fld id="{00000000-1234-1234-1234-123412341234}" type="slidenum">
+              <a:rPr lang="en-US" smtClean="0"/>
+              <a:pPr lvl="0"/>
+              <a:t>22</a:t>
+            </a:fld>
+            <a:endParaRPr lang="en-US"/>
+          </a:p>
+        </p:txBody>
+      </p:sp>
+      <p:sp>
+        <p:nvSpPr>
+          <p:cNvPr id="190" name="TextBox 189"/>
+          <p:cNvSpPr txBox="1"/>
+          <p:nvPr/>
+        </p:nvSpPr>
+        <p:spPr>
+          <a:xfrm>
+            <a:off x="1167492" y="2287014"/>
+            <a:ext cx="10340502" cy="3477875"/>
+          </a:xfrm>
+          <a:prstGeom prst="rect">
+            <a:avLst/>
+          </a:prstGeom>
+          <a:noFill/>
+        </p:spPr>
+        <p:txBody>
+          <a:bodyPr wrap="square" rtlCol="0">
+            <a:spAutoFit/>
+          </a:bodyPr>
+          <a:lstStyle/>
+          <a:p>
+            <a:pPr marL="285750" indent="-285750">
+              <a:buFont typeface="Arial" panose="020B0604020202020204" pitchFamily="34" charset="0"/>
+              <a:buChar char="•"/>
+            </a:pPr>
+            <a:r>
+              <a:rPr lang="en-US" sz="2000" dirty="0" smtClean="0"/>
+              <a:t>First trial using: 1 LSTM layer with training the model on batch </a:t>
+            </a:r>
+            <a:r>
+              <a:rPr lang="en-US" sz="2000" dirty="0"/>
+              <a:t>size = 64 </a:t>
+            </a:r>
+            <a:endParaRPr lang="en-US" sz="2000" dirty="0" smtClean="0"/>
+          </a:p>
+          <a:p>
+            <a:r>
+              <a:rPr lang="en-US" sz="2000" dirty="0"/>
+              <a:t>	</a:t>
+            </a:r>
+            <a:r>
+              <a:rPr lang="en-US" sz="2000" dirty="0" smtClean="0"/>
+              <a:t>Accuracy</a:t>
+            </a:r>
+            <a:r>
+              <a:rPr lang="en-US" sz="2000" dirty="0"/>
+              <a:t>: </a:t>
+            </a:r>
+            <a:r>
+              <a:rPr lang="en-US" sz="2000" dirty="0" smtClean="0"/>
+              <a:t>76.1%, </a:t>
+            </a:r>
+            <a:r>
+              <a:rPr lang="en-US" sz="2000" dirty="0"/>
+              <a:t>Loss: 0.686</a:t>
+            </a:r>
+          </a:p>
+          <a:p>
+            <a:pPr marL="285750" indent="-285750">
+              <a:buFont typeface="Arial" panose="020B0604020202020204" pitchFamily="34" charset="0"/>
+              <a:buChar char="•"/>
+            </a:pPr>
+            <a:r>
+              <a:rPr lang="en-US" sz="2000" dirty="0" smtClean="0"/>
+              <a:t>Second </a:t>
+            </a:r>
+            <a:r>
+              <a:rPr lang="en-US" sz="2000" dirty="0"/>
+              <a:t>trial using: 2 LSTM </a:t>
+            </a:r>
+            <a:r>
+              <a:rPr lang="en-US" sz="2000" dirty="0" smtClean="0"/>
+              <a:t>layers with </a:t>
+            </a:r>
+            <a:r>
+              <a:rPr lang="en-US" sz="2000" dirty="0"/>
+              <a:t>training the model on batch size = 64 </a:t>
+            </a:r>
+            <a:endParaRPr lang="en-US" sz="2000" dirty="0" smtClean="0"/>
+          </a:p>
+          <a:p>
+            <a:r>
+              <a:rPr lang="en-US" sz="2000" dirty="0" smtClean="0"/>
+              <a:t>	Accuracy</a:t>
+            </a:r>
+            <a:r>
+              <a:rPr lang="en-US" sz="2000" dirty="0"/>
+              <a:t>: </a:t>
+            </a:r>
+            <a:r>
+              <a:rPr lang="en-US" sz="2000" dirty="0" smtClean="0"/>
+              <a:t>74.4</a:t>
+            </a:r>
+            <a:r>
+              <a:rPr lang="en-US" sz="2000" dirty="0"/>
+              <a:t>%, Loss: </a:t>
+            </a:r>
+            <a:r>
+              <a:rPr lang="en-US" sz="2000" dirty="0" smtClean="0"/>
+              <a:t>1.150</a:t>
+            </a:r>
+          </a:p>
+          <a:p>
+            <a:pPr marL="285750" indent="-285750">
+              <a:buFont typeface="Arial" panose="020B0604020202020204" pitchFamily="34" charset="0"/>
+              <a:buChar char="•"/>
+            </a:pPr>
+            <a:r>
+              <a:rPr lang="en-US" sz="2000" dirty="0" smtClean="0"/>
+              <a:t>Third trial using</a:t>
+            </a:r>
+            <a:r>
+              <a:rPr lang="en-US" sz="2000" dirty="0"/>
+              <a:t>: 1 GRU layer with training the model on batch size = 64 </a:t>
+            </a:r>
+          </a:p>
+          <a:p>
+            <a:pPr lvl="2"/>
+            <a:r>
+              <a:rPr lang="en-US" sz="2000" dirty="0" smtClean="0"/>
+              <a:t>	</a:t>
+            </a:r>
+            <a:r>
+              <a:rPr lang="en-US" sz="2000" dirty="0"/>
+              <a:t>Accuracy: </a:t>
+            </a:r>
+            <a:r>
+              <a:rPr lang="en-US" sz="2000" dirty="0" smtClean="0"/>
+              <a:t>74.9</a:t>
+            </a:r>
+            <a:r>
+              <a:rPr lang="en-US" sz="2000" dirty="0"/>
+              <a:t>%, Loss: </a:t>
+            </a:r>
+            <a:r>
+              <a:rPr lang="en-US" sz="2000" dirty="0" smtClean="0"/>
+              <a:t>1.124</a:t>
+            </a:r>
+          </a:p>
+          <a:p>
+            <a:pPr marL="285750" lvl="2" indent="-285750">
+              <a:buFont typeface="Arial" panose="020B0604020202020204" pitchFamily="34" charset="0"/>
+              <a:buChar char="•"/>
+            </a:pPr>
+            <a:r>
+              <a:rPr lang="en-US" sz="2000" dirty="0" smtClean="0"/>
+              <a:t>Fourth </a:t>
+            </a:r>
+            <a:r>
+              <a:rPr lang="en-US" sz="2000" dirty="0"/>
+              <a:t>trial using: 2 GRU </a:t>
+            </a:r>
+            <a:r>
+              <a:rPr lang="en-US" sz="2000" dirty="0" smtClean="0"/>
+              <a:t>layers </a:t>
+            </a:r>
+            <a:r>
+              <a:rPr lang="en-US" sz="2000" dirty="0"/>
+              <a:t>with training the model on batch size = 64 </a:t>
+            </a:r>
+            <a:endParaRPr lang="en-US" sz="2000" dirty="0" smtClean="0"/>
+          </a:p>
+          <a:p>
+            <a:pPr lvl="4"/>
+            <a:r>
+              <a:rPr lang="en-US" sz="2000" dirty="0"/>
+              <a:t>	Accuracy: </a:t>
+            </a:r>
+            <a:r>
+              <a:rPr lang="en-US" sz="2000" dirty="0" smtClean="0"/>
+              <a:t>73.5</a:t>
+            </a:r>
+            <a:r>
+              <a:rPr lang="en-US" sz="2000" dirty="0"/>
+              <a:t>%, Loss: </a:t>
+            </a:r>
+            <a:r>
+              <a:rPr lang="en-US" sz="2000" dirty="0" smtClean="0"/>
+              <a:t>1.314</a:t>
+            </a:r>
+          </a:p>
+          <a:p>
+            <a:pPr marL="285750" lvl="4" indent="-285750">
+              <a:buFont typeface="Arial" panose="020B0604020202020204" pitchFamily="34" charset="0"/>
+              <a:buChar char="•"/>
+            </a:pPr>
+            <a:r>
+              <a:rPr lang="en-US" sz="2000" dirty="0" smtClean="0"/>
+              <a:t>Fifth trial using: </a:t>
+            </a:r>
+            <a:r>
+              <a:rPr lang="de-DE" sz="2000" dirty="0"/>
+              <a:t>1 GRU layer, 1 </a:t>
+            </a:r>
+            <a:r>
+              <a:rPr lang="de-DE" sz="2000" dirty="0" smtClean="0"/>
+              <a:t>LSTM layer </a:t>
+            </a:r>
+            <a:r>
+              <a:rPr lang="en-US" sz="2000" dirty="0"/>
+              <a:t>with training the model on batch size = 64 </a:t>
+            </a:r>
+            <a:endParaRPr lang="en-US" sz="2000" dirty="0" smtClean="0"/>
+          </a:p>
+          <a:p>
+            <a:pPr lvl="6"/>
+            <a:r>
+              <a:rPr lang="en-US" sz="2000" dirty="0" smtClean="0"/>
+              <a:t>	</a:t>
+            </a:r>
+            <a:r>
+              <a:rPr lang="en-US" sz="2000" dirty="0"/>
+              <a:t>Accuracy: </a:t>
+            </a:r>
+            <a:r>
+              <a:rPr lang="en-US" sz="2000" dirty="0" smtClean="0"/>
+              <a:t>74.4</a:t>
+            </a:r>
+            <a:r>
+              <a:rPr lang="en-US" sz="2000" dirty="0"/>
+              <a:t>%, Loss: 1.331</a:t>
+            </a:r>
+            <a:endParaRPr lang="en-US" sz="2000" dirty="0" smtClean="0"/>
+          </a:p>
+          <a:p>
+            <a:endParaRPr lang="en-US" sz="2000" dirty="0"/>
+          </a:p>
+        </p:txBody>
+      </p:sp>
+    </p:spTree>
+    <p:extLst>
+      <p:ext uri="{BB962C8B-B14F-4D97-AF65-F5344CB8AC3E}">
+        <p14:creationId xmlns:p14="http://schemas.microsoft.com/office/powerpoint/2010/main" val="2352243691"/>
+      </p:ext>
+    </p:extLst>
+  </p:cSld>
+  <p:clrMapOvr>
+    <a:masterClrMapping/>
+  </p:clrMapOvr>
+</p:sld>
+</file>
+
+<file path=ppt/slides/slide23.xml><?xml version="1.0" encoding="utf-8"?>
+<p:sld xmlns:a="http://schemas.openxmlformats.org/drawingml/2006/main" xmlns:r="http://schemas.openxmlformats.org/officeDocument/2006/relationships" xmlns:p="http://schemas.openxmlformats.org/presentationml/2006/main">
+  <p:cSld>
+    <p:spTree>
+      <p:nvGrpSpPr>
+        <p:cNvPr id="1" name="Shape 388"/>
+        <p:cNvGrpSpPr/>
+        <p:nvPr/>
+      </p:nvGrpSpPr>
+      <p:grpSpPr>
+        <a:xfrm>
+          <a:off x="0" y="0"/>
+          <a:ext cx="0" cy="0"/>
+          <a:chOff x="0" y="0"/>
+          <a:chExt cx="0" cy="0"/>
+        </a:xfrm>
+      </p:grpSpPr>
+      <p:sp>
+        <p:nvSpPr>
+          <p:cNvPr id="389" name="Google Shape;389;g179f15d0d29_0_2"/>
+          <p:cNvSpPr txBox="1">
+            <a:spLocks noGrp="1"/>
+          </p:cNvSpPr>
+          <p:nvPr>
+            <p:ph type="ctrTitle"/>
+          </p:nvPr>
+        </p:nvSpPr>
+        <p:spPr>
+          <a:xfrm>
+            <a:off x="595200" y="2235150"/>
+            <a:ext cx="7672500" cy="2387700"/>
+          </a:xfrm>
+          <a:prstGeom prst="rect">
+            <a:avLst/>
+          </a:prstGeom>
+          <a:noFill/>
+          <a:ln>
+            <a:noFill/>
+          </a:ln>
+        </p:spPr>
+        <p:txBody>
+          <a:bodyPr spcFirstLastPara="1" wrap="square" lIns="91425" tIns="45700" rIns="91425" bIns="45700" anchor="b" anchorCtr="0">
+            <a:noAutofit/>
+          </a:bodyPr>
+          <a:lstStyle/>
+          <a:p>
+            <a:pPr marL="0" lvl="0" indent="0" algn="l" rtl="0">
+              <a:lnSpc>
+                <a:spcPct val="90000"/>
+              </a:lnSpc>
+              <a:spcBef>
+                <a:spcPts val="0"/>
+              </a:spcBef>
+              <a:spcAft>
+                <a:spcPts val="0"/>
+              </a:spcAft>
+              <a:buClr>
+                <a:schemeClr val="lt1"/>
+              </a:buClr>
+              <a:buSzPts val="6000"/>
+              <a:buFont typeface="Arial"/>
+              <a:buNone/>
+            </a:pPr>
+            <a:r>
+              <a:rPr lang="en-US" dirty="0" smtClean="0"/>
+              <a:t>Findings</a:t>
+            </a:r>
+            <a:endParaRPr dirty="0"/>
+          </a:p>
+        </p:txBody>
+      </p:sp>
+    </p:spTree>
+    <p:extLst>
+      <p:ext uri="{BB962C8B-B14F-4D97-AF65-F5344CB8AC3E}">
+        <p14:creationId xmlns:p14="http://schemas.microsoft.com/office/powerpoint/2010/main" val="74378356"/>
+      </p:ext>
+    </p:extLst>
+  </p:cSld>
+  <p:clrMapOvr>
+    <a:masterClrMapping/>
+  </p:clrMapOvr>
+</p:sld>
+</file>
+
+<file path=ppt/slides/slide24.xml><?xml version="1.0" encoding="utf-8"?>
+<p:sld xmlns:a="http://schemas.openxmlformats.org/drawingml/2006/main" xmlns:r="http://schemas.openxmlformats.org/officeDocument/2006/relationships" xmlns:p="http://schemas.openxmlformats.org/presentationml/2006/main">
+  <p:cSld>
+    <p:spTree>
+      <p:nvGrpSpPr>
+        <p:cNvPr id="1" name="Shape 298"/>
+        <p:cNvGrpSpPr/>
+        <p:nvPr/>
+      </p:nvGrpSpPr>
+      <p:grpSpPr>
+        <a:xfrm>
+          <a:off x="0" y="0"/>
+          <a:ext cx="0" cy="0"/>
+          <a:chOff x="0" y="0"/>
+          <a:chExt cx="0" cy="0"/>
+        </a:xfrm>
+      </p:grpSpPr>
+      <p:sp>
+        <p:nvSpPr>
+          <p:cNvPr id="299" name="Google Shape;299;g17249ec79ef_1_63"/>
           <p:cNvSpPr txBox="1">
             <a:spLocks noGrp="1"/>
           </p:cNvSpPr>
@@ -22062,7 +19866,7 @@
         </p:nvSpPr>
         <p:spPr>
           <a:xfrm>
-            <a:off x="1167492" y="0"/>
+            <a:off x="380992" y="381000"/>
             <a:ext cx="9779100" cy="1325700"/>
           </a:xfrm>
           <a:prstGeom prst="rect">
@@ -22097,16 +19901,16 @@
               <a:buNone/>
             </a:pPr>
             <a:r>
-              <a:rPr lang="en-US"/>
-              <a:t>Results (DL)</a:t>
+              <a:rPr lang="en-US" dirty="0" smtClean="0"/>
+              <a:t>Findings</a:t>
             </a:r>
-            <a:endParaRPr/>
+            <a:endParaRPr dirty="0"/>
           </a:p>
         </p:txBody>
       </p:sp>
       <p:sp>
         <p:nvSpPr>
-          <p:cNvPr id="405" name="Google Shape;405;g172a4a07427_1_16"/>
+          <p:cNvPr id="300" name="Google Shape;300;g17249ec79ef_1_63"/>
           <p:cNvSpPr txBox="1">
             <a:spLocks noGrp="1"/>
           </p:cNvSpPr>
@@ -22144,116 +19948,22 @@
             </a:pPr>
             <a:fld id="{00000000-1234-1234-1234-123412341234}" type="slidenum">
               <a:rPr lang="en-US"/>
-              <a:t>21</a:t>
+              <a:t>24</a:t>
             </a:fld>
             <a:endParaRPr/>
           </a:p>
         </p:txBody>
       </p:sp>
-      <p:pic>
-        <p:nvPicPr>
-          <p:cNvPr id="409" name="Google Shape;409;g172a4a07427_1_16"/>
-          <p:cNvPicPr preferRelativeResize="0"/>
-          <p:nvPr/>
-        </p:nvPicPr>
-        <p:blipFill rotWithShape="1">
-          <a:blip r:embed="rId3">
-            <a:alphaModFix/>
-          </a:blip>
-          <a:srcRect t="1361" b="1361"/>
-          <a:stretch/>
-        </p:blipFill>
-        <p:spPr>
-          <a:xfrm>
-            <a:off x="152400" y="2071100"/>
-            <a:ext cx="5844199" cy="4487899"/>
-          </a:xfrm>
-          <a:prstGeom prst="rect">
-            <a:avLst/>
-          </a:prstGeom>
-          <a:noFill/>
-          <a:ln>
-            <a:noFill/>
-          </a:ln>
-        </p:spPr>
-      </p:pic>
       <p:sp>
         <p:nvSpPr>
-          <p:cNvPr id="2" name="Text Placeholder 1"/>
-          <p:cNvSpPr>
-            <a:spLocks noGrp="1"/>
-          </p:cNvSpPr>
-          <p:nvPr>
-            <p:ph type="body" idx="4"/>
-          </p:nvPr>
-        </p:nvSpPr>
-        <p:spPr/>
-        <p:txBody>
-          <a:bodyPr/>
-          <a:lstStyle/>
-          <a:p>
-            <a:endParaRPr lang="en-US"/>
-          </a:p>
-        </p:txBody>
-      </p:sp>
-      <p:sp>
-        <p:nvSpPr>
-          <p:cNvPr id="3" name="Text Placeholder 2"/>
-          <p:cNvSpPr>
-            <a:spLocks noGrp="1"/>
-          </p:cNvSpPr>
-          <p:nvPr>
-            <p:ph type="body" idx="3"/>
-          </p:nvPr>
-        </p:nvSpPr>
-        <p:spPr/>
-        <p:txBody>
-          <a:bodyPr/>
-          <a:lstStyle/>
-          <a:p>
-            <a:endParaRPr lang="en-US"/>
-          </a:p>
-        </p:txBody>
-      </p:sp>
-    </p:spTree>
-  </p:cSld>
-  <p:clrMapOvr>
-    <a:masterClrMapping/>
-  </p:clrMapOvr>
-</p:sld>
-</file>
-
-<file path=ppt/slides/slide22.xml><?xml version="1.0" encoding="utf-8"?>
-<p:sld xmlns:a="http://schemas.openxmlformats.org/drawingml/2006/main" xmlns:r="http://schemas.openxmlformats.org/officeDocument/2006/relationships" xmlns:p="http://schemas.openxmlformats.org/presentationml/2006/main">
-  <p:cSld>
-    <p:spTree>
-      <p:nvGrpSpPr>
-        <p:cNvPr id="1" name="Shape 434"/>
-        <p:cNvGrpSpPr/>
-        <p:nvPr/>
-      </p:nvGrpSpPr>
-      <p:grpSpPr>
-        <a:xfrm>
-          <a:off x="0" y="0"/>
-          <a:ext cx="0" cy="0"/>
-          <a:chOff x="0" y="0"/>
-          <a:chExt cx="0" cy="0"/>
-        </a:xfrm>
-      </p:grpSpPr>
-      <p:sp>
-        <p:nvSpPr>
-          <p:cNvPr id="435" name="Google Shape;435;g179f15d0d29_0_18"/>
-          <p:cNvSpPr txBox="1">
-            <a:spLocks noGrp="1"/>
-          </p:cNvSpPr>
-          <p:nvPr>
-            <p:ph type="ctrTitle"/>
-          </p:nvPr>
+          <p:cNvPr id="5" name="Google Shape;256;g17249ec79ef_1_8"/>
+          <p:cNvSpPr txBox="1"/>
+          <p:nvPr/>
         </p:nvSpPr>
         <p:spPr>
           <a:xfrm>
-            <a:off x="595200" y="2235150"/>
-            <a:ext cx="7672500" cy="2387700"/>
+            <a:off x="943756" y="1942506"/>
+            <a:ext cx="9779100" cy="4178037"/>
           </a:xfrm>
           <a:prstGeom prst="rect">
             <a:avLst/>
@@ -22264,37 +19974,118 @@
           </a:ln>
         </p:spPr>
         <p:txBody>
-          <a:bodyPr spcFirstLastPara="1" wrap="square" lIns="91425" tIns="45700" rIns="91425" bIns="45700" anchor="b" anchorCtr="0">
-            <a:noAutofit/>
+          <a:bodyPr spcFirstLastPara="1" wrap="square" lIns="91425" tIns="91425" rIns="91425" bIns="91425" anchor="t" anchorCtr="0">
+            <a:spAutoFit/>
           </a:bodyPr>
           <a:lstStyle/>
           <a:p>
-            <a:pPr marL="0" lvl="0" indent="0" algn="l" rtl="0">
-              <a:lnSpc>
-                <a:spcPct val="90000"/>
-              </a:lnSpc>
-              <a:spcBef>
-                <a:spcPts val="0"/>
-              </a:spcBef>
-              <a:spcAft>
-                <a:spcPts val="0"/>
-              </a:spcAft>
-              <a:buClr>
-                <a:schemeClr val="lt1"/>
-              </a:buClr>
-              <a:buSzPts val="6000"/>
+            <a:pPr marL="457200" lvl="0" indent="-349250">
+              <a:lnSpc>
+                <a:spcPct val="150000"/>
+              </a:lnSpc>
+              <a:buClr>
+                <a:schemeClr val="dk1"/>
+              </a:buClr>
+              <a:buSzPts val="1900"/>
               <a:buFont typeface="Arial"/>
-              <a:buNone/>
+              <a:buChar char="●"/>
+            </a:pPr>
+            <a:endParaRPr lang="en-US" sz="1900" dirty="0" smtClean="0">
+              <a:solidFill>
+                <a:schemeClr val="dk1"/>
+              </a:solidFill>
+            </a:endParaRPr>
+          </a:p>
+          <a:p>
+            <a:pPr marL="457200" lvl="0" indent="-349250">
+              <a:lnSpc>
+                <a:spcPct val="150000"/>
+              </a:lnSpc>
+              <a:buClr>
+                <a:schemeClr val="dk1"/>
+              </a:buClr>
+              <a:buSzPts val="1900"/>
+              <a:buFont typeface="Arial"/>
+              <a:buChar char="●"/>
             </a:pPr>
             <a:r>
-              <a:rPr lang="en-US"/>
-              <a:t>Concolusion</a:t>
+              <a:rPr lang="en-US" sz="2200" dirty="0" smtClean="0"/>
+              <a:t>Data exploration helps in understanding the dataset more.</a:t>
             </a:r>
-            <a:endParaRPr/>
+          </a:p>
+          <a:p>
+            <a:pPr marL="457200" lvl="0" indent="-349250">
+              <a:lnSpc>
+                <a:spcPct val="150000"/>
+              </a:lnSpc>
+              <a:buClr>
+                <a:schemeClr val="dk1"/>
+              </a:buClr>
+              <a:buSzPts val="1900"/>
+              <a:buFont typeface="Arial"/>
+              <a:buChar char="●"/>
+            </a:pPr>
+            <a:r>
+              <a:rPr lang="en-US" sz="2200" dirty="0" smtClean="0"/>
+              <a:t>Cleaning the text helps in reducing the dimensionality of the features, and helps in getting better performance with the machine learning models and the deep learning models.</a:t>
+            </a:r>
+            <a:endParaRPr lang="en-US" sz="2200" dirty="0" smtClean="0"/>
+          </a:p>
+          <a:p>
+            <a:pPr marL="457200" lvl="0" indent="-349250">
+              <a:lnSpc>
+                <a:spcPct val="150000"/>
+              </a:lnSpc>
+              <a:buClr>
+                <a:schemeClr val="dk1"/>
+              </a:buClr>
+              <a:buSzPts val="1900"/>
+              <a:buFont typeface="Arial"/>
+              <a:buChar char="●"/>
+            </a:pPr>
+            <a:r>
+              <a:rPr lang="en-US" sz="2200" dirty="0" smtClean="0"/>
+              <a:t>Tuning the </a:t>
+            </a:r>
+            <a:r>
+              <a:rPr lang="en-US" sz="2200" dirty="0" err="1" smtClean="0"/>
+              <a:t>hyperparameters</a:t>
+            </a:r>
+            <a:r>
+              <a:rPr lang="en-US" sz="2200" dirty="0" smtClean="0"/>
+              <a:t> helps the models to achieve better results.</a:t>
+            </a:r>
+          </a:p>
+          <a:p>
+            <a:pPr marL="457200" lvl="0" indent="-349250">
+              <a:lnSpc>
+                <a:spcPct val="150000"/>
+              </a:lnSpc>
+              <a:buClr>
+                <a:schemeClr val="dk1"/>
+              </a:buClr>
+              <a:buSzPts val="1900"/>
+              <a:buFont typeface="Arial"/>
+              <a:buChar char="●"/>
+            </a:pPr>
+            <a:r>
+              <a:rPr lang="en-US" sz="2200" dirty="0" smtClean="0"/>
+              <a:t>In my cas</a:t>
+            </a:r>
+            <a:r>
+              <a:rPr lang="en-US" sz="2200" dirty="0" smtClean="0"/>
+              <a:t>e training the model on batch size = 64 gave better results than training the model on batch size = 128</a:t>
+            </a:r>
+            <a:endParaRPr sz="2200" dirty="0"/>
           </a:p>
         </p:txBody>
       </p:sp>
     </p:spTree>
+    <p:extLst>
+      <p:ext uri="{BB962C8B-B14F-4D97-AF65-F5344CB8AC3E}">
+        <p14:creationId xmlns:p14="http://schemas.microsoft.com/office/powerpoint/2010/main" val="107276878"/>
+      </p:ext>
+    </p:extLst>
   </p:cSld>
   <p:clrMapOvr>
     <a:masterClrMapping/>
@@ -22302,210 +20093,7 @@
 </p:sld>
 </file>
 
-<file path=ppt/slides/slide23.xml><?xml version="1.0" encoding="utf-8"?>
-<p:sld xmlns:a="http://schemas.openxmlformats.org/drawingml/2006/main" xmlns:r="http://schemas.openxmlformats.org/officeDocument/2006/relationships" xmlns:p="http://schemas.openxmlformats.org/presentationml/2006/main">
-  <p:cSld>
-    <p:spTree>
-      <p:nvGrpSpPr>
-        <p:cNvPr id="1" name="Shape 439"/>
-        <p:cNvGrpSpPr/>
-        <p:nvPr/>
-      </p:nvGrpSpPr>
-      <p:grpSpPr>
-        <a:xfrm>
-          <a:off x="0" y="0"/>
-          <a:ext cx="0" cy="0"/>
-          <a:chOff x="0" y="0"/>
-          <a:chExt cx="0" cy="0"/>
-        </a:xfrm>
-      </p:grpSpPr>
-      <p:sp>
-        <p:nvSpPr>
-          <p:cNvPr id="440" name="Google Shape;440;g172b55bd729_0_21"/>
-          <p:cNvSpPr txBox="1">
-            <a:spLocks noGrp="1"/>
-          </p:cNvSpPr>
-          <p:nvPr>
-            <p:ph type="title"/>
-          </p:nvPr>
-        </p:nvSpPr>
-        <p:spPr>
-          <a:xfrm>
-            <a:off x="1167492" y="381000"/>
-            <a:ext cx="9779100" cy="1325700"/>
-          </a:xfrm>
-          <a:prstGeom prst="rect">
-            <a:avLst/>
-          </a:prstGeom>
-          <a:noFill/>
-          <a:ln>
-            <a:noFill/>
-          </a:ln>
-        </p:spPr>
-        <p:txBody>
-          <a:bodyPr spcFirstLastPara="1" wrap="square" lIns="91425" tIns="45700" rIns="91425" bIns="45700" anchor="b" anchorCtr="0">
-            <a:noAutofit/>
-          </a:bodyPr>
-          <a:lstStyle/>
-          <a:p>
-            <a:pPr marL="0" lvl="0" indent="0" algn="l" rtl="0">
-              <a:lnSpc>
-                <a:spcPct val="90000"/>
-              </a:lnSpc>
-              <a:spcBef>
-                <a:spcPts val="0"/>
-              </a:spcBef>
-              <a:spcAft>
-                <a:spcPts val="0"/>
-              </a:spcAft>
-              <a:buClr>
-                <a:schemeClr val="dk1"/>
-              </a:buClr>
-              <a:buSzPts val="4800"/>
-              <a:buFont typeface="Arial"/>
-              <a:buNone/>
-            </a:pPr>
-            <a:r>
-              <a:rPr lang="en-US"/>
-              <a:t>Conclusion</a:t>
-            </a:r>
-            <a:endParaRPr/>
-          </a:p>
-        </p:txBody>
-      </p:sp>
-      <p:sp>
-        <p:nvSpPr>
-          <p:cNvPr id="441" name="Google Shape;441;g172b55bd729_0_21"/>
-          <p:cNvSpPr txBox="1">
-            <a:spLocks noGrp="1"/>
-          </p:cNvSpPr>
-          <p:nvPr>
-            <p:ph type="body" idx="1"/>
-          </p:nvPr>
-        </p:nvSpPr>
-        <p:spPr>
-          <a:xfrm>
-            <a:off x="1206450" y="2696650"/>
-            <a:ext cx="9779100" cy="3659700"/>
-          </a:xfrm>
-          <a:prstGeom prst="rect">
-            <a:avLst/>
-          </a:prstGeom>
-          <a:noFill/>
-          <a:ln>
-            <a:noFill/>
-          </a:ln>
-        </p:spPr>
-        <p:txBody>
-          <a:bodyPr spcFirstLastPara="1" wrap="square" lIns="91425" tIns="45700" rIns="91425" bIns="45700" anchor="t" anchorCtr="0">
-            <a:noAutofit/>
-          </a:bodyPr>
-          <a:lstStyle/>
-          <a:p>
-            <a:pPr marL="0" lvl="0" indent="0" algn="l" rtl="0">
-              <a:lnSpc>
-                <a:spcPct val="115000"/>
-              </a:lnSpc>
-              <a:spcBef>
-                <a:spcPts val="1200"/>
-              </a:spcBef>
-              <a:spcAft>
-                <a:spcPts val="0"/>
-              </a:spcAft>
-              <a:buClr>
-                <a:schemeClr val="dk1"/>
-              </a:buClr>
-              <a:buSzPts val="1100"/>
-              <a:buFont typeface="Arial"/>
-              <a:buNone/>
-            </a:pPr>
-            <a:r>
-              <a:rPr lang="en-US" sz="2000"/>
-              <a:t>We had challenges with the Arabic dataset, so we depend on the English dataset to get the Arabic dataset Using translation. We also used combinations of preprocessing techniques that were mentioned on papers to get clean data and try different vectorization techniques like TF-IDF, count vector, and word2vec to improve the results.</a:t>
-            </a:r>
-            <a:endParaRPr sz="2000"/>
-          </a:p>
-          <a:p>
-            <a:pPr marL="0" lvl="0" indent="0" algn="l" rtl="0">
-              <a:lnSpc>
-                <a:spcPct val="115000"/>
-              </a:lnSpc>
-              <a:spcBef>
-                <a:spcPts val="1200"/>
-              </a:spcBef>
-              <a:spcAft>
-                <a:spcPts val="1200"/>
-              </a:spcAft>
-              <a:buClr>
-                <a:schemeClr val="dk1"/>
-              </a:buClr>
-              <a:buSzPts val="1100"/>
-              <a:buFont typeface="Arial"/>
-              <a:buNone/>
-            </a:pPr>
-            <a:r>
-              <a:rPr lang="en-US" sz="2000"/>
-              <a:t>Finally, we applied both machine learning and deep learning models in Arabic and English datasets, but Machine Learning models like the Random Forest gave us high-accuracy results in the Arabic dataset and in the English dataset, and deep learning models like RNN-GRU gave us high accuracy in English dataset.</a:t>
-            </a:r>
-            <a:endParaRPr sz="2000"/>
-          </a:p>
-        </p:txBody>
-      </p:sp>
-      <p:sp>
-        <p:nvSpPr>
-          <p:cNvPr id="442" name="Google Shape;442;g172b55bd729_0_21"/>
-          <p:cNvSpPr txBox="1">
-            <a:spLocks noGrp="1"/>
-          </p:cNvSpPr>
-          <p:nvPr>
-            <p:ph type="sldNum" idx="12"/>
-          </p:nvPr>
-        </p:nvSpPr>
-        <p:spPr>
-          <a:xfrm>
-            <a:off x="10206318" y="6356350"/>
-            <a:ext cx="1604700" cy="365100"/>
-          </a:xfrm>
-          <a:prstGeom prst="rect">
-            <a:avLst/>
-          </a:prstGeom>
-          <a:noFill/>
-          <a:ln>
-            <a:noFill/>
-          </a:ln>
-        </p:spPr>
-        <p:txBody>
-          <a:bodyPr spcFirstLastPara="1" wrap="square" lIns="91425" tIns="45700" rIns="91425" bIns="45700" anchor="ctr" anchorCtr="0">
-            <a:noAutofit/>
-          </a:bodyPr>
-          <a:lstStyle/>
-          <a:p>
-            <a:pPr marL="0" lvl="0" indent="0" algn="r" rtl="0">
-              <a:spcBef>
-                <a:spcPts val="0"/>
-              </a:spcBef>
-              <a:spcAft>
-                <a:spcPts val="0"/>
-              </a:spcAft>
-              <a:buNone/>
-            </a:pPr>
-            <a:fld id="{00000000-1234-1234-1234-123412341234}" type="slidenum">
-              <a:rPr lang="en-US"/>
-              <a:t>23</a:t>
-            </a:fld>
-            <a:endParaRPr/>
-          </a:p>
-        </p:txBody>
-      </p:sp>
-    </p:spTree>
-  </p:cSld>
-  <p:clrMapOvr>
-    <a:masterClrMapping/>
-  </p:clrMapOvr>
-</p:sld>
-</file>
-
-<file path=ppt/slides/slide24.xml><?xml version="1.0" encoding="utf-8"?>
+<file path=ppt/slides/slide25.xml><?xml version="1.0" encoding="utf-8"?>
 <p:sld xmlns:a="http://schemas.openxmlformats.org/drawingml/2006/main" xmlns:r="http://schemas.openxmlformats.org/officeDocument/2006/relationships" xmlns:p="http://schemas.openxmlformats.org/presentationml/2006/main">
   <p:cSld>
     <p:spTree>
@@ -22589,7 +20177,7 @@
   <p:cSld>
     <p:spTree>
       <p:nvGrpSpPr>
-        <p:cNvPr id="1" name="Shape 248"/>
+        <p:cNvPr id="1" name="Shape 236"/>
         <p:cNvGrpSpPr/>
         <p:nvPr/>
       </p:nvGrpSpPr>
@@ -22603,7 +20191,7 @@
       </p:grpSpPr>
       <p:sp>
         <p:nvSpPr>
-          <p:cNvPr id="249" name="Google Shape;249;g17249ec79ef_1_4"/>
+          <p:cNvPr id="237" name="Google Shape;237;p4"/>
           <p:cNvSpPr txBox="1">
             <a:spLocks noGrp="1"/>
           </p:cNvSpPr>
@@ -22613,7 +20201,7 @@
         </p:nvSpPr>
         <p:spPr>
           <a:xfrm>
-            <a:off x="595200" y="2235150"/>
+            <a:off x="469050" y="2235150"/>
             <a:ext cx="7672500" cy="2387700"/>
           </a:xfrm>
           <a:prstGeom prst="rect">
@@ -22648,14 +20236,19 @@
               <a:buNone/>
             </a:pPr>
             <a:r>
-              <a:rPr lang="en-US"/>
-              <a:t>Motivation </a:t>
+              <a:rPr lang="en-US" dirty="0" smtClean="0"/>
+              <a:t>Use case</a:t>
             </a:r>
-            <a:endParaRPr/>
+            <a:endParaRPr dirty="0"/>
           </a:p>
         </p:txBody>
       </p:sp>
     </p:spTree>
+    <p:extLst>
+      <p:ext uri="{BB962C8B-B14F-4D97-AF65-F5344CB8AC3E}">
+        <p14:creationId xmlns:p14="http://schemas.microsoft.com/office/powerpoint/2010/main" val="1815046429"/>
+      </p:ext>
+    </p:extLst>
   </p:cSld>
   <p:clrMapOvr>
     <a:masterClrMapping/>
@@ -22727,10 +20320,10 @@
               <a:buNone/>
             </a:pPr>
             <a:r>
-              <a:rPr lang="en-US"/>
-              <a:t>Motivation</a:t>
+              <a:rPr lang="en-US" dirty="0" smtClean="0"/>
+              <a:t>Use case</a:t>
             </a:r>
-            <a:endParaRPr/>
+            <a:endParaRPr dirty="0"/>
           </a:p>
         </p:txBody>
       </p:sp>
@@ -22788,8 +20381,8 @@
         </p:nvSpPr>
         <p:spPr>
           <a:xfrm>
-            <a:off x="1396950" y="1799525"/>
-            <a:ext cx="9779100" cy="2716800"/>
+            <a:off x="1377495" y="1890407"/>
+            <a:ext cx="9779100" cy="2446793"/>
           </a:xfrm>
           <a:prstGeom prst="rect">
             <a:avLst/>
@@ -22817,23 +20410,17 @@
               </a:spcAft>
               <a:buNone/>
             </a:pPr>
-            <a:endParaRPr sz="1900">
+            <a:endParaRPr sz="1900" dirty="0">
               <a:solidFill>
                 <a:schemeClr val="dk1"/>
               </a:solidFill>
             </a:endParaRPr>
           </a:p>
           <a:p>
-            <a:pPr marL="457200" lvl="0" indent="-349250" algn="l" rtl="0">
+            <a:pPr marL="457200" lvl="0" indent="-349250">
               <a:lnSpc>
                 <a:spcPct val="150000"/>
               </a:lnSpc>
-              <a:spcBef>
-                <a:spcPts val="0"/>
-              </a:spcBef>
-              <a:spcAft>
-                <a:spcPts val="0"/>
-              </a:spcAft>
               <a:buClr>
                 <a:schemeClr val="dk1"/>
               </a:buClr>
@@ -22842,30 +20429,37 @@
               <a:buChar char="●"/>
             </a:pPr>
             <a:r>
-              <a:rPr lang="en-US" sz="1900">
+              <a:rPr lang="en-US" sz="1900" dirty="0" smtClean="0">
                 <a:solidFill>
                   <a:schemeClr val="dk1"/>
                 </a:solidFill>
               </a:rPr>
-              <a:t>Social media become a fertile field to get society insight</a:t>
+              <a:t>Classify the input text into its class from the 4 classes we have to know the sentiment of the input.</a:t>
             </a:r>
-            <a:endParaRPr sz="1900">
+          </a:p>
+          <a:p>
+            <a:pPr marL="457200" lvl="0" indent="-349250">
+              <a:lnSpc>
+                <a:spcPct val="150000"/>
+              </a:lnSpc>
+              <a:buClr>
+                <a:schemeClr val="dk1"/>
+              </a:buClr>
+              <a:buSzPts val="1900"/>
+              <a:buFont typeface="Arial"/>
+              <a:buChar char="●"/>
+            </a:pPr>
+            <a:endParaRPr lang="en-US" sz="1900" dirty="0" smtClean="0">
               <a:solidFill>
                 <a:schemeClr val="dk1"/>
               </a:solidFill>
             </a:endParaRPr>
           </a:p>
           <a:p>
-            <a:pPr marL="457200" lvl="0" indent="-349250" algn="l" rtl="0">
+            <a:pPr marL="457200" lvl="0" indent="-349250">
               <a:lnSpc>
                 <a:spcPct val="150000"/>
               </a:lnSpc>
-              <a:spcBef>
-                <a:spcPts val="0"/>
-              </a:spcBef>
-              <a:spcAft>
-                <a:spcPts val="0"/>
-              </a:spcAft>
               <a:buClr>
                 <a:schemeClr val="dk1"/>
               </a:buClr>
@@ -22873,102 +20467,45 @@
               <a:buFont typeface="Arial"/>
               <a:buChar char="●"/>
             </a:pPr>
-            <a:r>
-              <a:rPr lang="en-US" sz="1900">
-                <a:solidFill>
-                  <a:schemeClr val="dk1"/>
-                </a:solidFill>
-              </a:rPr>
-              <a:t>People’s interaction over social media has a significant increasing over last years </a:t>
-            </a:r>
-            <a:endParaRPr sz="1900">
-              <a:solidFill>
-                <a:schemeClr val="dk1"/>
-              </a:solidFill>
-            </a:endParaRPr>
-          </a:p>
-          <a:p>
-            <a:pPr marL="457200" lvl="0" indent="-349250" algn="l" rtl="0">
-              <a:lnSpc>
-                <a:spcPct val="150000"/>
-              </a:lnSpc>
-              <a:spcBef>
-                <a:spcPts val="0"/>
-              </a:spcBef>
-              <a:spcAft>
-                <a:spcPts val="0"/>
-              </a:spcAft>
-              <a:buClr>
-                <a:schemeClr val="dk1"/>
-              </a:buClr>
-              <a:buSzPts val="1900"/>
-              <a:buFont typeface="Arial"/>
-              <a:buChar char="●"/>
-            </a:pPr>
-            <a:r>
-              <a:rPr lang="en-US" sz="1900">
-                <a:solidFill>
-                  <a:schemeClr val="dk1"/>
-                </a:solidFill>
-              </a:rPr>
-              <a:t>Sentiment analysis reflection for society and companies</a:t>
-            </a:r>
-            <a:endParaRPr sz="1900">
-              <a:solidFill>
-                <a:schemeClr val="dk1"/>
-              </a:solidFill>
-            </a:endParaRPr>
-          </a:p>
-          <a:p>
-            <a:pPr marL="457200" lvl="0" indent="-349250" algn="l" rtl="0">
-              <a:lnSpc>
-                <a:spcPct val="150000"/>
-              </a:lnSpc>
-              <a:spcBef>
-                <a:spcPts val="0"/>
-              </a:spcBef>
-              <a:spcAft>
-                <a:spcPts val="0"/>
-              </a:spcAft>
-              <a:buClr>
-                <a:schemeClr val="dk1"/>
-              </a:buClr>
-              <a:buSzPts val="1900"/>
-              <a:buFont typeface="Noto Sans Symbols"/>
-              <a:buChar char="●"/>
-            </a:pPr>
-            <a:r>
-              <a:rPr lang="en-US" sz="1900">
-                <a:solidFill>
-                  <a:schemeClr val="dk1"/>
-                </a:solidFill>
-              </a:rPr>
-              <a:t>Italy story with covid19</a:t>
-            </a:r>
-            <a:endParaRPr sz="1900">
-              <a:solidFill>
-                <a:schemeClr val="dk1"/>
-              </a:solidFill>
-            </a:endParaRPr>
-          </a:p>
-          <a:p>
-            <a:pPr marL="0" lvl="0" indent="0" algn="l" rtl="0">
-              <a:lnSpc>
-                <a:spcPct val="107916"/>
-              </a:lnSpc>
-              <a:spcBef>
-                <a:spcPts val="0"/>
-              </a:spcBef>
-              <a:spcAft>
-                <a:spcPts val="0"/>
-              </a:spcAft>
-              <a:buNone/>
-            </a:pPr>
-            <a:endParaRPr sz="2200"/>
+            <a:endParaRPr sz="2200" dirty="0"/>
           </a:p>
         </p:txBody>
       </p:sp>
+      <p:pic>
+        <p:nvPicPr>
+          <p:cNvPr id="2" name="Picture 1"/>
+          <p:cNvPicPr>
+            <a:picLocks noChangeAspect="1"/>
+          </p:cNvPicPr>
+          <p:nvPr/>
+        </p:nvPicPr>
+        <p:blipFill rotWithShape="1">
+          <a:blip r:embed="rId3">
+            <a:extLst>
+              <a:ext uri="{28A0092B-C50C-407E-A947-70E740481C1C}">
+                <a14:useLocalDpi xmlns:a14="http://schemas.microsoft.com/office/drawing/2010/main" val="0"/>
+              </a:ext>
+            </a:extLst>
+          </a:blip>
+          <a:srcRect t="15179"/>
+          <a:stretch/>
+        </p:blipFill>
+        <p:spPr>
+          <a:xfrm>
+            <a:off x="1027842" y="3283400"/>
+            <a:ext cx="10058400" cy="2475014"/>
+          </a:xfrm>
+          <a:prstGeom prst="rect">
+            <a:avLst/>
+          </a:prstGeom>
+        </p:spPr>
+      </p:pic>
     </p:spTree>
+    <p:extLst>
+      <p:ext uri="{BB962C8B-B14F-4D97-AF65-F5344CB8AC3E}">
+        <p14:creationId xmlns:p14="http://schemas.microsoft.com/office/powerpoint/2010/main" val="4187140296"/>
+      </p:ext>
+    </p:extLst>
   </p:cSld>
   <p:clrMapOvr>
     <a:masterClrMapping/>
@@ -23040,10 +20577,10 @@
               <a:buNone/>
             </a:pPr>
             <a:r>
-              <a:rPr lang="en-US"/>
-              <a:t>Methodology</a:t>
+              <a:rPr lang="en-US" dirty="0" smtClean="0"/>
+              <a:t>Data Exploration</a:t>
             </a:r>
-            <a:endParaRPr/>
+            <a:endParaRPr dirty="0"/>
           </a:p>
         </p:txBody>
       </p:sp>
@@ -23056,312 +20593,6 @@
 </file>
 
 <file path=ppt/slides/slide6.xml><?xml version="1.0" encoding="utf-8"?>
-<p:sld xmlns:a="http://schemas.openxmlformats.org/drawingml/2006/main" xmlns:r="http://schemas.openxmlformats.org/officeDocument/2006/relationships" xmlns:p="http://schemas.openxmlformats.org/presentationml/2006/main">
-  <p:cSld>
-    <p:spTree>
-      <p:nvGrpSpPr>
-        <p:cNvPr id="1" name="Shape 277"/>
-        <p:cNvGrpSpPr/>
-        <p:nvPr/>
-      </p:nvGrpSpPr>
-      <p:grpSpPr>
-        <a:xfrm>
-          <a:off x="0" y="0"/>
-          <a:ext cx="0" cy="0"/>
-          <a:chOff x="0" y="0"/>
-          <a:chExt cx="0" cy="0"/>
-        </a:xfrm>
-      </p:grpSpPr>
-      <p:sp>
-        <p:nvSpPr>
-          <p:cNvPr id="278" name="Google Shape;278;g17249ec79ef_1_37"/>
-          <p:cNvSpPr txBox="1">
-            <a:spLocks noGrp="1"/>
-          </p:cNvSpPr>
-          <p:nvPr>
-            <p:ph type="title"/>
-          </p:nvPr>
-        </p:nvSpPr>
-        <p:spPr>
-          <a:xfrm>
-            <a:off x="1167492" y="381000"/>
-            <a:ext cx="9779100" cy="1325700"/>
-          </a:xfrm>
-          <a:prstGeom prst="rect">
-            <a:avLst/>
-          </a:prstGeom>
-          <a:noFill/>
-          <a:ln>
-            <a:noFill/>
-          </a:ln>
-        </p:spPr>
-        <p:txBody>
-          <a:bodyPr spcFirstLastPara="1" wrap="square" lIns="91425" tIns="45700" rIns="91425" bIns="45700" anchor="b" anchorCtr="0">
-            <a:noAutofit/>
-          </a:bodyPr>
-          <a:lstStyle/>
-          <a:p>
-            <a:pPr marL="0" lvl="0" indent="0" algn="l" rtl="0">
-              <a:lnSpc>
-                <a:spcPct val="90000"/>
-              </a:lnSpc>
-              <a:spcBef>
-                <a:spcPts val="0"/>
-              </a:spcBef>
-              <a:spcAft>
-                <a:spcPts val="0"/>
-              </a:spcAft>
-              <a:buClr>
-                <a:schemeClr val="dk1"/>
-              </a:buClr>
-              <a:buSzPts val="4800"/>
-              <a:buFont typeface="Arial"/>
-              <a:buNone/>
-            </a:pPr>
-            <a:r>
-              <a:rPr lang="en-US"/>
-              <a:t>Methodology</a:t>
-            </a:r>
-            <a:endParaRPr/>
-          </a:p>
-        </p:txBody>
-      </p:sp>
-      <p:sp>
-        <p:nvSpPr>
-          <p:cNvPr id="279" name="Google Shape;279;g17249ec79ef_1_37"/>
-          <p:cNvSpPr txBox="1">
-            <a:spLocks noGrp="1"/>
-          </p:cNvSpPr>
-          <p:nvPr>
-            <p:ph type="sldNum" idx="12"/>
-          </p:nvPr>
-        </p:nvSpPr>
-        <p:spPr>
-          <a:xfrm>
-            <a:off x="10153276" y="6356350"/>
-            <a:ext cx="1657800" cy="365100"/>
-          </a:xfrm>
-          <a:prstGeom prst="rect">
-            <a:avLst/>
-          </a:prstGeom>
-          <a:noFill/>
-          <a:ln>
-            <a:noFill/>
-          </a:ln>
-        </p:spPr>
-        <p:txBody>
-          <a:bodyPr spcFirstLastPara="1" wrap="square" lIns="91425" tIns="45700" rIns="91425" bIns="45700" anchor="ctr" anchorCtr="0">
-            <a:noAutofit/>
-          </a:bodyPr>
-          <a:lstStyle/>
-          <a:p>
-            <a:pPr marL="0" lvl="0" indent="0" algn="r" rtl="0">
-              <a:spcBef>
-                <a:spcPts val="0"/>
-              </a:spcBef>
-              <a:spcAft>
-                <a:spcPts val="0"/>
-              </a:spcAft>
-              <a:buNone/>
-            </a:pPr>
-            <a:fld id="{00000000-1234-1234-1234-123412341234}" type="slidenum">
-              <a:rPr lang="en-US"/>
-              <a:t>6</a:t>
-            </a:fld>
-            <a:endParaRPr/>
-          </a:p>
-        </p:txBody>
-      </p:sp>
-      <p:pic>
-        <p:nvPicPr>
-          <p:cNvPr id="280" name="Google Shape;280;g17249ec79ef_1_37"/>
-          <p:cNvPicPr preferRelativeResize="0"/>
-          <p:nvPr/>
-        </p:nvPicPr>
-        <p:blipFill>
-          <a:blip r:embed="rId3">
-            <a:alphaModFix/>
-          </a:blip>
-          <a:stretch>
-            <a:fillRect/>
-          </a:stretch>
-        </p:blipFill>
-        <p:spPr>
-          <a:xfrm>
-            <a:off x="1854750" y="1706700"/>
-            <a:ext cx="8863492" cy="4344849"/>
-          </a:xfrm>
-          <a:prstGeom prst="rect">
-            <a:avLst/>
-          </a:prstGeom>
-          <a:noFill/>
-          <a:ln>
-            <a:noFill/>
-          </a:ln>
-        </p:spPr>
-      </p:pic>
-    </p:spTree>
-  </p:cSld>
-  <p:clrMapOvr>
-    <a:masterClrMapping/>
-  </p:clrMapOvr>
-</p:sld>
-</file>
-
-<file path=ppt/slides/slide7.xml><?xml version="1.0" encoding="utf-8"?>
-<p:sld xmlns:a="http://schemas.openxmlformats.org/drawingml/2006/main" xmlns:r="http://schemas.openxmlformats.org/officeDocument/2006/relationships" xmlns:p="http://schemas.openxmlformats.org/presentationml/2006/main">
-  <p:cSld>
-    <p:spTree>
-      <p:nvGrpSpPr>
-        <p:cNvPr id="1" name="Shape 284"/>
-        <p:cNvGrpSpPr/>
-        <p:nvPr/>
-      </p:nvGrpSpPr>
-      <p:grpSpPr>
-        <a:xfrm>
-          <a:off x="0" y="0"/>
-          <a:ext cx="0" cy="0"/>
-          <a:chOff x="0" y="0"/>
-          <a:chExt cx="0" cy="0"/>
-        </a:xfrm>
-      </p:grpSpPr>
-      <p:sp>
-        <p:nvSpPr>
-          <p:cNvPr id="285" name="Google Shape;285;g17249ec79ef_1_46"/>
-          <p:cNvSpPr txBox="1">
-            <a:spLocks noGrp="1"/>
-          </p:cNvSpPr>
-          <p:nvPr>
-            <p:ph type="title"/>
-          </p:nvPr>
-        </p:nvSpPr>
-        <p:spPr>
-          <a:xfrm>
-            <a:off x="812067" y="381000"/>
-            <a:ext cx="9779100" cy="1325700"/>
-          </a:xfrm>
-          <a:prstGeom prst="rect">
-            <a:avLst/>
-          </a:prstGeom>
-          <a:noFill/>
-          <a:ln>
-            <a:noFill/>
-          </a:ln>
-        </p:spPr>
-        <p:txBody>
-          <a:bodyPr spcFirstLastPara="1" wrap="square" lIns="91425" tIns="45700" rIns="91425" bIns="45700" anchor="b" anchorCtr="0">
-            <a:noAutofit/>
-          </a:bodyPr>
-          <a:lstStyle/>
-          <a:p>
-            <a:pPr marL="0" lvl="0" indent="0" algn="l" rtl="0">
-              <a:lnSpc>
-                <a:spcPct val="90000"/>
-              </a:lnSpc>
-              <a:spcBef>
-                <a:spcPts val="0"/>
-              </a:spcBef>
-              <a:spcAft>
-                <a:spcPts val="0"/>
-              </a:spcAft>
-              <a:buClr>
-                <a:schemeClr val="dk1"/>
-              </a:buClr>
-              <a:buSzPts val="4800"/>
-              <a:buFont typeface="Arial"/>
-              <a:buNone/>
-            </a:pPr>
-            <a:r>
-              <a:rPr lang="en-US"/>
-              <a:t>English dataset</a:t>
-            </a:r>
-            <a:endParaRPr/>
-          </a:p>
-        </p:txBody>
-      </p:sp>
-      <p:sp>
-        <p:nvSpPr>
-          <p:cNvPr id="286" name="Google Shape;286;g17249ec79ef_1_46"/>
-          <p:cNvSpPr txBox="1">
-            <a:spLocks noGrp="1"/>
-          </p:cNvSpPr>
-          <p:nvPr>
-            <p:ph type="sldNum" idx="12"/>
-          </p:nvPr>
-        </p:nvSpPr>
-        <p:spPr>
-          <a:xfrm>
-            <a:off x="10153276" y="6356350"/>
-            <a:ext cx="1657800" cy="365100"/>
-          </a:xfrm>
-          <a:prstGeom prst="rect">
-            <a:avLst/>
-          </a:prstGeom>
-          <a:noFill/>
-          <a:ln>
-            <a:noFill/>
-          </a:ln>
-        </p:spPr>
-        <p:txBody>
-          <a:bodyPr spcFirstLastPara="1" wrap="square" lIns="91425" tIns="45700" rIns="91425" bIns="45700" anchor="ctr" anchorCtr="0">
-            <a:noAutofit/>
-          </a:bodyPr>
-          <a:lstStyle/>
-          <a:p>
-            <a:pPr marL="0" lvl="0" indent="0" algn="r" rtl="0">
-              <a:spcBef>
-                <a:spcPts val="0"/>
-              </a:spcBef>
-              <a:spcAft>
-                <a:spcPts val="0"/>
-              </a:spcAft>
-              <a:buNone/>
-            </a:pPr>
-            <a:fld id="{00000000-1234-1234-1234-123412341234}" type="slidenum">
-              <a:rPr lang="en-US"/>
-              <a:t>7</a:t>
-            </a:fld>
-            <a:endParaRPr/>
-          </a:p>
-        </p:txBody>
-      </p:sp>
-      <p:pic>
-        <p:nvPicPr>
-          <p:cNvPr id="287" name="Google Shape;287;g17249ec79ef_1_46"/>
-          <p:cNvPicPr preferRelativeResize="0"/>
-          <p:nvPr/>
-        </p:nvPicPr>
-        <p:blipFill>
-          <a:blip r:embed="rId3">
-            <a:alphaModFix/>
-          </a:blip>
-          <a:stretch>
-            <a:fillRect/>
-          </a:stretch>
-        </p:blipFill>
-        <p:spPr>
-          <a:xfrm>
-            <a:off x="1648200" y="1630500"/>
-            <a:ext cx="9036650" cy="5090950"/>
-          </a:xfrm>
-          <a:prstGeom prst="rect">
-            <a:avLst/>
-          </a:prstGeom>
-          <a:noFill/>
-          <a:ln>
-            <a:noFill/>
-          </a:ln>
-        </p:spPr>
-      </p:pic>
-    </p:spTree>
-  </p:cSld>
-  <p:clrMapOvr>
-    <a:masterClrMapping/>
-  </p:clrMapOvr>
-</p:sld>
-</file>
-
-<file path=ppt/slides/slide8.xml><?xml version="1.0" encoding="utf-8"?>
 <p:sld xmlns:a="http://schemas.openxmlformats.org/drawingml/2006/main" xmlns:r="http://schemas.openxmlformats.org/officeDocument/2006/relationships" xmlns:p="http://schemas.openxmlformats.org/presentationml/2006/main">
   <p:cSld>
     <p:spTree>
@@ -23425,10 +20656,10 @@
               <a:buNone/>
             </a:pPr>
             <a:r>
-              <a:rPr lang="en-US"/>
-              <a:t>Visualization</a:t>
+              <a:rPr lang="en-US" dirty="0" smtClean="0"/>
+              <a:t>Data Exploration</a:t>
             </a:r>
-            <a:endParaRPr/>
+            <a:endParaRPr dirty="0"/>
           </a:p>
         </p:txBody>
       </p:sp>
@@ -23472,30 +20703,22 @@
             </a:pPr>
             <a:fld id="{00000000-1234-1234-1234-123412341234}" type="slidenum">
               <a:rPr lang="en-US"/>
-              <a:t>8</a:t>
+              <a:t>6</a:t>
             </a:fld>
             <a:endParaRPr/>
           </a:p>
         </p:txBody>
       </p:sp>
-      <p:pic>
-        <p:nvPicPr>
-          <p:cNvPr id="301" name="Google Shape;301;g17249ec79ef_1_63"/>
-          <p:cNvPicPr preferRelativeResize="0"/>
+      <p:sp>
+        <p:nvSpPr>
+          <p:cNvPr id="5" name="Google Shape;256;g17249ec79ef_1_8"/>
+          <p:cNvSpPr txBox="1"/>
           <p:nvPr/>
-        </p:nvPicPr>
-        <p:blipFill>
-          <a:blip r:embed="rId3">
-            <a:alphaModFix/>
-          </a:blip>
-          <a:stretch>
-            <a:fillRect/>
-          </a:stretch>
-        </p:blipFill>
+        </p:nvSpPr>
         <p:spPr>
           <a:xfrm>
-            <a:off x="1494775" y="1706700"/>
-            <a:ext cx="9202451" cy="4938124"/>
+            <a:off x="1002122" y="2369546"/>
+            <a:ext cx="9779100" cy="3762538"/>
           </a:xfrm>
           <a:prstGeom prst="rect">
             <a:avLst/>
@@ -23505,7 +20728,173 @@
             <a:noFill/>
           </a:ln>
         </p:spPr>
-      </p:pic>
+        <p:txBody>
+          <a:bodyPr spcFirstLastPara="1" wrap="square" lIns="91425" tIns="91425" rIns="91425" bIns="91425" anchor="t" anchorCtr="0">
+            <a:spAutoFit/>
+          </a:bodyPr>
+          <a:lstStyle/>
+          <a:p>
+            <a:pPr marL="457200" lvl="0" indent="-349250">
+              <a:lnSpc>
+                <a:spcPct val="150000"/>
+              </a:lnSpc>
+              <a:buClr>
+                <a:schemeClr val="dk1"/>
+              </a:buClr>
+              <a:buSzPts val="1900"/>
+              <a:buFont typeface="Arial"/>
+              <a:buChar char="●"/>
+            </a:pPr>
+            <a:r>
+              <a:rPr lang="en-US" sz="1900" dirty="0" smtClean="0">
+                <a:solidFill>
+                  <a:schemeClr val="dk1"/>
+                </a:solidFill>
+              </a:rPr>
+              <a:t>Visualize the percentage of each class in the dataset using pie chart </a:t>
+            </a:r>
+            <a:endParaRPr lang="en-US" sz="1900" dirty="0" smtClean="0">
+              <a:solidFill>
+                <a:schemeClr val="dk1"/>
+              </a:solidFill>
+            </a:endParaRPr>
+          </a:p>
+          <a:p>
+            <a:pPr marL="457200" lvl="0" indent="-349250">
+              <a:lnSpc>
+                <a:spcPct val="150000"/>
+              </a:lnSpc>
+              <a:buClr>
+                <a:schemeClr val="dk1"/>
+              </a:buClr>
+              <a:buSzPts val="1900"/>
+              <a:buFont typeface="Arial"/>
+              <a:buChar char="●"/>
+            </a:pPr>
+            <a:r>
+              <a:rPr lang="en-US" sz="1900" dirty="0" smtClean="0">
+                <a:solidFill>
+                  <a:schemeClr val="dk1"/>
+                </a:solidFill>
+              </a:rPr>
+              <a:t>Visualize the distribution of the classes vs the frequency of them </a:t>
+            </a:r>
+            <a:endParaRPr lang="en-US" sz="1900" dirty="0" smtClean="0">
+              <a:solidFill>
+                <a:schemeClr val="dk1"/>
+              </a:solidFill>
+            </a:endParaRPr>
+          </a:p>
+          <a:p>
+            <a:pPr marL="457200" lvl="0" indent="-349250">
+              <a:lnSpc>
+                <a:spcPct val="150000"/>
+              </a:lnSpc>
+              <a:buClr>
+                <a:schemeClr val="dk1"/>
+              </a:buClr>
+              <a:buSzPts val="1900"/>
+              <a:buFont typeface="Arial"/>
+              <a:buChar char="●"/>
+            </a:pPr>
+            <a:r>
+              <a:rPr lang="en-US" sz="1900" dirty="0" smtClean="0">
+                <a:solidFill>
+                  <a:schemeClr val="dk1"/>
+                </a:solidFill>
+              </a:rPr>
+              <a:t>Visualize the most important words in each </a:t>
+            </a:r>
+            <a:r>
+              <a:rPr lang="en-US" sz="1900" dirty="0" smtClean="0">
+                <a:solidFill>
+                  <a:schemeClr val="dk1"/>
+                </a:solidFill>
+              </a:rPr>
+              <a:t>class using Word Cloud library</a:t>
+            </a:r>
+            <a:endParaRPr lang="en-US" sz="1900" dirty="0" smtClean="0">
+              <a:solidFill>
+                <a:schemeClr val="dk1"/>
+              </a:solidFill>
+            </a:endParaRPr>
+          </a:p>
+          <a:p>
+            <a:pPr marL="457200" lvl="0" indent="-349250">
+              <a:lnSpc>
+                <a:spcPct val="150000"/>
+              </a:lnSpc>
+              <a:buClr>
+                <a:schemeClr val="dk1"/>
+              </a:buClr>
+              <a:buSzPts val="1900"/>
+              <a:buFont typeface="Arial"/>
+              <a:buChar char="●"/>
+            </a:pPr>
+            <a:r>
+              <a:rPr lang="en-US" sz="1900" dirty="0" smtClean="0">
+                <a:solidFill>
+                  <a:schemeClr val="dk1"/>
+                </a:solidFill>
+              </a:rPr>
+              <a:t>Visualize the top countries that have mental health problems</a:t>
+            </a:r>
+          </a:p>
+          <a:p>
+            <a:pPr marL="457200" lvl="0" indent="-349250">
+              <a:lnSpc>
+                <a:spcPct val="150000"/>
+              </a:lnSpc>
+              <a:buClr>
+                <a:schemeClr val="dk1"/>
+              </a:buClr>
+              <a:buSzPts val="1900"/>
+              <a:buFont typeface="Arial"/>
+              <a:buChar char="●"/>
+            </a:pPr>
+            <a:r>
+              <a:rPr lang="en-US" sz="1900" dirty="0" smtClean="0">
+                <a:solidFill>
+                  <a:schemeClr val="dk1"/>
+                </a:solidFill>
+              </a:rPr>
+              <a:t>Visualize the days of the week to show when people suffer from mental health problems.</a:t>
+            </a:r>
+          </a:p>
+          <a:p>
+            <a:pPr marL="457200" lvl="0" indent="-349250">
+              <a:lnSpc>
+                <a:spcPct val="150000"/>
+              </a:lnSpc>
+              <a:buClr>
+                <a:schemeClr val="dk1"/>
+              </a:buClr>
+              <a:buSzPts val="1900"/>
+              <a:buFont typeface="Arial"/>
+              <a:buChar char="●"/>
+            </a:pPr>
+            <a:endParaRPr lang="en-US" sz="1900" dirty="0" smtClean="0">
+              <a:solidFill>
+                <a:schemeClr val="dk1"/>
+              </a:solidFill>
+            </a:endParaRPr>
+          </a:p>
+          <a:p>
+            <a:pPr marL="457200" lvl="0" indent="-349250">
+              <a:lnSpc>
+                <a:spcPct val="150000"/>
+              </a:lnSpc>
+              <a:buClr>
+                <a:schemeClr val="dk1"/>
+              </a:buClr>
+              <a:buSzPts val="1900"/>
+              <a:buFont typeface="Arial"/>
+              <a:buChar char="●"/>
+            </a:pPr>
+            <a:endParaRPr sz="2200" dirty="0"/>
+          </a:p>
+        </p:txBody>
+      </p:sp>
     </p:spTree>
   </p:cSld>
   <p:clrMapOvr>
@@ -23514,7 +20903,7 @@
 </p:sld>
 </file>
 
-<file path=ppt/slides/slide9.xml><?xml version="1.0" encoding="utf-8"?>
+<file path=ppt/slides/slide7.xml><?xml version="1.0" encoding="utf-8"?>
 <p:sld xmlns:a="http://schemas.openxmlformats.org/drawingml/2006/main" xmlns:r="http://schemas.openxmlformats.org/officeDocument/2006/relationships" xmlns:p="http://schemas.openxmlformats.org/presentationml/2006/main">
   <p:cSld>
     <p:spTree>
@@ -23560,25 +20949,12 @@
           </a:bodyPr>
           <a:lstStyle/>
           <a:p>
-            <a:pPr marL="0" lvl="0" indent="0" algn="l" rtl="0">
-              <a:spcBef>
-                <a:spcPts val="0"/>
-              </a:spcBef>
-              <a:spcAft>
-                <a:spcPts val="0"/>
-              </a:spcAft>
-              <a:buClr>
-                <a:schemeClr val="dk1"/>
-              </a:buClr>
-              <a:buSzPts val="4800"/>
-              <a:buFont typeface="Arial"/>
-              <a:buNone/>
-            </a:pPr>
+            <a:pPr lvl="0"/>
             <a:r>
-              <a:rPr lang="en-US"/>
-              <a:t>Visualization</a:t>
+              <a:rPr lang="en-US" dirty="0"/>
+              <a:t>Data Exploration</a:t>
             </a:r>
-            <a:endParaRPr/>
+            <a:endParaRPr dirty="0"/>
           </a:p>
         </p:txBody>
       </p:sp>
@@ -23622,7 +20998,7 @@
             </a:pPr>
             <a:fld id="{00000000-1234-1234-1234-123412341234}" type="slidenum">
               <a:rPr lang="en-US"/>
-              <a:t>9</a:t>
+              <a:t>7</a:t>
             </a:fld>
             <a:endParaRPr/>
           </a:p>
@@ -23636,7 +21012,7 @@
         </p:nvSpPr>
         <p:spPr>
           <a:xfrm>
-            <a:off x="3971100" y="5725288"/>
+            <a:off x="3803022" y="6117850"/>
             <a:ext cx="4249800" cy="477000"/>
           </a:xfrm>
           <a:prstGeom prst="rect">
@@ -23663,10 +21039,10 @@
               <a:buNone/>
             </a:pPr>
             <a:r>
-              <a:rPr lang="en-US" sz="1900" b="1"/>
+              <a:rPr lang="en-US" sz="1900" b="1" dirty="0"/>
               <a:t>The percentage of each class </a:t>
             </a:r>
-            <a:endParaRPr sz="1900" b="1"/>
+            <a:endParaRPr sz="1900" b="1" dirty="0"/>
           </a:p>
         </p:txBody>
       </p:sp>
@@ -23678,7 +21054,11 @@
         </p:nvPicPr>
         <p:blipFill>
           <a:blip r:embed="rId3">
-            <a:alphaModFix/>
+            <a:extLst>
+              <a:ext uri="{28A0092B-C50C-407E-A947-70E740481C1C}">
+                <a14:useLocalDpi xmlns:a14="http://schemas.microsoft.com/office/drawing/2010/main" val="0"/>
+              </a:ext>
+            </a:extLst>
           </a:blip>
           <a:stretch>
             <a:fillRect/>
@@ -23686,8 +21066,387 @@
         </p:blipFill>
         <p:spPr>
           <a:xfrm>
-            <a:off x="3566700" y="879050"/>
-            <a:ext cx="5058600" cy="5099900"/>
+            <a:off x="3398622" y="1535916"/>
+            <a:ext cx="5058599" cy="5017968"/>
+          </a:xfrm>
+          <a:prstGeom prst="rect">
+            <a:avLst/>
+          </a:prstGeom>
+          <a:noFill/>
+          <a:ln>
+            <a:noFill/>
+          </a:ln>
+        </p:spPr>
+      </p:pic>
+    </p:spTree>
+  </p:cSld>
+  <p:clrMapOvr>
+    <a:masterClrMapping/>
+  </p:clrMapOvr>
+</p:sld>
+</file>
+
+<file path=ppt/slides/slide8.xml><?xml version="1.0" encoding="utf-8"?>
+<p:sld xmlns:a="http://schemas.openxmlformats.org/drawingml/2006/main" xmlns:r="http://schemas.openxmlformats.org/officeDocument/2006/relationships" xmlns:p="http://schemas.openxmlformats.org/presentationml/2006/main">
+  <p:cSld>
+    <p:spTree>
+      <p:nvGrpSpPr>
+        <p:cNvPr id="1" name="Shape 305"/>
+        <p:cNvGrpSpPr/>
+        <p:nvPr/>
+      </p:nvGrpSpPr>
+      <p:grpSpPr>
+        <a:xfrm>
+          <a:off x="0" y="0"/>
+          <a:ext cx="0" cy="0"/>
+          <a:chOff x="0" y="0"/>
+          <a:chExt cx="0" cy="0"/>
+        </a:xfrm>
+      </p:grpSpPr>
+      <p:sp>
+        <p:nvSpPr>
+          <p:cNvPr id="306" name="Google Shape;306;g17249ec79ef_1_121"/>
+          <p:cNvSpPr txBox="1">
+            <a:spLocks noGrp="1"/>
+          </p:cNvSpPr>
+          <p:nvPr>
+            <p:ph type="title"/>
+          </p:nvPr>
+        </p:nvSpPr>
+        <p:spPr>
+          <a:xfrm>
+            <a:off x="289342" y="297350"/>
+            <a:ext cx="9779100" cy="1325700"/>
+          </a:xfrm>
+          <a:prstGeom prst="rect">
+            <a:avLst/>
+          </a:prstGeom>
+          <a:noFill/>
+          <a:ln>
+            <a:noFill/>
+          </a:ln>
+        </p:spPr>
+        <p:txBody>
+          <a:bodyPr spcFirstLastPara="1" wrap="square" lIns="91425" tIns="45700" rIns="91425" bIns="45700" anchor="b" anchorCtr="0">
+            <a:noAutofit/>
+          </a:bodyPr>
+          <a:lstStyle/>
+          <a:p>
+            <a:pPr lvl="0"/>
+            <a:r>
+              <a:rPr lang="en-US" dirty="0"/>
+              <a:t>Data Exploration</a:t>
+            </a:r>
+            <a:endParaRPr dirty="0"/>
+          </a:p>
+        </p:txBody>
+      </p:sp>
+      <p:sp>
+        <p:nvSpPr>
+          <p:cNvPr id="307" name="Google Shape;307;g17249ec79ef_1_121"/>
+          <p:cNvSpPr txBox="1">
+            <a:spLocks noGrp="1"/>
+          </p:cNvSpPr>
+          <p:nvPr>
+            <p:ph type="sldNum" idx="12"/>
+          </p:nvPr>
+        </p:nvSpPr>
+        <p:spPr>
+          <a:xfrm>
+            <a:off x="10153276" y="6356350"/>
+            <a:ext cx="1657800" cy="365100"/>
+          </a:xfrm>
+          <a:prstGeom prst="rect">
+            <a:avLst/>
+          </a:prstGeom>
+          <a:noFill/>
+          <a:ln>
+            <a:noFill/>
+          </a:ln>
+        </p:spPr>
+        <p:txBody>
+          <a:bodyPr spcFirstLastPara="1" wrap="square" lIns="91425" tIns="45700" rIns="91425" bIns="45700" anchor="ctr" anchorCtr="0">
+            <a:noAutofit/>
+          </a:bodyPr>
+          <a:lstStyle/>
+          <a:p>
+            <a:pPr marL="0" lvl="0" indent="0" algn="r" rtl="0">
+              <a:spcBef>
+                <a:spcPts val="0"/>
+              </a:spcBef>
+              <a:spcAft>
+                <a:spcPts val="0"/>
+              </a:spcAft>
+              <a:buNone/>
+            </a:pPr>
+            <a:fld id="{00000000-1234-1234-1234-123412341234}" type="slidenum">
+              <a:rPr lang="en-US"/>
+              <a:t>8</a:t>
+            </a:fld>
+            <a:endParaRPr/>
+          </a:p>
+        </p:txBody>
+      </p:sp>
+      <p:sp>
+        <p:nvSpPr>
+          <p:cNvPr id="308" name="Google Shape;308;g17249ec79ef_1_121"/>
+          <p:cNvSpPr txBox="1"/>
+          <p:nvPr/>
+        </p:nvSpPr>
+        <p:spPr>
+          <a:xfrm>
+            <a:off x="3803022" y="6117850"/>
+            <a:ext cx="4249800" cy="477000"/>
+          </a:xfrm>
+          <a:prstGeom prst="rect">
+            <a:avLst/>
+          </a:prstGeom>
+          <a:noFill/>
+          <a:ln>
+            <a:noFill/>
+          </a:ln>
+        </p:spPr>
+        <p:txBody>
+          <a:bodyPr spcFirstLastPara="1" wrap="square" lIns="91425" tIns="91425" rIns="91425" bIns="91425" anchor="t" anchorCtr="0">
+            <a:spAutoFit/>
+          </a:bodyPr>
+          <a:lstStyle/>
+          <a:p>
+            <a:pPr marL="0" lvl="0" indent="0" algn="ctr" rtl="0">
+              <a:spcBef>
+                <a:spcPts val="0"/>
+              </a:spcBef>
+              <a:spcAft>
+                <a:spcPts val="0"/>
+              </a:spcAft>
+              <a:buNone/>
+            </a:pPr>
+            <a:r>
+              <a:rPr lang="en-US" sz="1900" b="1" dirty="0" smtClean="0"/>
+              <a:t>The distribution of the classes</a:t>
+            </a:r>
+            <a:endParaRPr sz="1900" b="1" dirty="0"/>
+          </a:p>
+        </p:txBody>
+      </p:sp>
+      <p:pic>
+        <p:nvPicPr>
+          <p:cNvPr id="309" name="Google Shape;309;g17249ec79ef_1_121"/>
+          <p:cNvPicPr preferRelativeResize="0"/>
+          <p:nvPr/>
+        </p:nvPicPr>
+        <p:blipFill>
+          <a:blip r:embed="rId3">
+            <a:extLst>
+              <a:ext uri="{28A0092B-C50C-407E-A947-70E740481C1C}">
+                <a14:useLocalDpi xmlns:a14="http://schemas.microsoft.com/office/drawing/2010/main" val="0"/>
+              </a:ext>
+            </a:extLst>
+          </a:blip>
+          <a:stretch>
+            <a:fillRect/>
+          </a:stretch>
+        </p:blipFill>
+        <p:spPr>
+          <a:xfrm>
+            <a:off x="2921966" y="1995348"/>
+            <a:ext cx="5502187" cy="3750204"/>
+          </a:xfrm>
+          <a:prstGeom prst="rect">
+            <a:avLst/>
+          </a:prstGeom>
+          <a:noFill/>
+          <a:ln>
+            <a:noFill/>
+          </a:ln>
+        </p:spPr>
+      </p:pic>
+    </p:spTree>
+    <p:extLst>
+      <p:ext uri="{BB962C8B-B14F-4D97-AF65-F5344CB8AC3E}">
+        <p14:creationId xmlns:p14="http://schemas.microsoft.com/office/powerpoint/2010/main" val="3214679995"/>
+      </p:ext>
+    </p:extLst>
+  </p:cSld>
+  <p:clrMapOvr>
+    <a:masterClrMapping/>
+  </p:clrMapOvr>
+</p:sld>
+</file>
+
+<file path=ppt/slides/slide9.xml><?xml version="1.0" encoding="utf-8"?>
+<p:sld xmlns:a="http://schemas.openxmlformats.org/drawingml/2006/main" xmlns:r="http://schemas.openxmlformats.org/officeDocument/2006/relationships" xmlns:p="http://schemas.openxmlformats.org/presentationml/2006/main">
+  <p:cSld>
+    <p:spTree>
+      <p:nvGrpSpPr>
+        <p:cNvPr id="1" name="Shape 313"/>
+        <p:cNvGrpSpPr/>
+        <p:nvPr/>
+      </p:nvGrpSpPr>
+      <p:grpSpPr>
+        <a:xfrm>
+          <a:off x="0" y="0"/>
+          <a:ext cx="0" cy="0"/>
+          <a:chOff x="0" y="0"/>
+          <a:chExt cx="0" cy="0"/>
+        </a:xfrm>
+      </p:grpSpPr>
+      <p:sp>
+        <p:nvSpPr>
+          <p:cNvPr id="314" name="Google Shape;314;g17249ec79ef_1_132"/>
+          <p:cNvSpPr txBox="1">
+            <a:spLocks noGrp="1"/>
+          </p:cNvSpPr>
+          <p:nvPr>
+            <p:ph type="title"/>
+          </p:nvPr>
+        </p:nvSpPr>
+        <p:spPr>
+          <a:xfrm>
+            <a:off x="289342" y="297350"/>
+            <a:ext cx="9779100" cy="1325700"/>
+          </a:xfrm>
+          <a:prstGeom prst="rect">
+            <a:avLst/>
+          </a:prstGeom>
+          <a:noFill/>
+          <a:ln>
+            <a:noFill/>
+          </a:ln>
+        </p:spPr>
+        <p:txBody>
+          <a:bodyPr spcFirstLastPara="1" wrap="square" lIns="91425" tIns="45700" rIns="91425" bIns="45700" anchor="b" anchorCtr="0">
+            <a:noAutofit/>
+          </a:bodyPr>
+          <a:lstStyle/>
+          <a:p>
+            <a:pPr lvl="0"/>
+            <a:r>
+              <a:rPr lang="en-US" dirty="0"/>
+              <a:t>Data Exploration</a:t>
+            </a:r>
+            <a:endParaRPr dirty="0"/>
+          </a:p>
+        </p:txBody>
+      </p:sp>
+      <p:sp>
+        <p:nvSpPr>
+          <p:cNvPr id="315" name="Google Shape;315;g17249ec79ef_1_132"/>
+          <p:cNvSpPr txBox="1">
+            <a:spLocks noGrp="1"/>
+          </p:cNvSpPr>
+          <p:nvPr>
+            <p:ph type="sldNum" idx="12"/>
+          </p:nvPr>
+        </p:nvSpPr>
+        <p:spPr>
+          <a:xfrm>
+            <a:off x="10153276" y="6356350"/>
+            <a:ext cx="1657800" cy="365100"/>
+          </a:xfrm>
+          <a:prstGeom prst="rect">
+            <a:avLst/>
+          </a:prstGeom>
+          <a:noFill/>
+          <a:ln>
+            <a:noFill/>
+          </a:ln>
+        </p:spPr>
+        <p:txBody>
+          <a:bodyPr spcFirstLastPara="1" wrap="square" lIns="91425" tIns="45700" rIns="91425" bIns="45700" anchor="ctr" anchorCtr="0">
+            <a:noAutofit/>
+          </a:bodyPr>
+          <a:lstStyle/>
+          <a:p>
+            <a:pPr marL="0" lvl="0" indent="0" algn="r" rtl="0">
+              <a:spcBef>
+                <a:spcPts val="0"/>
+              </a:spcBef>
+              <a:spcAft>
+                <a:spcPts val="0"/>
+              </a:spcAft>
+              <a:buNone/>
+            </a:pPr>
+            <a:fld id="{00000000-1234-1234-1234-123412341234}" type="slidenum">
+              <a:rPr lang="en-US"/>
+              <a:t>9</a:t>
+            </a:fld>
+            <a:endParaRPr/>
+          </a:p>
+        </p:txBody>
+      </p:sp>
+      <p:sp>
+        <p:nvSpPr>
+          <p:cNvPr id="316" name="Google Shape;316;g17249ec79ef_1_132"/>
+          <p:cNvSpPr txBox="1"/>
+          <p:nvPr/>
+        </p:nvSpPr>
+        <p:spPr>
+          <a:xfrm>
+            <a:off x="3526494" y="5879327"/>
+            <a:ext cx="5520010" cy="477023"/>
+          </a:xfrm>
+          <a:prstGeom prst="rect">
+            <a:avLst/>
+          </a:prstGeom>
+          <a:noFill/>
+          <a:ln>
+            <a:noFill/>
+          </a:ln>
+        </p:spPr>
+        <p:txBody>
+          <a:bodyPr spcFirstLastPara="1" wrap="square" lIns="91425" tIns="91425" rIns="91425" bIns="91425" anchor="t" anchorCtr="0">
+            <a:spAutoFit/>
+          </a:bodyPr>
+          <a:lstStyle/>
+          <a:p>
+            <a:pPr marL="0" lvl="0" indent="0" algn="ctr" rtl="0">
+              <a:spcBef>
+                <a:spcPts val="0"/>
+              </a:spcBef>
+              <a:spcAft>
+                <a:spcPts val="0"/>
+              </a:spcAft>
+              <a:buNone/>
+            </a:pPr>
+            <a:r>
+              <a:rPr lang="en-US" sz="1900" b="1" dirty="0"/>
+              <a:t>The most important words </a:t>
+            </a:r>
+            <a:r>
+              <a:rPr lang="en-US" sz="1900" b="1" dirty="0" smtClean="0"/>
+              <a:t>in the </a:t>
+            </a:r>
+            <a:r>
+              <a:rPr lang="en-US" sz="1900" b="1" dirty="0"/>
+              <a:t>lonely class</a:t>
+            </a:r>
+            <a:endParaRPr sz="1900" b="1" dirty="0"/>
+          </a:p>
+        </p:txBody>
+      </p:sp>
+      <p:pic>
+        <p:nvPicPr>
+          <p:cNvPr id="317" name="Google Shape;317;g17249ec79ef_1_132"/>
+          <p:cNvPicPr preferRelativeResize="0"/>
+          <p:nvPr/>
+        </p:nvPicPr>
+        <p:blipFill>
+          <a:blip r:embed="rId3">
+            <a:extLst>
+              <a:ext uri="{28A0092B-C50C-407E-A947-70E740481C1C}">
+                <a14:useLocalDpi xmlns:a14="http://schemas.microsoft.com/office/drawing/2010/main" val="0"/>
+              </a:ext>
+            </a:extLst>
+          </a:blip>
+          <a:stretch>
+            <a:fillRect/>
+          </a:stretch>
+        </p:blipFill>
+        <p:spPr>
+          <a:xfrm>
+            <a:off x="3238442" y="1592427"/>
+            <a:ext cx="6096114" cy="4286900"/>
           </a:xfrm>
           <a:prstGeom prst="rect">
             <a:avLst/>
